--- a/Project Documents/Progress Report 2/Progress report.pptx
+++ b/Project Documents/Progress Report 2/Progress report.pptx
@@ -35,11 +35,9 @@
     <p:sldId id="280" r:id="rId29"/>
     <p:sldId id="281" r:id="rId30"/>
     <p:sldId id="282" r:id="rId31"/>
-    <p:sldId id="283" r:id="rId32"/>
-    <p:sldId id="284" r:id="rId33"/>
-    <p:sldId id="293" r:id="rId34"/>
-    <p:sldId id="276" r:id="rId35"/>
-    <p:sldId id="295" r:id="rId36"/>
+    <p:sldId id="293" r:id="rId32"/>
+    <p:sldId id="276" r:id="rId33"/>
+    <p:sldId id="295" r:id="rId34"/>
   </p:sldIdLst>
   <p:sldSz cx="12192000" cy="6858000"/>
   <p:notesSz cx="6858000" cy="9144000"/>
@@ -372,7 +370,7 @@
           <a:p>
             <a:fld id="{B17AFAAB-B546-45EA-83F1-D6961F00B077}" type="datetimeFigureOut">
               <a:rPr lang="en-US" smtClean="0"/>
-              <a:t>12/5/2016</a:t>
+              <a:t>2/14/2017</a:t>
             </a:fld>
             <a:endParaRPr lang="en-US"/>
           </a:p>
@@ -580,7 +578,7 @@
           <a:p>
             <a:fld id="{B17AFAAB-B546-45EA-83F1-D6961F00B077}" type="datetimeFigureOut">
               <a:rPr lang="en-US" smtClean="0"/>
-              <a:t>12/5/2016</a:t>
+              <a:t>2/14/2017</a:t>
             </a:fld>
             <a:endParaRPr lang="en-US"/>
           </a:p>
@@ -836,7 +834,7 @@
           <a:p>
             <a:fld id="{B17AFAAB-B546-45EA-83F1-D6961F00B077}" type="datetimeFigureOut">
               <a:rPr lang="en-US" smtClean="0"/>
-              <a:t>12/5/2016</a:t>
+              <a:t>2/14/2017</a:t>
             </a:fld>
             <a:endParaRPr lang="en-US"/>
           </a:p>
@@ -1010,7 +1008,7 @@
           <a:p>
             <a:fld id="{B17AFAAB-B546-45EA-83F1-D6961F00B077}" type="datetimeFigureOut">
               <a:rPr lang="en-US" smtClean="0"/>
-              <a:t>12/5/2016</a:t>
+              <a:t>2/14/2017</a:t>
             </a:fld>
             <a:endParaRPr lang="en-US"/>
           </a:p>
@@ -1353,7 +1351,7 @@
           <a:p>
             <a:fld id="{B17AFAAB-B546-45EA-83F1-D6961F00B077}" type="datetimeFigureOut">
               <a:rPr lang="en-US" smtClean="0"/>
-              <a:t>12/5/2016</a:t>
+              <a:t>2/14/2017</a:t>
             </a:fld>
             <a:endParaRPr lang="en-US"/>
           </a:p>
@@ -1628,7 +1626,7 @@
           <a:p>
             <a:fld id="{B17AFAAB-B546-45EA-83F1-D6961F00B077}" type="datetimeFigureOut">
               <a:rPr lang="en-US" smtClean="0"/>
-              <a:t>12/5/2016</a:t>
+              <a:t>2/14/2017</a:t>
             </a:fld>
             <a:endParaRPr lang="en-US"/>
           </a:p>
@@ -2007,7 +2005,7 @@
           <a:p>
             <a:fld id="{B17AFAAB-B546-45EA-83F1-D6961F00B077}" type="datetimeFigureOut">
               <a:rPr lang="en-US" smtClean="0"/>
-              <a:t>12/5/2016</a:t>
+              <a:t>2/14/2017</a:t>
             </a:fld>
             <a:endParaRPr lang="en-US"/>
           </a:p>
@@ -2125,7 +2123,7 @@
           <a:p>
             <a:fld id="{B17AFAAB-B546-45EA-83F1-D6961F00B077}" type="datetimeFigureOut">
               <a:rPr lang="en-US" smtClean="0"/>
-              <a:t>12/5/2016</a:t>
+              <a:t>2/14/2017</a:t>
             </a:fld>
             <a:endParaRPr lang="en-US"/>
           </a:p>
@@ -2296,7 +2294,7 @@
           <a:p>
             <a:fld id="{B17AFAAB-B546-45EA-83F1-D6961F00B077}" type="datetimeFigureOut">
               <a:rPr lang="en-US" smtClean="0"/>
-              <a:t>12/5/2016</a:t>
+              <a:t>2/14/2017</a:t>
             </a:fld>
             <a:endParaRPr lang="en-US"/>
           </a:p>
@@ -2650,7 +2648,7 @@
           <a:p>
             <a:fld id="{B17AFAAB-B546-45EA-83F1-D6961F00B077}" type="datetimeFigureOut">
               <a:rPr lang="en-US" smtClean="0"/>
-              <a:t>12/5/2016</a:t>
+              <a:t>2/14/2017</a:t>
             </a:fld>
             <a:endParaRPr lang="en-US"/>
           </a:p>
@@ -3032,7 +3030,7 @@
           <a:p>
             <a:fld id="{B17AFAAB-B546-45EA-83F1-D6961F00B077}" type="datetimeFigureOut">
               <a:rPr lang="en-US" smtClean="0"/>
-              <a:t>12/5/2016</a:t>
+              <a:t>2/14/2017</a:t>
             </a:fld>
             <a:endParaRPr lang="en-US"/>
           </a:p>
@@ -3319,7 +3317,7 @@
           <a:p>
             <a:fld id="{B17AFAAB-B546-45EA-83F1-D6961F00B077}" type="datetimeFigureOut">
               <a:rPr lang="en-US" smtClean="0"/>
-              <a:t>12/5/2016</a:t>
+              <a:t>2/14/2017</a:t>
             </a:fld>
             <a:endParaRPr lang="en-US"/>
           </a:p>
@@ -5743,7 +5741,7 @@
           <a:p>
             <a:r>
               <a:rPr lang="en-US" dirty="0"/>
-              <a:t>Week 3</a:t>
+              <a:t>Winter Week 1</a:t>
             </a:r>
           </a:p>
         </p:txBody>
@@ -5763,56 +5761,7 @@
           <a:bodyPr/>
           <a:lstStyle/>
           <a:p>
-            <a:r>
-              <a:rPr lang="en-US" dirty="0"/>
-              <a:t>Brainstorming ideas</a:t>
-            </a:r>
-          </a:p>
-          <a:p>
-            <a:r>
-              <a:rPr lang="en-US" dirty="0"/>
-              <a:t>Meeting with Patti</a:t>
-            </a:r>
-          </a:p>
-          <a:p>
-            <a:r>
-              <a:rPr lang="en-US" dirty="0"/>
-              <a:t>Another meeting with Patti and Jim</a:t>
-            </a:r>
-          </a:p>
-          <a:p>
-            <a:pPr lvl="1"/>
-            <a:r>
-              <a:rPr lang="en-US" dirty="0"/>
-              <a:t>Intro to Vrok.it</a:t>
-            </a:r>
-          </a:p>
-          <a:p>
-            <a:pPr lvl="1"/>
-            <a:r>
-              <a:rPr lang="en-US" dirty="0"/>
-              <a:t>Polygon reduction?</a:t>
-            </a:r>
-          </a:p>
-          <a:p>
-            <a:pPr lvl="1"/>
-            <a:r>
-              <a:rPr lang="en-US" dirty="0"/>
-              <a:t>Potential VR reduction?</a:t>
-            </a:r>
-          </a:p>
-          <a:p>
-            <a:r>
-              <a:rPr lang="en-US" dirty="0"/>
-              <a:t>Began idea of what we were doing.</a:t>
-            </a:r>
-          </a:p>
-          <a:p>
-            <a:pPr lvl="1"/>
-            <a:r>
-              <a:rPr lang="en-US" dirty="0"/>
-              <a:t>Nothing concrete…</a:t>
-            </a:r>
+            <a:endParaRPr lang="en-US" dirty="0"/>
           </a:p>
         </p:txBody>
       </p:sp>
@@ -5863,7 +5812,7 @@
           <a:p>
             <a:r>
               <a:rPr lang="en-US" dirty="0"/>
-              <a:t>Week 4</a:t>
+              <a:t>Winter Week 2</a:t>
             </a:r>
           </a:p>
         </p:txBody>
@@ -5882,45 +5831,6 @@
         <p:txBody>
           <a:bodyPr/>
           <a:lstStyle/>
-          <a:p>
-            <a:r>
-              <a:rPr lang="en-US" dirty="0"/>
-              <a:t>Problem statement assigned</a:t>
-            </a:r>
-          </a:p>
-          <a:p>
-            <a:pPr lvl="1"/>
-            <a:r>
-              <a:rPr lang="en-US" dirty="0"/>
-              <a:t>However, project not refined enough</a:t>
-            </a:r>
-          </a:p>
-          <a:p>
-            <a:r>
-              <a:rPr lang="en-US" dirty="0"/>
-              <a:t>Another conference call with Patti</a:t>
-            </a:r>
-          </a:p>
-          <a:p>
-            <a:pPr lvl="1"/>
-            <a:r>
-              <a:rPr lang="en-US" dirty="0"/>
-              <a:t>Working out more details</a:t>
-            </a:r>
-          </a:p>
-          <a:p>
-            <a:pPr lvl="1"/>
-            <a:r>
-              <a:rPr lang="en-US" dirty="0"/>
-              <a:t>Got in contact with Vrok.it creator, Kean</a:t>
-            </a:r>
-          </a:p>
-          <a:p>
-            <a:r>
-              <a:rPr lang="en-US" dirty="0"/>
-              <a:t>Still not enough information to begin problem statement</a:t>
-            </a:r>
-          </a:p>
           <a:p>
             <a:pPr marL="457200" lvl="1" indent="0">
               <a:buNone/>
@@ -5976,7 +5886,7 @@
           <a:p>
             <a:r>
               <a:rPr lang="en-US" dirty="0"/>
-              <a:t>Week 5</a:t>
+              <a:t>Winter Week 3</a:t>
             </a:r>
           </a:p>
         </p:txBody>
@@ -5996,43 +5906,7 @@
           <a:bodyPr/>
           <a:lstStyle/>
           <a:p>
-            <a:r>
-              <a:rPr lang="en-US" dirty="0"/>
-              <a:t>Had official meeting with Kean and Patti</a:t>
-            </a:r>
-          </a:p>
-          <a:p>
-            <a:pPr lvl="1"/>
-            <a:r>
-              <a:rPr lang="en-US" dirty="0"/>
-              <a:t>Enough information to finish problem statement</a:t>
-            </a:r>
-          </a:p>
-          <a:p>
-            <a:pPr lvl="1"/>
-            <a:r>
-              <a:rPr lang="en-US" dirty="0"/>
-              <a:t>More user focused</a:t>
-            </a:r>
-          </a:p>
-          <a:p>
-            <a:pPr lvl="1"/>
-            <a:r>
-              <a:rPr lang="en-US" dirty="0"/>
-              <a:t>Increasing performance if possible, but not optimizing</a:t>
-            </a:r>
-          </a:p>
-          <a:p>
-            <a:r>
-              <a:rPr lang="en-US" dirty="0"/>
-              <a:t>Viewer, VR content added in</a:t>
-            </a:r>
-          </a:p>
-          <a:p>
-            <a:r>
-              <a:rPr lang="en-US" dirty="0"/>
-              <a:t>Requirements document work begins</a:t>
-            </a:r>
+            <a:endParaRPr lang="en-US" dirty="0"/>
           </a:p>
         </p:txBody>
       </p:sp>
@@ -6083,7 +5957,7 @@
           <a:p>
             <a:r>
               <a:rPr lang="en-US" dirty="0"/>
-              <a:t>Week 6</a:t>
+              <a:t>Winter Week 4</a:t>
             </a:r>
           </a:p>
         </p:txBody>
@@ -6103,44 +5977,7 @@
           <a:bodyPr/>
           <a:lstStyle/>
           <a:p>
-            <a:r>
-              <a:rPr lang="en-US" dirty="0"/>
-              <a:t>Hard to meet with client</a:t>
-            </a:r>
-          </a:p>
-          <a:p>
-            <a:r>
-              <a:rPr lang="en-US" dirty="0"/>
-              <a:t>Wanted </a:t>
-            </a:r>
-            <a:r>
-              <a:rPr lang="en-US" dirty="0" err="1"/>
-              <a:t>Nels</a:t>
-            </a:r>
-            <a:r>
-              <a:rPr lang="en-US" dirty="0"/>
-              <a:t> to join the next meeting </a:t>
-            </a:r>
-          </a:p>
-          <a:p>
-            <a:pPr lvl="1"/>
-            <a:r>
-              <a:rPr lang="en-US" dirty="0"/>
-              <a:t>Help narrow scope more</a:t>
-            </a:r>
-          </a:p>
-          <a:p>
-            <a:pPr lvl="1"/>
-            <a:r>
-              <a:rPr lang="en-US" dirty="0"/>
-              <a:t>Help convey capstone intentions as well</a:t>
-            </a:r>
-          </a:p>
-          <a:p>
-            <a:r>
-              <a:rPr lang="en-US" dirty="0"/>
-              <a:t>Unable to get question answered due to Autodesk event</a:t>
-            </a:r>
+            <a:endParaRPr lang="en-US" dirty="0"/>
           </a:p>
         </p:txBody>
       </p:sp>
@@ -6191,7 +6028,7 @@
           <a:p>
             <a:r>
               <a:rPr lang="en-US" dirty="0"/>
-              <a:t>Week 7</a:t>
+              <a:t>Winter Week 5</a:t>
             </a:r>
           </a:p>
         </p:txBody>
@@ -6211,36 +6048,7 @@
           <a:bodyPr/>
           <a:lstStyle/>
           <a:p>
-            <a:r>
-              <a:rPr lang="en-US" dirty="0"/>
-              <a:t>Requirements Document draft finished</a:t>
-            </a:r>
-          </a:p>
-          <a:p>
-            <a:pPr lvl="1"/>
-            <a:r>
-              <a:rPr lang="en-US" dirty="0"/>
-              <a:t>Feedback received</a:t>
-            </a:r>
-          </a:p>
-          <a:p>
-            <a:pPr lvl="2"/>
-            <a:r>
-              <a:rPr lang="en-US" dirty="0"/>
-              <a:t>Needed to be more descriptive</a:t>
-            </a:r>
-          </a:p>
-          <a:p>
-            <a:r>
-              <a:rPr lang="en-US" dirty="0"/>
-              <a:t>Able to contact Patti and setup meeting</a:t>
-            </a:r>
-          </a:p>
-          <a:p>
-            <a:r>
-              <a:rPr lang="en-US" dirty="0"/>
-              <a:t>Tech review and requirements document final coincide</a:t>
-            </a:r>
+            <a:endParaRPr lang="en-US" dirty="0"/>
           </a:p>
         </p:txBody>
       </p:sp>
@@ -6350,7 +6158,7 @@
           <a:p>
             <a:r>
               <a:rPr lang="en-US" dirty="0"/>
-              <a:t>Week 8 </a:t>
+              <a:t>Winter Week 6</a:t>
             </a:r>
           </a:p>
         </p:txBody>
@@ -6439,218 +6247,6 @@
 </file>
 
 <file path=ppt/slides/slide31.xml><?xml version="1.0" encoding="utf-8"?>
-<p:sld xmlns:a="http://schemas.openxmlformats.org/drawingml/2006/main" xmlns:r="http://schemas.openxmlformats.org/officeDocument/2006/relationships" xmlns:p="http://schemas.openxmlformats.org/presentationml/2006/main">
-  <p:cSld>
-    <p:spTree>
-      <p:nvGrpSpPr>
-        <p:cNvPr id="1" name=""/>
-        <p:cNvGrpSpPr/>
-        <p:nvPr/>
-      </p:nvGrpSpPr>
-      <p:grpSpPr>
-        <a:xfrm>
-          <a:off x="0" y="0"/>
-          <a:ext cx="0" cy="0"/>
-          <a:chOff x="0" y="0"/>
-          <a:chExt cx="0" cy="0"/>
-        </a:xfrm>
-      </p:grpSpPr>
-      <p:sp>
-        <p:nvSpPr>
-          <p:cNvPr id="2" name="Title 1"/>
-          <p:cNvSpPr>
-            <a:spLocks noGrp="1"/>
-          </p:cNvSpPr>
-          <p:nvPr>
-            <p:ph type="title"/>
-          </p:nvPr>
-        </p:nvSpPr>
-        <p:spPr/>
-        <p:txBody>
-          <a:bodyPr/>
-          <a:lstStyle/>
-          <a:p>
-            <a:r>
-              <a:rPr lang="en-US" dirty="0"/>
-              <a:t>Week 9</a:t>
-            </a:r>
-          </a:p>
-        </p:txBody>
-      </p:sp>
-      <p:sp>
-        <p:nvSpPr>
-          <p:cNvPr id="3" name="Content Placeholder 2"/>
-          <p:cNvSpPr>
-            <a:spLocks noGrp="1"/>
-          </p:cNvSpPr>
-          <p:nvPr>
-            <p:ph idx="1"/>
-          </p:nvPr>
-        </p:nvSpPr>
-        <p:spPr/>
-        <p:txBody>
-          <a:bodyPr/>
-          <a:lstStyle/>
-          <a:p>
-            <a:r>
-              <a:rPr lang="en-US" dirty="0"/>
-              <a:t>Least productive week</a:t>
-            </a:r>
-          </a:p>
-          <a:p>
-            <a:r>
-              <a:rPr lang="en-US" dirty="0"/>
-              <a:t>Thanksgiving and travelling</a:t>
-            </a:r>
-          </a:p>
-          <a:p>
-            <a:r>
-              <a:rPr lang="en-US" dirty="0"/>
-              <a:t>Design Document due in the next week</a:t>
-            </a:r>
-          </a:p>
-          <a:p>
-            <a:pPr lvl="1"/>
-            <a:r>
-              <a:rPr lang="en-US" dirty="0"/>
-              <a:t>Documentation hard to decipher</a:t>
-            </a:r>
-          </a:p>
-          <a:p>
-            <a:pPr lvl="1"/>
-            <a:r>
-              <a:rPr lang="en-US" dirty="0"/>
-              <a:t>Not able to break down as a group</a:t>
-            </a:r>
-          </a:p>
-          <a:p>
-            <a:endParaRPr lang="en-US" dirty="0"/>
-          </a:p>
-        </p:txBody>
-      </p:sp>
-    </p:spTree>
-    <p:extLst>
-      <p:ext uri="{BB962C8B-B14F-4D97-AF65-F5344CB8AC3E}">
-        <p14:creationId xmlns:p14="http://schemas.microsoft.com/office/powerpoint/2010/main" val="4177011364"/>
-      </p:ext>
-    </p:extLst>
-  </p:cSld>
-  <p:clrMapOvr>
-    <a:masterClrMapping/>
-  </p:clrMapOvr>
-</p:sld>
-</file>
-
-<file path=ppt/slides/slide32.xml><?xml version="1.0" encoding="utf-8"?>
-<p:sld xmlns:a="http://schemas.openxmlformats.org/drawingml/2006/main" xmlns:r="http://schemas.openxmlformats.org/officeDocument/2006/relationships" xmlns:p="http://schemas.openxmlformats.org/presentationml/2006/main">
-  <p:cSld>
-    <p:spTree>
-      <p:nvGrpSpPr>
-        <p:cNvPr id="1" name=""/>
-        <p:cNvGrpSpPr/>
-        <p:nvPr/>
-      </p:nvGrpSpPr>
-      <p:grpSpPr>
-        <a:xfrm>
-          <a:off x="0" y="0"/>
-          <a:ext cx="0" cy="0"/>
-          <a:chOff x="0" y="0"/>
-          <a:chExt cx="0" cy="0"/>
-        </a:xfrm>
-      </p:grpSpPr>
-      <p:sp>
-        <p:nvSpPr>
-          <p:cNvPr id="2" name="Title 1"/>
-          <p:cNvSpPr>
-            <a:spLocks noGrp="1"/>
-          </p:cNvSpPr>
-          <p:nvPr>
-            <p:ph type="title"/>
-          </p:nvPr>
-        </p:nvSpPr>
-        <p:spPr/>
-        <p:txBody>
-          <a:bodyPr/>
-          <a:lstStyle/>
-          <a:p>
-            <a:r>
-              <a:rPr lang="en-US" dirty="0"/>
-              <a:t>Week 10</a:t>
-            </a:r>
-          </a:p>
-        </p:txBody>
-      </p:sp>
-      <p:sp>
-        <p:nvSpPr>
-          <p:cNvPr id="3" name="Content Placeholder 2"/>
-          <p:cNvSpPr>
-            <a:spLocks noGrp="1"/>
-          </p:cNvSpPr>
-          <p:nvPr>
-            <p:ph idx="1"/>
-          </p:nvPr>
-        </p:nvSpPr>
-        <p:spPr/>
-        <p:txBody>
-          <a:bodyPr/>
-          <a:lstStyle/>
-          <a:p>
-            <a:r>
-              <a:rPr lang="en-US" dirty="0"/>
-              <a:t>Lots of work conflict with other classes</a:t>
-            </a:r>
-          </a:p>
-          <a:p>
-            <a:r>
-              <a:rPr lang="en-US" dirty="0"/>
-              <a:t>Design document</a:t>
-            </a:r>
-          </a:p>
-          <a:p>
-            <a:pPr lvl="1"/>
-            <a:r>
-              <a:rPr lang="en-US" dirty="0"/>
-              <a:t>Still issues figuring out the IEEE document</a:t>
-            </a:r>
-          </a:p>
-          <a:p>
-            <a:pPr lvl="1"/>
-            <a:r>
-              <a:rPr lang="en-US" dirty="0"/>
-              <a:t>Talk with Kirsten and </a:t>
-            </a:r>
-            <a:r>
-              <a:rPr lang="en-US" dirty="0" err="1"/>
-              <a:t>Nels</a:t>
-            </a:r>
-            <a:r>
-              <a:rPr lang="en-US" dirty="0"/>
-              <a:t> helped</a:t>
-            </a:r>
-          </a:p>
-          <a:p>
-            <a:pPr lvl="1"/>
-            <a:r>
-              <a:rPr lang="en-US" dirty="0"/>
-              <a:t>Got good work done on the document</a:t>
-            </a:r>
-          </a:p>
-        </p:txBody>
-      </p:sp>
-    </p:spTree>
-    <p:extLst>
-      <p:ext uri="{BB962C8B-B14F-4D97-AF65-F5344CB8AC3E}">
-        <p14:creationId xmlns:p14="http://schemas.microsoft.com/office/powerpoint/2010/main" val="2146190001"/>
-      </p:ext>
-    </p:extLst>
-  </p:cSld>
-  <p:clrMapOvr>
-    <a:masterClrMapping/>
-  </p:clrMapOvr>
-</p:sld>
-</file>
-
-<file path=ppt/slides/slide33.xml><?xml version="1.0" encoding="utf-8"?>
 <p:sld xmlns:a="http://schemas.openxmlformats.org/drawingml/2006/main" xmlns:r="http://schemas.openxmlformats.org/officeDocument/2006/relationships" xmlns:p="http://schemas.openxmlformats.org/presentationml/2006/main">
   <p:cSld>
     <p:spTree>
@@ -7094,7 +6690,7 @@
 </p:sld>
 </file>
 
-<file path=ppt/slides/slide34.xml><?xml version="1.0" encoding="utf-8"?>
+<file path=ppt/slides/slide32.xml><?xml version="1.0" encoding="utf-8"?>
 <p:sld xmlns:a="http://schemas.openxmlformats.org/drawingml/2006/main" xmlns:r="http://schemas.openxmlformats.org/officeDocument/2006/relationships" xmlns:p="http://schemas.openxmlformats.org/presentationml/2006/main">
   <p:cSld>
     <p:spTree>
@@ -7217,7 +6813,7 @@
 </p:sld>
 </file>
 
-<file path=ppt/slides/slide35.xml><?xml version="1.0" encoding="utf-8"?>
+<file path=ppt/slides/slide33.xml><?xml version="1.0" encoding="utf-8"?>
 <p:sld xmlns:a="http://schemas.openxmlformats.org/drawingml/2006/main" xmlns:r="http://schemas.openxmlformats.org/officeDocument/2006/relationships" xmlns:p="http://schemas.openxmlformats.org/presentationml/2006/main">
   <p:cSld>
     <p:spTree>
@@ -7272,10 +6868,24 @@
           <a:lstStyle/>
           <a:p>
             <a:r>
-              <a:rPr lang="en-US" dirty="0"/>
+              <a:rPr lang="en-US" dirty="0">
+                <a:hlinkClick r:id="rId2"/>
+              </a:rPr>
               <a:t>https://developer.autodesk.com/</a:t>
             </a:r>
             <a:endParaRPr lang="en-US" dirty="0"/>
+          </a:p>
+          <a:p>
+            <a:r>
+              <a:rPr lang="en-US" dirty="0"/>
+              <a:t>https://github.com/KeanW/vrok-it</a:t>
+            </a:r>
+          </a:p>
+          <a:p>
+            <a:r>
+              <a:rPr lang="en-US" dirty="0"/>
+              <a:t>https://github.com/Autodesk-Forge/model.derivative-nodejs-sample</a:t>
+            </a:r>
           </a:p>
         </p:txBody>
       </p:sp>

--- a/Project Documents/Progress Report 2/Progress report.pptx
+++ b/Project Documents/Progress Report 2/Progress report.pptx
@@ -28,16 +28,20 @@
     <p:sldId id="289" r:id="rId22"/>
     <p:sldId id="272" r:id="rId23"/>
     <p:sldId id="274" r:id="rId24"/>
-    <p:sldId id="297" r:id="rId25"/>
-    <p:sldId id="277" r:id="rId26"/>
-    <p:sldId id="278" r:id="rId27"/>
-    <p:sldId id="279" r:id="rId28"/>
-    <p:sldId id="280" r:id="rId29"/>
-    <p:sldId id="281" r:id="rId30"/>
-    <p:sldId id="282" r:id="rId31"/>
-    <p:sldId id="293" r:id="rId32"/>
-    <p:sldId id="276" r:id="rId33"/>
-    <p:sldId id="295" r:id="rId34"/>
+    <p:sldId id="299" r:id="rId25"/>
+    <p:sldId id="300" r:id="rId26"/>
+    <p:sldId id="301" r:id="rId27"/>
+    <p:sldId id="302" r:id="rId28"/>
+    <p:sldId id="297" r:id="rId29"/>
+    <p:sldId id="277" r:id="rId30"/>
+    <p:sldId id="278" r:id="rId31"/>
+    <p:sldId id="279" r:id="rId32"/>
+    <p:sldId id="280" r:id="rId33"/>
+    <p:sldId id="281" r:id="rId34"/>
+    <p:sldId id="282" r:id="rId35"/>
+    <p:sldId id="293" r:id="rId36"/>
+    <p:sldId id="276" r:id="rId37"/>
+    <p:sldId id="295" r:id="rId38"/>
   </p:sldIdLst>
   <p:sldSz cx="12192000" cy="6858000"/>
   <p:notesSz cx="6858000" cy="9144000"/>
@@ -5670,7 +5674,7 @@
           <a:p>
             <a:r>
               <a:rPr lang="en-US" dirty="0"/>
-              <a:t>Week by week summary</a:t>
+              <a:t>Heroku</a:t>
             </a:r>
           </a:p>
         </p:txBody>
@@ -5690,14 +5694,45 @@
           <a:bodyPr/>
           <a:lstStyle/>
           <a:p>
-            <a:endParaRPr lang="en-US"/>
+            <a:r>
+              <a:rPr lang="en-US" dirty="0"/>
+              <a:t>Moved project to Heroku</a:t>
+            </a:r>
+          </a:p>
+          <a:p>
+            <a:pPr lvl="1"/>
+            <a:r>
+              <a:rPr lang="en-US" dirty="0"/>
+              <a:t>Takes care of the most back end things</a:t>
+            </a:r>
+          </a:p>
+          <a:p>
+            <a:pPr lvl="1"/>
+            <a:r>
+              <a:rPr lang="en-US" dirty="0"/>
+              <a:t>Easy to setup</a:t>
+            </a:r>
+          </a:p>
+          <a:p>
+            <a:pPr lvl="1"/>
+            <a:r>
+              <a:rPr lang="en-US" dirty="0"/>
+              <a:t>Vrok.it also utilized</a:t>
+            </a:r>
+          </a:p>
+          <a:p>
+            <a:pPr lvl="1"/>
+            <a:r>
+              <a:rPr lang="en-US" dirty="0"/>
+              <a:t>Free!</a:t>
+            </a:r>
           </a:p>
         </p:txBody>
       </p:sp>
     </p:spTree>
     <p:extLst>
       <p:ext uri="{BB962C8B-B14F-4D97-AF65-F5344CB8AC3E}">
-        <p14:creationId xmlns:p14="http://schemas.microsoft.com/office/powerpoint/2010/main" val="4114061100"/>
+        <p14:creationId xmlns:p14="http://schemas.microsoft.com/office/powerpoint/2010/main" val="3373248086"/>
       </p:ext>
     </p:extLst>
   </p:cSld>
@@ -5741,7 +5776,7 @@
           <a:p>
             <a:r>
               <a:rPr lang="en-US" dirty="0"/>
-              <a:t>Winter Week 1</a:t>
+              <a:t>Node.js</a:t>
             </a:r>
           </a:p>
         </p:txBody>
@@ -5761,14 +5796,29 @@
           <a:bodyPr/>
           <a:lstStyle/>
           <a:p>
-            <a:endParaRPr lang="en-US" dirty="0"/>
+            <a:r>
+              <a:rPr lang="en-US" dirty="0"/>
+              <a:t>Asynchronous</a:t>
+            </a:r>
+          </a:p>
+          <a:p>
+            <a:r>
+              <a:rPr lang="en-US" dirty="0"/>
+              <a:t>Server side</a:t>
+            </a:r>
+          </a:p>
+          <a:p>
+            <a:r>
+              <a:rPr lang="en-US" dirty="0"/>
+              <a:t>Used by vrok.it and API</a:t>
+            </a:r>
           </a:p>
         </p:txBody>
       </p:sp>
     </p:spTree>
     <p:extLst>
       <p:ext uri="{BB962C8B-B14F-4D97-AF65-F5344CB8AC3E}">
-        <p14:creationId xmlns:p14="http://schemas.microsoft.com/office/powerpoint/2010/main" val="3357475344"/>
+        <p14:creationId xmlns:p14="http://schemas.microsoft.com/office/powerpoint/2010/main" val="898502521"/>
       </p:ext>
     </p:extLst>
   </p:cSld>
@@ -5812,7 +5862,7 @@
           <a:p>
             <a:r>
               <a:rPr lang="en-US" dirty="0"/>
-              <a:t>Winter Week 2</a:t>
+              <a:t>Express.js	</a:t>
             </a:r>
           </a:p>
         </p:txBody>
@@ -5832,17 +5882,62 @@
           <a:bodyPr/>
           <a:lstStyle/>
           <a:p>
-            <a:pPr marL="457200" lvl="1" indent="0">
-              <a:buNone/>
-            </a:pPr>
+            <a:r>
+              <a:rPr lang="en-US" dirty="0"/>
+              <a:t>Utilized by Vrok.it and API already</a:t>
+            </a:r>
+          </a:p>
+          <a:p>
+            <a:r>
+              <a:rPr lang="en-US" dirty="0"/>
+              <a:t>Node.js web app framework</a:t>
+            </a:r>
+          </a:p>
+          <a:p>
+            <a:r>
+              <a:rPr lang="en-US" dirty="0"/>
+              <a:t>Matches on request sent to server</a:t>
+            </a:r>
+          </a:p>
+          <a:p>
             <a:endParaRPr lang="en-US" dirty="0"/>
           </a:p>
         </p:txBody>
       </p:sp>
+      <p:pic>
+        <p:nvPicPr>
+          <p:cNvPr id="4" name="Picture 3"/>
+          <p:cNvPicPr>
+            <a:picLocks noChangeAspect="1"/>
+          </p:cNvPicPr>
+          <p:nvPr/>
+        </p:nvPicPr>
+        <p:blipFill>
+          <a:blip r:embed="rId2">
+            <a:extLst>
+              <a:ext uri="{28A0092B-C50C-407E-A947-70E740481C1C}">
+                <a14:useLocalDpi xmlns:a14="http://schemas.microsoft.com/office/drawing/2010/main" val="0"/>
+              </a:ext>
+            </a:extLst>
+          </a:blip>
+          <a:stretch>
+            <a:fillRect/>
+          </a:stretch>
+        </p:blipFill>
+        <p:spPr>
+          <a:xfrm>
+            <a:off x="5268408" y="2496773"/>
+            <a:ext cx="5887272" cy="3372321"/>
+          </a:xfrm>
+          <a:prstGeom prst="rect">
+            <a:avLst/>
+          </a:prstGeom>
+        </p:spPr>
+      </p:pic>
     </p:spTree>
     <p:extLst>
       <p:ext uri="{BB962C8B-B14F-4D97-AF65-F5344CB8AC3E}">
-        <p14:creationId xmlns:p14="http://schemas.microsoft.com/office/powerpoint/2010/main" val="3816315661"/>
+        <p14:creationId xmlns:p14="http://schemas.microsoft.com/office/powerpoint/2010/main" val="3351494084"/>
       </p:ext>
     </p:extLst>
   </p:cSld>
@@ -5886,7 +5981,7 @@
           <a:p>
             <a:r>
               <a:rPr lang="en-US" dirty="0"/>
-              <a:t>Winter Week 3</a:t>
+              <a:t>3-Legged Authentication</a:t>
             </a:r>
           </a:p>
         </p:txBody>
@@ -5906,14 +6001,164 @@
           <a:bodyPr/>
           <a:lstStyle/>
           <a:p>
+            <a:r>
+              <a:rPr lang="en-US" dirty="0" err="1"/>
+              <a:t>Url</a:t>
+            </a:r>
+            <a:r>
+              <a:rPr lang="en-US" dirty="0"/>
+              <a:t> </a:t>
+            </a:r>
+            <a:r>
+              <a:rPr lang="en-US" dirty="0" err="1"/>
+              <a:t>matchs</a:t>
+            </a:r>
+            <a:r>
+              <a:rPr lang="en-US" dirty="0"/>
+              <a:t> and calls function to give </a:t>
+            </a:r>
+            <a:r>
+              <a:rPr lang="en-US" dirty="0" err="1"/>
+              <a:t>url</a:t>
+            </a:r>
+            <a:r>
+              <a:rPr lang="en-US" dirty="0"/>
+              <a:t> that redirects to Autodesk</a:t>
+            </a:r>
+          </a:p>
+          <a:p>
+            <a:r>
+              <a:rPr lang="en-US" dirty="0"/>
+              <a:t>Receive URL and redirect to Autodesk to receive token.</a:t>
+            </a:r>
+          </a:p>
+          <a:p>
+            <a:r>
+              <a:rPr lang="en-US" dirty="0"/>
+              <a:t>Not Working as </a:t>
+            </a:r>
+            <a:r>
+              <a:rPr lang="en-US"/>
+              <a:t>it should…</a:t>
+            </a:r>
             <a:endParaRPr lang="en-US" dirty="0"/>
+          </a:p>
+        </p:txBody>
+      </p:sp>
+      <p:pic>
+        <p:nvPicPr>
+          <p:cNvPr id="9" name="Content Placeholder 3"/>
+          <p:cNvPicPr>
+            <a:picLocks noChangeAspect="1"/>
+          </p:cNvPicPr>
+          <p:nvPr/>
+        </p:nvPicPr>
+        <p:blipFill>
+          <a:blip r:embed="rId2">
+            <a:extLst>
+              <a:ext uri="{28A0092B-C50C-407E-A947-70E740481C1C}">
+                <a14:useLocalDpi xmlns:a14="http://schemas.microsoft.com/office/drawing/2010/main" val="0"/>
+              </a:ext>
+            </a:extLst>
+          </a:blip>
+          <a:stretch>
+            <a:fillRect/>
+          </a:stretch>
+        </p:blipFill>
+        <p:spPr>
+          <a:xfrm>
+            <a:off x="1097280" y="3891107"/>
+            <a:ext cx="10058400" cy="1865929"/>
+          </a:xfrm>
+          <a:prstGeom prst="rect">
+            <a:avLst/>
+          </a:prstGeom>
+        </p:spPr>
+      </p:pic>
+      <p:sp>
+        <p:nvSpPr>
+          <p:cNvPr id="10" name="Arrow: Right 9"/>
+          <p:cNvSpPr/>
+          <p:nvPr/>
+        </p:nvSpPr>
+        <p:spPr>
+          <a:xfrm>
+            <a:off x="5016616" y="4387844"/>
+            <a:ext cx="1744911" cy="436227"/>
+          </a:xfrm>
+          <a:prstGeom prst="rightArrow">
+            <a:avLst/>
+          </a:prstGeom>
+        </p:spPr>
+        <p:style>
+          <a:lnRef idx="2">
+            <a:schemeClr val="accent1">
+              <a:shade val="50000"/>
+            </a:schemeClr>
+          </a:lnRef>
+          <a:fillRef idx="1">
+            <a:schemeClr val="accent1"/>
+          </a:fillRef>
+          <a:effectRef idx="0">
+            <a:schemeClr val="accent1"/>
+          </a:effectRef>
+          <a:fontRef idx="minor">
+            <a:schemeClr val="lt1"/>
+          </a:fontRef>
+        </p:style>
+        <p:txBody>
+          <a:bodyPr rtlCol="0" anchor="ctr"/>
+          <a:lstStyle/>
+          <a:p>
+            <a:pPr algn="ctr"/>
+            <a:endParaRPr lang="en-US"/>
+          </a:p>
+        </p:txBody>
+      </p:sp>
+      <p:sp>
+        <p:nvSpPr>
+          <p:cNvPr id="11" name="Arrow: Right 10"/>
+          <p:cNvSpPr/>
+          <p:nvPr/>
+        </p:nvSpPr>
+        <p:spPr>
+          <a:xfrm rot="10800000">
+            <a:off x="5016616" y="4976471"/>
+            <a:ext cx="1744911" cy="436227"/>
+          </a:xfrm>
+          <a:prstGeom prst="rightArrow">
+            <a:avLst/>
+          </a:prstGeom>
+        </p:spPr>
+        <p:style>
+          <a:lnRef idx="2">
+            <a:schemeClr val="accent1">
+              <a:shade val="50000"/>
+            </a:schemeClr>
+          </a:lnRef>
+          <a:fillRef idx="1">
+            <a:schemeClr val="accent1"/>
+          </a:fillRef>
+          <a:effectRef idx="0">
+            <a:schemeClr val="accent1"/>
+          </a:effectRef>
+          <a:fontRef idx="minor">
+            <a:schemeClr val="lt1"/>
+          </a:fontRef>
+        </p:style>
+        <p:txBody>
+          <a:bodyPr rtlCol="0" anchor="ctr"/>
+          <a:lstStyle/>
+          <a:p>
+            <a:pPr algn="ctr"/>
+            <a:endParaRPr lang="en-US"/>
           </a:p>
         </p:txBody>
       </p:sp>
     </p:spTree>
     <p:extLst>
       <p:ext uri="{BB962C8B-B14F-4D97-AF65-F5344CB8AC3E}">
-        <p14:creationId xmlns:p14="http://schemas.microsoft.com/office/powerpoint/2010/main" val="1610455051"/>
+        <p14:creationId xmlns:p14="http://schemas.microsoft.com/office/powerpoint/2010/main" val="1200501418"/>
       </p:ext>
     </p:extLst>
   </p:cSld>
@@ -5957,7 +6202,7 @@
           <a:p>
             <a:r>
               <a:rPr lang="en-US" dirty="0"/>
-              <a:t>Winter Week 4</a:t>
+              <a:t>Week by week summary</a:t>
             </a:r>
           </a:p>
         </p:txBody>
@@ -5977,14 +6222,14 @@
           <a:bodyPr/>
           <a:lstStyle/>
           <a:p>
-            <a:endParaRPr lang="en-US" dirty="0"/>
+            <a:endParaRPr lang="en-US"/>
           </a:p>
         </p:txBody>
       </p:sp>
     </p:spTree>
     <p:extLst>
       <p:ext uri="{BB962C8B-B14F-4D97-AF65-F5344CB8AC3E}">
-        <p14:creationId xmlns:p14="http://schemas.microsoft.com/office/powerpoint/2010/main" val="270471938"/>
+        <p14:creationId xmlns:p14="http://schemas.microsoft.com/office/powerpoint/2010/main" val="4114061100"/>
       </p:ext>
     </p:extLst>
   </p:cSld>
@@ -6028,7 +6273,7 @@
           <a:p>
             <a:r>
               <a:rPr lang="en-US" dirty="0"/>
-              <a:t>Winter Week 5</a:t>
+              <a:t>Winter Week 1</a:t>
             </a:r>
           </a:p>
         </p:txBody>
@@ -6055,7 +6300,7 @@
     </p:spTree>
     <p:extLst>
       <p:ext uri="{BB962C8B-B14F-4D97-AF65-F5344CB8AC3E}">
-        <p14:creationId xmlns:p14="http://schemas.microsoft.com/office/powerpoint/2010/main" val="4206706309"/>
+        <p14:creationId xmlns:p14="http://schemas.microsoft.com/office/powerpoint/2010/main" val="3357475344"/>
       </p:ext>
     </p:extLst>
   </p:cSld>
@@ -6158,6 +6403,293 @@
           <a:p>
             <a:r>
               <a:rPr lang="en-US" dirty="0"/>
+              <a:t>Winter Week 2</a:t>
+            </a:r>
+          </a:p>
+        </p:txBody>
+      </p:sp>
+      <p:sp>
+        <p:nvSpPr>
+          <p:cNvPr id="3" name="Content Placeholder 2"/>
+          <p:cNvSpPr>
+            <a:spLocks noGrp="1"/>
+          </p:cNvSpPr>
+          <p:nvPr>
+            <p:ph idx="1"/>
+          </p:nvPr>
+        </p:nvSpPr>
+        <p:spPr/>
+        <p:txBody>
+          <a:bodyPr/>
+          <a:lstStyle/>
+          <a:p>
+            <a:pPr marL="457200" lvl="1" indent="0">
+              <a:buNone/>
+            </a:pPr>
+            <a:endParaRPr lang="en-US" dirty="0"/>
+          </a:p>
+        </p:txBody>
+      </p:sp>
+    </p:spTree>
+    <p:extLst>
+      <p:ext uri="{BB962C8B-B14F-4D97-AF65-F5344CB8AC3E}">
+        <p14:creationId xmlns:p14="http://schemas.microsoft.com/office/powerpoint/2010/main" val="3816315661"/>
+      </p:ext>
+    </p:extLst>
+  </p:cSld>
+  <p:clrMapOvr>
+    <a:masterClrMapping/>
+  </p:clrMapOvr>
+</p:sld>
+</file>
+
+<file path=ppt/slides/slide31.xml><?xml version="1.0" encoding="utf-8"?>
+<p:sld xmlns:a="http://schemas.openxmlformats.org/drawingml/2006/main" xmlns:r="http://schemas.openxmlformats.org/officeDocument/2006/relationships" xmlns:p="http://schemas.openxmlformats.org/presentationml/2006/main">
+  <p:cSld>
+    <p:spTree>
+      <p:nvGrpSpPr>
+        <p:cNvPr id="1" name=""/>
+        <p:cNvGrpSpPr/>
+        <p:nvPr/>
+      </p:nvGrpSpPr>
+      <p:grpSpPr>
+        <a:xfrm>
+          <a:off x="0" y="0"/>
+          <a:ext cx="0" cy="0"/>
+          <a:chOff x="0" y="0"/>
+          <a:chExt cx="0" cy="0"/>
+        </a:xfrm>
+      </p:grpSpPr>
+      <p:sp>
+        <p:nvSpPr>
+          <p:cNvPr id="2" name="Title 1"/>
+          <p:cNvSpPr>
+            <a:spLocks noGrp="1"/>
+          </p:cNvSpPr>
+          <p:nvPr>
+            <p:ph type="title"/>
+          </p:nvPr>
+        </p:nvSpPr>
+        <p:spPr/>
+        <p:txBody>
+          <a:bodyPr/>
+          <a:lstStyle/>
+          <a:p>
+            <a:r>
+              <a:rPr lang="en-US" dirty="0"/>
+              <a:t>Winter Week 3</a:t>
+            </a:r>
+          </a:p>
+        </p:txBody>
+      </p:sp>
+      <p:sp>
+        <p:nvSpPr>
+          <p:cNvPr id="3" name="Content Placeholder 2"/>
+          <p:cNvSpPr>
+            <a:spLocks noGrp="1"/>
+          </p:cNvSpPr>
+          <p:nvPr>
+            <p:ph idx="1"/>
+          </p:nvPr>
+        </p:nvSpPr>
+        <p:spPr/>
+        <p:txBody>
+          <a:bodyPr/>
+          <a:lstStyle/>
+          <a:p>
+            <a:endParaRPr lang="en-US" dirty="0"/>
+          </a:p>
+        </p:txBody>
+      </p:sp>
+    </p:spTree>
+    <p:extLst>
+      <p:ext uri="{BB962C8B-B14F-4D97-AF65-F5344CB8AC3E}">
+        <p14:creationId xmlns:p14="http://schemas.microsoft.com/office/powerpoint/2010/main" val="1610455051"/>
+      </p:ext>
+    </p:extLst>
+  </p:cSld>
+  <p:clrMapOvr>
+    <a:masterClrMapping/>
+  </p:clrMapOvr>
+</p:sld>
+</file>
+
+<file path=ppt/slides/slide32.xml><?xml version="1.0" encoding="utf-8"?>
+<p:sld xmlns:a="http://schemas.openxmlformats.org/drawingml/2006/main" xmlns:r="http://schemas.openxmlformats.org/officeDocument/2006/relationships" xmlns:p="http://schemas.openxmlformats.org/presentationml/2006/main">
+  <p:cSld>
+    <p:spTree>
+      <p:nvGrpSpPr>
+        <p:cNvPr id="1" name=""/>
+        <p:cNvGrpSpPr/>
+        <p:nvPr/>
+      </p:nvGrpSpPr>
+      <p:grpSpPr>
+        <a:xfrm>
+          <a:off x="0" y="0"/>
+          <a:ext cx="0" cy="0"/>
+          <a:chOff x="0" y="0"/>
+          <a:chExt cx="0" cy="0"/>
+        </a:xfrm>
+      </p:grpSpPr>
+      <p:sp>
+        <p:nvSpPr>
+          <p:cNvPr id="2" name="Title 1"/>
+          <p:cNvSpPr>
+            <a:spLocks noGrp="1"/>
+          </p:cNvSpPr>
+          <p:nvPr>
+            <p:ph type="title"/>
+          </p:nvPr>
+        </p:nvSpPr>
+        <p:spPr/>
+        <p:txBody>
+          <a:bodyPr/>
+          <a:lstStyle/>
+          <a:p>
+            <a:r>
+              <a:rPr lang="en-US" dirty="0"/>
+              <a:t>Winter Week 4</a:t>
+            </a:r>
+          </a:p>
+        </p:txBody>
+      </p:sp>
+      <p:sp>
+        <p:nvSpPr>
+          <p:cNvPr id="3" name="Content Placeholder 2"/>
+          <p:cNvSpPr>
+            <a:spLocks noGrp="1"/>
+          </p:cNvSpPr>
+          <p:nvPr>
+            <p:ph idx="1"/>
+          </p:nvPr>
+        </p:nvSpPr>
+        <p:spPr/>
+        <p:txBody>
+          <a:bodyPr/>
+          <a:lstStyle/>
+          <a:p>
+            <a:endParaRPr lang="en-US" dirty="0"/>
+          </a:p>
+        </p:txBody>
+      </p:sp>
+    </p:spTree>
+    <p:extLst>
+      <p:ext uri="{BB962C8B-B14F-4D97-AF65-F5344CB8AC3E}">
+        <p14:creationId xmlns:p14="http://schemas.microsoft.com/office/powerpoint/2010/main" val="270471938"/>
+      </p:ext>
+    </p:extLst>
+  </p:cSld>
+  <p:clrMapOvr>
+    <a:masterClrMapping/>
+  </p:clrMapOvr>
+</p:sld>
+</file>
+
+<file path=ppt/slides/slide33.xml><?xml version="1.0" encoding="utf-8"?>
+<p:sld xmlns:a="http://schemas.openxmlformats.org/drawingml/2006/main" xmlns:r="http://schemas.openxmlformats.org/officeDocument/2006/relationships" xmlns:p="http://schemas.openxmlformats.org/presentationml/2006/main">
+  <p:cSld>
+    <p:spTree>
+      <p:nvGrpSpPr>
+        <p:cNvPr id="1" name=""/>
+        <p:cNvGrpSpPr/>
+        <p:nvPr/>
+      </p:nvGrpSpPr>
+      <p:grpSpPr>
+        <a:xfrm>
+          <a:off x="0" y="0"/>
+          <a:ext cx="0" cy="0"/>
+          <a:chOff x="0" y="0"/>
+          <a:chExt cx="0" cy="0"/>
+        </a:xfrm>
+      </p:grpSpPr>
+      <p:sp>
+        <p:nvSpPr>
+          <p:cNvPr id="2" name="Title 1"/>
+          <p:cNvSpPr>
+            <a:spLocks noGrp="1"/>
+          </p:cNvSpPr>
+          <p:nvPr>
+            <p:ph type="title"/>
+          </p:nvPr>
+        </p:nvSpPr>
+        <p:spPr/>
+        <p:txBody>
+          <a:bodyPr/>
+          <a:lstStyle/>
+          <a:p>
+            <a:r>
+              <a:rPr lang="en-US" dirty="0"/>
+              <a:t>Winter Week 5</a:t>
+            </a:r>
+          </a:p>
+        </p:txBody>
+      </p:sp>
+      <p:sp>
+        <p:nvSpPr>
+          <p:cNvPr id="3" name="Content Placeholder 2"/>
+          <p:cNvSpPr>
+            <a:spLocks noGrp="1"/>
+          </p:cNvSpPr>
+          <p:nvPr>
+            <p:ph idx="1"/>
+          </p:nvPr>
+        </p:nvSpPr>
+        <p:spPr/>
+        <p:txBody>
+          <a:bodyPr/>
+          <a:lstStyle/>
+          <a:p>
+            <a:endParaRPr lang="en-US" dirty="0"/>
+          </a:p>
+        </p:txBody>
+      </p:sp>
+    </p:spTree>
+    <p:extLst>
+      <p:ext uri="{BB962C8B-B14F-4D97-AF65-F5344CB8AC3E}">
+        <p14:creationId xmlns:p14="http://schemas.microsoft.com/office/powerpoint/2010/main" val="4206706309"/>
+      </p:ext>
+    </p:extLst>
+  </p:cSld>
+  <p:clrMapOvr>
+    <a:masterClrMapping/>
+  </p:clrMapOvr>
+</p:sld>
+</file>
+
+<file path=ppt/slides/slide34.xml><?xml version="1.0" encoding="utf-8"?>
+<p:sld xmlns:a="http://schemas.openxmlformats.org/drawingml/2006/main" xmlns:r="http://schemas.openxmlformats.org/officeDocument/2006/relationships" xmlns:p="http://schemas.openxmlformats.org/presentationml/2006/main">
+  <p:cSld>
+    <p:spTree>
+      <p:nvGrpSpPr>
+        <p:cNvPr id="1" name=""/>
+        <p:cNvGrpSpPr/>
+        <p:nvPr/>
+      </p:nvGrpSpPr>
+      <p:grpSpPr>
+        <a:xfrm>
+          <a:off x="0" y="0"/>
+          <a:ext cx="0" cy="0"/>
+          <a:chOff x="0" y="0"/>
+          <a:chExt cx="0" cy="0"/>
+        </a:xfrm>
+      </p:grpSpPr>
+      <p:sp>
+        <p:nvSpPr>
+          <p:cNvPr id="2" name="Title 1"/>
+          <p:cNvSpPr>
+            <a:spLocks noGrp="1"/>
+          </p:cNvSpPr>
+          <p:nvPr>
+            <p:ph type="title"/>
+          </p:nvPr>
+        </p:nvSpPr>
+        <p:spPr/>
+        <p:txBody>
+          <a:bodyPr/>
+          <a:lstStyle/>
+          <a:p>
+            <a:r>
+              <a:rPr lang="en-US" dirty="0"/>
               <a:t>Winter Week 6</a:t>
             </a:r>
           </a:p>
@@ -6246,7 +6778,7 @@
 </p:sld>
 </file>
 
-<file path=ppt/slides/slide31.xml><?xml version="1.0" encoding="utf-8"?>
+<file path=ppt/slides/slide35.xml><?xml version="1.0" encoding="utf-8"?>
 <p:sld xmlns:a="http://schemas.openxmlformats.org/drawingml/2006/main" xmlns:r="http://schemas.openxmlformats.org/officeDocument/2006/relationships" xmlns:p="http://schemas.openxmlformats.org/presentationml/2006/main">
   <p:cSld>
     <p:spTree>
@@ -6690,7 +7222,7 @@
 </p:sld>
 </file>
 
-<file path=ppt/slides/slide32.xml><?xml version="1.0" encoding="utf-8"?>
+<file path=ppt/slides/slide36.xml><?xml version="1.0" encoding="utf-8"?>
 <p:sld xmlns:a="http://schemas.openxmlformats.org/drawingml/2006/main" xmlns:r="http://schemas.openxmlformats.org/officeDocument/2006/relationships" xmlns:p="http://schemas.openxmlformats.org/presentationml/2006/main">
   <p:cSld>
     <p:spTree>
@@ -6813,7 +7345,7 @@
 </p:sld>
 </file>
 
-<file path=ppt/slides/slide33.xml><?xml version="1.0" encoding="utf-8"?>
+<file path=ppt/slides/slide37.xml><?xml version="1.0" encoding="utf-8"?>
 <p:sld xmlns:a="http://schemas.openxmlformats.org/drawingml/2006/main" xmlns:r="http://schemas.openxmlformats.org/officeDocument/2006/relationships" xmlns:p="http://schemas.openxmlformats.org/presentationml/2006/main">
   <p:cSld>
     <p:spTree>

--- a/Project Documents/Progress Report 2/Progress report.pptx
+++ b/Project Documents/Progress Report 2/Progress report.pptx
@@ -29,19 +29,23 @@
     <p:sldId id="272" r:id="rId23"/>
     <p:sldId id="274" r:id="rId24"/>
     <p:sldId id="299" r:id="rId25"/>
-    <p:sldId id="300" r:id="rId26"/>
-    <p:sldId id="301" r:id="rId27"/>
-    <p:sldId id="302" r:id="rId28"/>
-    <p:sldId id="297" r:id="rId29"/>
-    <p:sldId id="277" r:id="rId30"/>
-    <p:sldId id="278" r:id="rId31"/>
-    <p:sldId id="279" r:id="rId32"/>
-    <p:sldId id="280" r:id="rId33"/>
-    <p:sldId id="281" r:id="rId34"/>
-    <p:sldId id="282" r:id="rId35"/>
-    <p:sldId id="293" r:id="rId36"/>
-    <p:sldId id="276" r:id="rId37"/>
-    <p:sldId id="295" r:id="rId38"/>
+    <p:sldId id="305" r:id="rId26"/>
+    <p:sldId id="304" r:id="rId27"/>
+    <p:sldId id="303" r:id="rId28"/>
+    <p:sldId id="300" r:id="rId29"/>
+    <p:sldId id="301" r:id="rId30"/>
+    <p:sldId id="302" r:id="rId31"/>
+    <p:sldId id="306" r:id="rId32"/>
+    <p:sldId id="297" r:id="rId33"/>
+    <p:sldId id="277" r:id="rId34"/>
+    <p:sldId id="278" r:id="rId35"/>
+    <p:sldId id="279" r:id="rId36"/>
+    <p:sldId id="280" r:id="rId37"/>
+    <p:sldId id="281" r:id="rId38"/>
+    <p:sldId id="282" r:id="rId39"/>
+    <p:sldId id="293" r:id="rId40"/>
+    <p:sldId id="276" r:id="rId41"/>
+    <p:sldId id="295" r:id="rId42"/>
   </p:sldIdLst>
   <p:sldSz cx="12192000" cy="6858000"/>
   <p:notesSz cx="6858000" cy="9144000"/>
@@ -374,7 +378,7 @@
           <a:p>
             <a:fld id="{B17AFAAB-B546-45EA-83F1-D6961F00B077}" type="datetimeFigureOut">
               <a:rPr lang="en-US" smtClean="0"/>
-              <a:t>2/14/2017</a:t>
+              <a:t>2/15/2017</a:t>
             </a:fld>
             <a:endParaRPr lang="en-US"/>
           </a:p>
@@ -582,7 +586,7 @@
           <a:p>
             <a:fld id="{B17AFAAB-B546-45EA-83F1-D6961F00B077}" type="datetimeFigureOut">
               <a:rPr lang="en-US" smtClean="0"/>
-              <a:t>2/14/2017</a:t>
+              <a:t>2/15/2017</a:t>
             </a:fld>
             <a:endParaRPr lang="en-US"/>
           </a:p>
@@ -838,7 +842,7 @@
           <a:p>
             <a:fld id="{B17AFAAB-B546-45EA-83F1-D6961F00B077}" type="datetimeFigureOut">
               <a:rPr lang="en-US" smtClean="0"/>
-              <a:t>2/14/2017</a:t>
+              <a:t>2/15/2017</a:t>
             </a:fld>
             <a:endParaRPr lang="en-US"/>
           </a:p>
@@ -1012,7 +1016,7 @@
           <a:p>
             <a:fld id="{B17AFAAB-B546-45EA-83F1-D6961F00B077}" type="datetimeFigureOut">
               <a:rPr lang="en-US" smtClean="0"/>
-              <a:t>2/14/2017</a:t>
+              <a:t>2/15/2017</a:t>
             </a:fld>
             <a:endParaRPr lang="en-US"/>
           </a:p>
@@ -1355,7 +1359,7 @@
           <a:p>
             <a:fld id="{B17AFAAB-B546-45EA-83F1-D6961F00B077}" type="datetimeFigureOut">
               <a:rPr lang="en-US" smtClean="0"/>
-              <a:t>2/14/2017</a:t>
+              <a:t>2/15/2017</a:t>
             </a:fld>
             <a:endParaRPr lang="en-US"/>
           </a:p>
@@ -1630,7 +1634,7 @@
           <a:p>
             <a:fld id="{B17AFAAB-B546-45EA-83F1-D6961F00B077}" type="datetimeFigureOut">
               <a:rPr lang="en-US" smtClean="0"/>
-              <a:t>2/14/2017</a:t>
+              <a:t>2/15/2017</a:t>
             </a:fld>
             <a:endParaRPr lang="en-US"/>
           </a:p>
@@ -2009,7 +2013,7 @@
           <a:p>
             <a:fld id="{B17AFAAB-B546-45EA-83F1-D6961F00B077}" type="datetimeFigureOut">
               <a:rPr lang="en-US" smtClean="0"/>
-              <a:t>2/14/2017</a:t>
+              <a:t>2/15/2017</a:t>
             </a:fld>
             <a:endParaRPr lang="en-US"/>
           </a:p>
@@ -2127,7 +2131,7 @@
           <a:p>
             <a:fld id="{B17AFAAB-B546-45EA-83F1-D6961F00B077}" type="datetimeFigureOut">
               <a:rPr lang="en-US" smtClean="0"/>
-              <a:t>2/14/2017</a:t>
+              <a:t>2/15/2017</a:t>
             </a:fld>
             <a:endParaRPr lang="en-US"/>
           </a:p>
@@ -2298,7 +2302,7 @@
           <a:p>
             <a:fld id="{B17AFAAB-B546-45EA-83F1-D6961F00B077}" type="datetimeFigureOut">
               <a:rPr lang="en-US" smtClean="0"/>
-              <a:t>2/14/2017</a:t>
+              <a:t>2/15/2017</a:t>
             </a:fld>
             <a:endParaRPr lang="en-US"/>
           </a:p>
@@ -2652,7 +2656,7 @@
           <a:p>
             <a:fld id="{B17AFAAB-B546-45EA-83F1-D6961F00B077}" type="datetimeFigureOut">
               <a:rPr lang="en-US" smtClean="0"/>
-              <a:t>2/14/2017</a:t>
+              <a:t>2/15/2017</a:t>
             </a:fld>
             <a:endParaRPr lang="en-US"/>
           </a:p>
@@ -3034,7 +3038,7 @@
           <a:p>
             <a:fld id="{B17AFAAB-B546-45EA-83F1-D6961F00B077}" type="datetimeFigureOut">
               <a:rPr lang="en-US" smtClean="0"/>
-              <a:t>2/14/2017</a:t>
+              <a:t>2/15/2017</a:t>
             </a:fld>
             <a:endParaRPr lang="en-US"/>
           </a:p>
@@ -3321,7 +3325,7 @@
           <a:p>
             <a:fld id="{B17AFAAB-B546-45EA-83F1-D6961F00B077}" type="datetimeFigureOut">
               <a:rPr lang="en-US" smtClean="0"/>
-              <a:t>2/14/2017</a:t>
+              <a:t>2/15/2017</a:t>
             </a:fld>
             <a:endParaRPr lang="en-US"/>
           </a:p>
@@ -5776,6 +5780,358 @@
           <a:p>
             <a:r>
               <a:rPr lang="en-US" dirty="0"/>
+              <a:t>Getting The Website Set Up</a:t>
+            </a:r>
+          </a:p>
+        </p:txBody>
+      </p:sp>
+      <p:sp>
+        <p:nvSpPr>
+          <p:cNvPr id="3" name="Content Placeholder 2"/>
+          <p:cNvSpPr>
+            <a:spLocks noGrp="1"/>
+          </p:cNvSpPr>
+          <p:nvPr>
+            <p:ph idx="1"/>
+          </p:nvPr>
+        </p:nvSpPr>
+        <p:spPr/>
+        <p:txBody>
+          <a:bodyPr/>
+          <a:lstStyle/>
+          <a:p>
+            <a:r>
+              <a:rPr lang="en-US" dirty="0"/>
+              <a:t>Installed </a:t>
+            </a:r>
+            <a:r>
+              <a:rPr lang="en-US" dirty="0" err="1"/>
+              <a:t>heroku</a:t>
+            </a:r>
+            <a:r>
+              <a:rPr lang="en-US" dirty="0"/>
+              <a:t> and node.js</a:t>
+            </a:r>
+          </a:p>
+          <a:p>
+            <a:r>
+              <a:rPr lang="en-US" dirty="0"/>
+              <a:t>Edited the credentials in the </a:t>
+            </a:r>
+            <a:r>
+              <a:rPr lang="en-US" dirty="0" err="1"/>
+              <a:t>js</a:t>
+            </a:r>
+            <a:r>
+              <a:rPr lang="en-US" dirty="0"/>
+              <a:t> files</a:t>
+            </a:r>
+          </a:p>
+          <a:p>
+            <a:r>
+              <a:rPr lang="en-US" dirty="0"/>
+              <a:t>Created a bucket for files</a:t>
+            </a:r>
+          </a:p>
+          <a:p>
+            <a:r>
+              <a:rPr lang="en-US" dirty="0"/>
+              <a:t>Filled bucket with some Test files</a:t>
+            </a:r>
+          </a:p>
+          <a:p>
+            <a:endParaRPr lang="en-US" dirty="0"/>
+          </a:p>
+        </p:txBody>
+      </p:sp>
+    </p:spTree>
+    <p:extLst>
+      <p:ext uri="{BB962C8B-B14F-4D97-AF65-F5344CB8AC3E}">
+        <p14:creationId xmlns:p14="http://schemas.microsoft.com/office/powerpoint/2010/main" val="2629681458"/>
+      </p:ext>
+    </p:extLst>
+  </p:cSld>
+  <p:clrMapOvr>
+    <a:masterClrMapping/>
+  </p:clrMapOvr>
+</p:sld>
+</file>
+
+<file path=ppt/slides/slide26.xml><?xml version="1.0" encoding="utf-8"?>
+<p:sld xmlns:a="http://schemas.openxmlformats.org/drawingml/2006/main" xmlns:r="http://schemas.openxmlformats.org/officeDocument/2006/relationships" xmlns:p="http://schemas.openxmlformats.org/presentationml/2006/main">
+  <p:cSld>
+    <p:spTree>
+      <p:nvGrpSpPr>
+        <p:cNvPr id="1" name=""/>
+        <p:cNvGrpSpPr/>
+        <p:nvPr/>
+      </p:nvGrpSpPr>
+      <p:grpSpPr>
+        <a:xfrm>
+          <a:off x="0" y="0"/>
+          <a:ext cx="0" cy="0"/>
+          <a:chOff x="0" y="0"/>
+          <a:chExt cx="0" cy="0"/>
+        </a:xfrm>
+      </p:grpSpPr>
+      <p:sp>
+        <p:nvSpPr>
+          <p:cNvPr id="2" name="Title 1"/>
+          <p:cNvSpPr>
+            <a:spLocks noGrp="1"/>
+          </p:cNvSpPr>
+          <p:nvPr>
+            <p:ph type="title"/>
+          </p:nvPr>
+        </p:nvSpPr>
+        <p:spPr/>
+        <p:txBody>
+          <a:bodyPr/>
+          <a:lstStyle/>
+          <a:p>
+            <a:r>
+              <a:rPr lang="en-US" dirty="0"/>
+              <a:t>Local File Upload</a:t>
+            </a:r>
+          </a:p>
+        </p:txBody>
+      </p:sp>
+      <p:sp>
+        <p:nvSpPr>
+          <p:cNvPr id="3" name="Content Placeholder 2"/>
+          <p:cNvSpPr>
+            <a:spLocks noGrp="1"/>
+          </p:cNvSpPr>
+          <p:nvPr>
+            <p:ph idx="1"/>
+          </p:nvPr>
+        </p:nvSpPr>
+        <p:spPr/>
+        <p:txBody>
+          <a:bodyPr/>
+          <a:lstStyle/>
+          <a:p>
+            <a:r>
+              <a:rPr lang="en-US" dirty="0"/>
+              <a:t>Model derivative accepts roughly 60 different types of files.</a:t>
+            </a:r>
+          </a:p>
+          <a:p>
+            <a:r>
+              <a:rPr lang="en-US" dirty="0"/>
+              <a:t>Files Uploaded will be placed in the list of viewable models.</a:t>
+            </a:r>
+          </a:p>
+          <a:p>
+            <a:r>
+              <a:rPr lang="en-US" dirty="0"/>
+              <a:t>Once successfully uploaded the files will be loaded into the viewer.</a:t>
+            </a:r>
+          </a:p>
+          <a:p>
+            <a:pPr marL="0" indent="0">
+              <a:buNone/>
+            </a:pPr>
+            <a:r>
+              <a:rPr lang="en-US" dirty="0"/>
+              <a:t> Files uploaded will be placed in the </a:t>
+            </a:r>
+          </a:p>
+          <a:p>
+            <a:r>
+              <a:rPr lang="en-US" dirty="0"/>
+              <a:t>bucket temporally.</a:t>
+            </a:r>
+          </a:p>
+        </p:txBody>
+      </p:sp>
+      <p:pic>
+        <p:nvPicPr>
+          <p:cNvPr id="4" name="Picture 3"/>
+          <p:cNvPicPr>
+            <a:picLocks noChangeAspect="1"/>
+          </p:cNvPicPr>
+          <p:nvPr/>
+        </p:nvPicPr>
+        <p:blipFill>
+          <a:blip r:embed="rId2">
+            <a:extLst>
+              <a:ext uri="{28A0092B-C50C-407E-A947-70E740481C1C}">
+                <a14:useLocalDpi xmlns:a14="http://schemas.microsoft.com/office/drawing/2010/main" val="0"/>
+              </a:ext>
+            </a:extLst>
+          </a:blip>
+          <a:stretch>
+            <a:fillRect/>
+          </a:stretch>
+        </p:blipFill>
+        <p:spPr>
+          <a:xfrm>
+            <a:off x="5557777" y="3245962"/>
+            <a:ext cx="6634223" cy="2855791"/>
+          </a:xfrm>
+          <a:prstGeom prst="rect">
+            <a:avLst/>
+          </a:prstGeom>
+        </p:spPr>
+      </p:pic>
+    </p:spTree>
+    <p:extLst>
+      <p:ext uri="{BB962C8B-B14F-4D97-AF65-F5344CB8AC3E}">
+        <p14:creationId xmlns:p14="http://schemas.microsoft.com/office/powerpoint/2010/main" val="940399772"/>
+      </p:ext>
+    </p:extLst>
+  </p:cSld>
+  <p:clrMapOvr>
+    <a:masterClrMapping/>
+  </p:clrMapOvr>
+</p:sld>
+</file>
+
+<file path=ppt/slides/slide27.xml><?xml version="1.0" encoding="utf-8"?>
+<p:sld xmlns:a="http://schemas.openxmlformats.org/drawingml/2006/main" xmlns:r="http://schemas.openxmlformats.org/officeDocument/2006/relationships" xmlns:p="http://schemas.openxmlformats.org/presentationml/2006/main">
+  <p:cSld>
+    <p:spTree>
+      <p:nvGrpSpPr>
+        <p:cNvPr id="1" name=""/>
+        <p:cNvGrpSpPr/>
+        <p:nvPr/>
+      </p:nvGrpSpPr>
+      <p:grpSpPr>
+        <a:xfrm>
+          <a:off x="0" y="0"/>
+          <a:ext cx="0" cy="0"/>
+          <a:chOff x="0" y="0"/>
+          <a:chExt cx="0" cy="0"/>
+        </a:xfrm>
+      </p:grpSpPr>
+      <p:sp>
+        <p:nvSpPr>
+          <p:cNvPr id="2" name="Title 1"/>
+          <p:cNvSpPr>
+            <a:spLocks noGrp="1"/>
+          </p:cNvSpPr>
+          <p:nvPr>
+            <p:ph type="title"/>
+          </p:nvPr>
+        </p:nvSpPr>
+        <p:spPr/>
+        <p:txBody>
+          <a:bodyPr/>
+          <a:lstStyle/>
+          <a:p>
+            <a:r>
+              <a:rPr lang="en-US" dirty="0"/>
+              <a:t>Local File Restriction</a:t>
+            </a:r>
+          </a:p>
+        </p:txBody>
+      </p:sp>
+      <p:sp>
+        <p:nvSpPr>
+          <p:cNvPr id="3" name="Content Placeholder 2"/>
+          <p:cNvSpPr>
+            <a:spLocks noGrp="1"/>
+          </p:cNvSpPr>
+          <p:nvPr>
+            <p:ph idx="1"/>
+          </p:nvPr>
+        </p:nvSpPr>
+        <p:spPr/>
+        <p:txBody>
+          <a:bodyPr/>
+          <a:lstStyle/>
+          <a:p>
+            <a:r>
+              <a:rPr lang="en-US" dirty="0"/>
+              <a:t>Used the html accept attribute to restrict the file types</a:t>
+            </a:r>
+          </a:p>
+          <a:p>
+            <a:r>
+              <a:rPr lang="en-US" dirty="0"/>
+              <a:t>Only files of the types listed will show up in the file explorer </a:t>
+            </a:r>
+          </a:p>
+        </p:txBody>
+      </p:sp>
+      <p:pic>
+        <p:nvPicPr>
+          <p:cNvPr id="5" name="Picture 4"/>
+          <p:cNvPicPr>
+            <a:picLocks noChangeAspect="1"/>
+          </p:cNvPicPr>
+          <p:nvPr/>
+        </p:nvPicPr>
+        <p:blipFill>
+          <a:blip r:embed="rId2">
+            <a:extLst>
+              <a:ext uri="{28A0092B-C50C-407E-A947-70E740481C1C}">
+                <a14:useLocalDpi xmlns:a14="http://schemas.microsoft.com/office/drawing/2010/main" val="0"/>
+              </a:ext>
+            </a:extLst>
+          </a:blip>
+          <a:stretch>
+            <a:fillRect/>
+          </a:stretch>
+        </p:blipFill>
+        <p:spPr>
+          <a:xfrm>
+            <a:off x="1097280" y="3130517"/>
+            <a:ext cx="8327641" cy="3195198"/>
+          </a:xfrm>
+          <a:prstGeom prst="rect">
+            <a:avLst/>
+          </a:prstGeom>
+        </p:spPr>
+      </p:pic>
+    </p:spTree>
+    <p:extLst>
+      <p:ext uri="{BB962C8B-B14F-4D97-AF65-F5344CB8AC3E}">
+        <p14:creationId xmlns:p14="http://schemas.microsoft.com/office/powerpoint/2010/main" val="465952325"/>
+      </p:ext>
+    </p:extLst>
+  </p:cSld>
+  <p:clrMapOvr>
+    <a:masterClrMapping/>
+  </p:clrMapOvr>
+</p:sld>
+</file>
+
+<file path=ppt/slides/slide28.xml><?xml version="1.0" encoding="utf-8"?>
+<p:sld xmlns:a="http://schemas.openxmlformats.org/drawingml/2006/main" xmlns:r="http://schemas.openxmlformats.org/officeDocument/2006/relationships" xmlns:p="http://schemas.openxmlformats.org/presentationml/2006/main">
+  <p:cSld>
+    <p:spTree>
+      <p:nvGrpSpPr>
+        <p:cNvPr id="1" name=""/>
+        <p:cNvGrpSpPr/>
+        <p:nvPr/>
+      </p:nvGrpSpPr>
+      <p:grpSpPr>
+        <a:xfrm>
+          <a:off x="0" y="0"/>
+          <a:ext cx="0" cy="0"/>
+          <a:chOff x="0" y="0"/>
+          <a:chExt cx="0" cy="0"/>
+        </a:xfrm>
+      </p:grpSpPr>
+      <p:sp>
+        <p:nvSpPr>
+          <p:cNvPr id="2" name="Title 1"/>
+          <p:cNvSpPr>
+            <a:spLocks noGrp="1"/>
+          </p:cNvSpPr>
+          <p:nvPr>
+            <p:ph type="title"/>
+          </p:nvPr>
+        </p:nvSpPr>
+        <p:spPr/>
+        <p:txBody>
+          <a:bodyPr/>
+          <a:lstStyle/>
+          <a:p>
+            <a:r>
+              <a:rPr lang="en-US" dirty="0"/>
               <a:t>Node.js</a:t>
             </a:r>
           </a:p>
@@ -5828,7 +6184,7 @@
 </p:sld>
 </file>
 
-<file path=ppt/slides/slide26.xml><?xml version="1.0" encoding="utf-8"?>
+<file path=ppt/slides/slide29.xml><?xml version="1.0" encoding="utf-8"?>
 <p:sld xmlns:a="http://schemas.openxmlformats.org/drawingml/2006/main" xmlns:r="http://schemas.openxmlformats.org/officeDocument/2006/relationships" xmlns:p="http://schemas.openxmlformats.org/presentationml/2006/main">
   <p:cSld>
     <p:spTree>
@@ -5938,369 +6294,6 @@
     <p:extLst>
       <p:ext uri="{BB962C8B-B14F-4D97-AF65-F5344CB8AC3E}">
         <p14:creationId xmlns:p14="http://schemas.microsoft.com/office/powerpoint/2010/main" val="3351494084"/>
-      </p:ext>
-    </p:extLst>
-  </p:cSld>
-  <p:clrMapOvr>
-    <a:masterClrMapping/>
-  </p:clrMapOvr>
-</p:sld>
-</file>
-
-<file path=ppt/slides/slide27.xml><?xml version="1.0" encoding="utf-8"?>
-<p:sld xmlns:a="http://schemas.openxmlformats.org/drawingml/2006/main" xmlns:r="http://schemas.openxmlformats.org/officeDocument/2006/relationships" xmlns:p="http://schemas.openxmlformats.org/presentationml/2006/main">
-  <p:cSld>
-    <p:spTree>
-      <p:nvGrpSpPr>
-        <p:cNvPr id="1" name=""/>
-        <p:cNvGrpSpPr/>
-        <p:nvPr/>
-      </p:nvGrpSpPr>
-      <p:grpSpPr>
-        <a:xfrm>
-          <a:off x="0" y="0"/>
-          <a:ext cx="0" cy="0"/>
-          <a:chOff x="0" y="0"/>
-          <a:chExt cx="0" cy="0"/>
-        </a:xfrm>
-      </p:grpSpPr>
-      <p:sp>
-        <p:nvSpPr>
-          <p:cNvPr id="2" name="Title 1"/>
-          <p:cNvSpPr>
-            <a:spLocks noGrp="1"/>
-          </p:cNvSpPr>
-          <p:nvPr>
-            <p:ph type="title"/>
-          </p:nvPr>
-        </p:nvSpPr>
-        <p:spPr/>
-        <p:txBody>
-          <a:bodyPr/>
-          <a:lstStyle/>
-          <a:p>
-            <a:r>
-              <a:rPr lang="en-US" dirty="0"/>
-              <a:t>3-Legged Authentication</a:t>
-            </a:r>
-          </a:p>
-        </p:txBody>
-      </p:sp>
-      <p:sp>
-        <p:nvSpPr>
-          <p:cNvPr id="3" name="Content Placeholder 2"/>
-          <p:cNvSpPr>
-            <a:spLocks noGrp="1"/>
-          </p:cNvSpPr>
-          <p:nvPr>
-            <p:ph idx="1"/>
-          </p:nvPr>
-        </p:nvSpPr>
-        <p:spPr/>
-        <p:txBody>
-          <a:bodyPr/>
-          <a:lstStyle/>
-          <a:p>
-            <a:r>
-              <a:rPr lang="en-US" dirty="0" err="1"/>
-              <a:t>Url</a:t>
-            </a:r>
-            <a:r>
-              <a:rPr lang="en-US" dirty="0"/>
-              <a:t> </a:t>
-            </a:r>
-            <a:r>
-              <a:rPr lang="en-US" dirty="0" err="1"/>
-              <a:t>matchs</a:t>
-            </a:r>
-            <a:r>
-              <a:rPr lang="en-US" dirty="0"/>
-              <a:t> and calls function to give </a:t>
-            </a:r>
-            <a:r>
-              <a:rPr lang="en-US" dirty="0" err="1"/>
-              <a:t>url</a:t>
-            </a:r>
-            <a:r>
-              <a:rPr lang="en-US" dirty="0"/>
-              <a:t> that redirects to Autodesk</a:t>
-            </a:r>
-          </a:p>
-          <a:p>
-            <a:r>
-              <a:rPr lang="en-US" dirty="0"/>
-              <a:t>Receive URL and redirect to Autodesk to receive token.</a:t>
-            </a:r>
-          </a:p>
-          <a:p>
-            <a:r>
-              <a:rPr lang="en-US" dirty="0"/>
-              <a:t>Not Working as </a:t>
-            </a:r>
-            <a:r>
-              <a:rPr lang="en-US"/>
-              <a:t>it should…</a:t>
-            </a:r>
-            <a:endParaRPr lang="en-US" dirty="0"/>
-          </a:p>
-        </p:txBody>
-      </p:sp>
-      <p:pic>
-        <p:nvPicPr>
-          <p:cNvPr id="9" name="Content Placeholder 3"/>
-          <p:cNvPicPr>
-            <a:picLocks noChangeAspect="1"/>
-          </p:cNvPicPr>
-          <p:nvPr/>
-        </p:nvPicPr>
-        <p:blipFill>
-          <a:blip r:embed="rId2">
-            <a:extLst>
-              <a:ext uri="{28A0092B-C50C-407E-A947-70E740481C1C}">
-                <a14:useLocalDpi xmlns:a14="http://schemas.microsoft.com/office/drawing/2010/main" val="0"/>
-              </a:ext>
-            </a:extLst>
-          </a:blip>
-          <a:stretch>
-            <a:fillRect/>
-          </a:stretch>
-        </p:blipFill>
-        <p:spPr>
-          <a:xfrm>
-            <a:off x="1097280" y="3891107"/>
-            <a:ext cx="10058400" cy="1865929"/>
-          </a:xfrm>
-          <a:prstGeom prst="rect">
-            <a:avLst/>
-          </a:prstGeom>
-        </p:spPr>
-      </p:pic>
-      <p:sp>
-        <p:nvSpPr>
-          <p:cNvPr id="10" name="Arrow: Right 9"/>
-          <p:cNvSpPr/>
-          <p:nvPr/>
-        </p:nvSpPr>
-        <p:spPr>
-          <a:xfrm>
-            <a:off x="5016616" y="4387844"/>
-            <a:ext cx="1744911" cy="436227"/>
-          </a:xfrm>
-          <a:prstGeom prst="rightArrow">
-            <a:avLst/>
-          </a:prstGeom>
-        </p:spPr>
-        <p:style>
-          <a:lnRef idx="2">
-            <a:schemeClr val="accent1">
-              <a:shade val="50000"/>
-            </a:schemeClr>
-          </a:lnRef>
-          <a:fillRef idx="1">
-            <a:schemeClr val="accent1"/>
-          </a:fillRef>
-          <a:effectRef idx="0">
-            <a:schemeClr val="accent1"/>
-          </a:effectRef>
-          <a:fontRef idx="minor">
-            <a:schemeClr val="lt1"/>
-          </a:fontRef>
-        </p:style>
-        <p:txBody>
-          <a:bodyPr rtlCol="0" anchor="ctr"/>
-          <a:lstStyle/>
-          <a:p>
-            <a:pPr algn="ctr"/>
-            <a:endParaRPr lang="en-US"/>
-          </a:p>
-        </p:txBody>
-      </p:sp>
-      <p:sp>
-        <p:nvSpPr>
-          <p:cNvPr id="11" name="Arrow: Right 10"/>
-          <p:cNvSpPr/>
-          <p:nvPr/>
-        </p:nvSpPr>
-        <p:spPr>
-          <a:xfrm rot="10800000">
-            <a:off x="5016616" y="4976471"/>
-            <a:ext cx="1744911" cy="436227"/>
-          </a:xfrm>
-          <a:prstGeom prst="rightArrow">
-            <a:avLst/>
-          </a:prstGeom>
-        </p:spPr>
-        <p:style>
-          <a:lnRef idx="2">
-            <a:schemeClr val="accent1">
-              <a:shade val="50000"/>
-            </a:schemeClr>
-          </a:lnRef>
-          <a:fillRef idx="1">
-            <a:schemeClr val="accent1"/>
-          </a:fillRef>
-          <a:effectRef idx="0">
-            <a:schemeClr val="accent1"/>
-          </a:effectRef>
-          <a:fontRef idx="minor">
-            <a:schemeClr val="lt1"/>
-          </a:fontRef>
-        </p:style>
-        <p:txBody>
-          <a:bodyPr rtlCol="0" anchor="ctr"/>
-          <a:lstStyle/>
-          <a:p>
-            <a:pPr algn="ctr"/>
-            <a:endParaRPr lang="en-US"/>
-          </a:p>
-        </p:txBody>
-      </p:sp>
-    </p:spTree>
-    <p:extLst>
-      <p:ext uri="{BB962C8B-B14F-4D97-AF65-F5344CB8AC3E}">
-        <p14:creationId xmlns:p14="http://schemas.microsoft.com/office/powerpoint/2010/main" val="1200501418"/>
-      </p:ext>
-    </p:extLst>
-  </p:cSld>
-  <p:clrMapOvr>
-    <a:masterClrMapping/>
-  </p:clrMapOvr>
-</p:sld>
-</file>
-
-<file path=ppt/slides/slide28.xml><?xml version="1.0" encoding="utf-8"?>
-<p:sld xmlns:a="http://schemas.openxmlformats.org/drawingml/2006/main" xmlns:r="http://schemas.openxmlformats.org/officeDocument/2006/relationships" xmlns:p="http://schemas.openxmlformats.org/presentationml/2006/main">
-  <p:cSld>
-    <p:spTree>
-      <p:nvGrpSpPr>
-        <p:cNvPr id="1" name=""/>
-        <p:cNvGrpSpPr/>
-        <p:nvPr/>
-      </p:nvGrpSpPr>
-      <p:grpSpPr>
-        <a:xfrm>
-          <a:off x="0" y="0"/>
-          <a:ext cx="0" cy="0"/>
-          <a:chOff x="0" y="0"/>
-          <a:chExt cx="0" cy="0"/>
-        </a:xfrm>
-      </p:grpSpPr>
-      <p:sp>
-        <p:nvSpPr>
-          <p:cNvPr id="2" name="Title 1"/>
-          <p:cNvSpPr>
-            <a:spLocks noGrp="1"/>
-          </p:cNvSpPr>
-          <p:nvPr>
-            <p:ph type="title"/>
-          </p:nvPr>
-        </p:nvSpPr>
-        <p:spPr/>
-        <p:txBody>
-          <a:bodyPr/>
-          <a:lstStyle/>
-          <a:p>
-            <a:r>
-              <a:rPr lang="en-US" dirty="0"/>
-              <a:t>Week by week summary</a:t>
-            </a:r>
-          </a:p>
-        </p:txBody>
-      </p:sp>
-      <p:sp>
-        <p:nvSpPr>
-          <p:cNvPr id="3" name="Content Placeholder 2"/>
-          <p:cNvSpPr>
-            <a:spLocks noGrp="1"/>
-          </p:cNvSpPr>
-          <p:nvPr>
-            <p:ph idx="1"/>
-          </p:nvPr>
-        </p:nvSpPr>
-        <p:spPr/>
-        <p:txBody>
-          <a:bodyPr/>
-          <a:lstStyle/>
-          <a:p>
-            <a:endParaRPr lang="en-US"/>
-          </a:p>
-        </p:txBody>
-      </p:sp>
-    </p:spTree>
-    <p:extLst>
-      <p:ext uri="{BB962C8B-B14F-4D97-AF65-F5344CB8AC3E}">
-        <p14:creationId xmlns:p14="http://schemas.microsoft.com/office/powerpoint/2010/main" val="4114061100"/>
-      </p:ext>
-    </p:extLst>
-  </p:cSld>
-  <p:clrMapOvr>
-    <a:masterClrMapping/>
-  </p:clrMapOvr>
-</p:sld>
-</file>
-
-<file path=ppt/slides/slide29.xml><?xml version="1.0" encoding="utf-8"?>
-<p:sld xmlns:a="http://schemas.openxmlformats.org/drawingml/2006/main" xmlns:r="http://schemas.openxmlformats.org/officeDocument/2006/relationships" xmlns:p="http://schemas.openxmlformats.org/presentationml/2006/main">
-  <p:cSld>
-    <p:spTree>
-      <p:nvGrpSpPr>
-        <p:cNvPr id="1" name=""/>
-        <p:cNvGrpSpPr/>
-        <p:nvPr/>
-      </p:nvGrpSpPr>
-      <p:grpSpPr>
-        <a:xfrm>
-          <a:off x="0" y="0"/>
-          <a:ext cx="0" cy="0"/>
-          <a:chOff x="0" y="0"/>
-          <a:chExt cx="0" cy="0"/>
-        </a:xfrm>
-      </p:grpSpPr>
-      <p:sp>
-        <p:nvSpPr>
-          <p:cNvPr id="2" name="Title 1"/>
-          <p:cNvSpPr>
-            <a:spLocks noGrp="1"/>
-          </p:cNvSpPr>
-          <p:nvPr>
-            <p:ph type="title"/>
-          </p:nvPr>
-        </p:nvSpPr>
-        <p:spPr/>
-        <p:txBody>
-          <a:bodyPr/>
-          <a:lstStyle/>
-          <a:p>
-            <a:r>
-              <a:rPr lang="en-US" dirty="0"/>
-              <a:t>Winter Week 1</a:t>
-            </a:r>
-          </a:p>
-        </p:txBody>
-      </p:sp>
-      <p:sp>
-        <p:nvSpPr>
-          <p:cNvPr id="3" name="Content Placeholder 2"/>
-          <p:cNvSpPr>
-            <a:spLocks noGrp="1"/>
-          </p:cNvSpPr>
-          <p:nvPr>
-            <p:ph idx="1"/>
-          </p:nvPr>
-        </p:nvSpPr>
-        <p:spPr/>
-        <p:txBody>
-          <a:bodyPr/>
-          <a:lstStyle/>
-          <a:p>
-            <a:endParaRPr lang="en-US" dirty="0"/>
-          </a:p>
-        </p:txBody>
-      </p:sp>
-    </p:spTree>
-    <p:extLst>
-      <p:ext uri="{BB962C8B-B14F-4D97-AF65-F5344CB8AC3E}">
-        <p14:creationId xmlns:p14="http://schemas.microsoft.com/office/powerpoint/2010/main" val="3357475344"/>
       </p:ext>
     </p:extLst>
   </p:cSld>
@@ -6403,7 +6396,7 @@
           <a:p>
             <a:r>
               <a:rPr lang="en-US" dirty="0"/>
-              <a:t>Winter Week 2</a:t>
+              <a:t>3-Legged Authentication</a:t>
             </a:r>
           </a:p>
         </p:txBody>
@@ -6423,17 +6416,164 @@
           <a:bodyPr/>
           <a:lstStyle/>
           <a:p>
-            <a:pPr marL="457200" lvl="1" indent="0">
-              <a:buNone/>
-            </a:pPr>
+            <a:r>
+              <a:rPr lang="en-US" dirty="0" err="1"/>
+              <a:t>Url</a:t>
+            </a:r>
+            <a:r>
+              <a:rPr lang="en-US" dirty="0"/>
+              <a:t> </a:t>
+            </a:r>
+            <a:r>
+              <a:rPr lang="en-US" dirty="0" err="1"/>
+              <a:t>matchs</a:t>
+            </a:r>
+            <a:r>
+              <a:rPr lang="en-US" dirty="0"/>
+              <a:t> and calls function to give </a:t>
+            </a:r>
+            <a:r>
+              <a:rPr lang="en-US" dirty="0" err="1"/>
+              <a:t>url</a:t>
+            </a:r>
+            <a:r>
+              <a:rPr lang="en-US" dirty="0"/>
+              <a:t> that redirects to Autodesk</a:t>
+            </a:r>
+          </a:p>
+          <a:p>
+            <a:r>
+              <a:rPr lang="en-US" dirty="0"/>
+              <a:t>Receive URL and redirect to Autodesk to receive token.</a:t>
+            </a:r>
+          </a:p>
+          <a:p>
+            <a:r>
+              <a:rPr lang="en-US" dirty="0"/>
+              <a:t>Not Working as </a:t>
+            </a:r>
+            <a:r>
+              <a:rPr lang="en-US"/>
+              <a:t>it should…</a:t>
+            </a:r>
             <a:endParaRPr lang="en-US" dirty="0"/>
+          </a:p>
+        </p:txBody>
+      </p:sp>
+      <p:pic>
+        <p:nvPicPr>
+          <p:cNvPr id="9" name="Content Placeholder 3"/>
+          <p:cNvPicPr>
+            <a:picLocks noChangeAspect="1"/>
+          </p:cNvPicPr>
+          <p:nvPr/>
+        </p:nvPicPr>
+        <p:blipFill>
+          <a:blip r:embed="rId2">
+            <a:extLst>
+              <a:ext uri="{28A0092B-C50C-407E-A947-70E740481C1C}">
+                <a14:useLocalDpi xmlns:a14="http://schemas.microsoft.com/office/drawing/2010/main" val="0"/>
+              </a:ext>
+            </a:extLst>
+          </a:blip>
+          <a:stretch>
+            <a:fillRect/>
+          </a:stretch>
+        </p:blipFill>
+        <p:spPr>
+          <a:xfrm>
+            <a:off x="1097280" y="3891107"/>
+            <a:ext cx="10058400" cy="1865929"/>
+          </a:xfrm>
+          <a:prstGeom prst="rect">
+            <a:avLst/>
+          </a:prstGeom>
+        </p:spPr>
+      </p:pic>
+      <p:sp>
+        <p:nvSpPr>
+          <p:cNvPr id="10" name="Arrow: Right 9"/>
+          <p:cNvSpPr/>
+          <p:nvPr/>
+        </p:nvSpPr>
+        <p:spPr>
+          <a:xfrm>
+            <a:off x="5016616" y="4387844"/>
+            <a:ext cx="1744911" cy="436227"/>
+          </a:xfrm>
+          <a:prstGeom prst="rightArrow">
+            <a:avLst/>
+          </a:prstGeom>
+        </p:spPr>
+        <p:style>
+          <a:lnRef idx="2">
+            <a:schemeClr val="accent1">
+              <a:shade val="50000"/>
+            </a:schemeClr>
+          </a:lnRef>
+          <a:fillRef idx="1">
+            <a:schemeClr val="accent1"/>
+          </a:fillRef>
+          <a:effectRef idx="0">
+            <a:schemeClr val="accent1"/>
+          </a:effectRef>
+          <a:fontRef idx="minor">
+            <a:schemeClr val="lt1"/>
+          </a:fontRef>
+        </p:style>
+        <p:txBody>
+          <a:bodyPr rtlCol="0" anchor="ctr"/>
+          <a:lstStyle/>
+          <a:p>
+            <a:pPr algn="ctr"/>
+            <a:endParaRPr lang="en-US"/>
+          </a:p>
+        </p:txBody>
+      </p:sp>
+      <p:sp>
+        <p:nvSpPr>
+          <p:cNvPr id="11" name="Arrow: Right 10"/>
+          <p:cNvSpPr/>
+          <p:nvPr/>
+        </p:nvSpPr>
+        <p:spPr>
+          <a:xfrm rot="10800000">
+            <a:off x="5016616" y="4976471"/>
+            <a:ext cx="1744911" cy="436227"/>
+          </a:xfrm>
+          <a:prstGeom prst="rightArrow">
+            <a:avLst/>
+          </a:prstGeom>
+        </p:spPr>
+        <p:style>
+          <a:lnRef idx="2">
+            <a:schemeClr val="accent1">
+              <a:shade val="50000"/>
+            </a:schemeClr>
+          </a:lnRef>
+          <a:fillRef idx="1">
+            <a:schemeClr val="accent1"/>
+          </a:fillRef>
+          <a:effectRef idx="0">
+            <a:schemeClr val="accent1"/>
+          </a:effectRef>
+          <a:fontRef idx="minor">
+            <a:schemeClr val="lt1"/>
+          </a:fontRef>
+        </p:style>
+        <p:txBody>
+          <a:bodyPr rtlCol="0" anchor="ctr"/>
+          <a:lstStyle/>
+          <a:p>
+            <a:pPr algn="ctr"/>
+            <a:endParaRPr lang="en-US"/>
           </a:p>
         </p:txBody>
       </p:sp>
     </p:spTree>
     <p:extLst>
       <p:ext uri="{BB962C8B-B14F-4D97-AF65-F5344CB8AC3E}">
-        <p14:creationId xmlns:p14="http://schemas.microsoft.com/office/powerpoint/2010/main" val="3816315661"/>
+        <p14:creationId xmlns:p14="http://schemas.microsoft.com/office/powerpoint/2010/main" val="1200501418"/>
       </p:ext>
     </p:extLst>
   </p:cSld>
@@ -6477,7 +6617,7 @@
           <a:p>
             <a:r>
               <a:rPr lang="en-US" dirty="0"/>
-              <a:t>Winter Week 3</a:t>
+              <a:t>Non Local File Navigation</a:t>
             </a:r>
           </a:p>
         </p:txBody>
@@ -6497,14 +6637,35 @@
           <a:bodyPr/>
           <a:lstStyle/>
           <a:p>
-            <a:endParaRPr lang="en-US" dirty="0"/>
+            <a:r>
+              <a:rPr lang="en-US" dirty="0"/>
+              <a:t>Displayed in a file tree</a:t>
+            </a:r>
+          </a:p>
+          <a:p>
+            <a:r>
+              <a:rPr lang="en-US" dirty="0"/>
+              <a:t>User will be able to navigate to any files in their online storage from Autodesk</a:t>
+            </a:r>
+          </a:p>
+          <a:p>
+            <a:r>
+              <a:rPr lang="en-US" dirty="0"/>
+              <a:t>Selected Files willed be uploaded to the website</a:t>
+            </a:r>
+          </a:p>
+          <a:p>
+            <a:r>
+              <a:rPr lang="en-US" dirty="0"/>
+              <a:t>Autodesk API being used</a:t>
+            </a:r>
           </a:p>
         </p:txBody>
       </p:sp>
     </p:spTree>
     <p:extLst>
       <p:ext uri="{BB962C8B-B14F-4D97-AF65-F5344CB8AC3E}">
-        <p14:creationId xmlns:p14="http://schemas.microsoft.com/office/powerpoint/2010/main" val="1610455051"/>
+        <p14:creationId xmlns:p14="http://schemas.microsoft.com/office/powerpoint/2010/main" val="266852586"/>
       </p:ext>
     </p:extLst>
   </p:cSld>
@@ -6548,7 +6709,7 @@
           <a:p>
             <a:r>
               <a:rPr lang="en-US" dirty="0"/>
-              <a:t>Winter Week 4</a:t>
+              <a:t>Week by week summary</a:t>
             </a:r>
           </a:p>
         </p:txBody>
@@ -6568,14 +6729,14 @@
           <a:bodyPr/>
           <a:lstStyle/>
           <a:p>
-            <a:endParaRPr lang="en-US" dirty="0"/>
+            <a:endParaRPr lang="en-US"/>
           </a:p>
         </p:txBody>
       </p:sp>
     </p:spTree>
     <p:extLst>
       <p:ext uri="{BB962C8B-B14F-4D97-AF65-F5344CB8AC3E}">
-        <p14:creationId xmlns:p14="http://schemas.microsoft.com/office/powerpoint/2010/main" val="270471938"/>
+        <p14:creationId xmlns:p14="http://schemas.microsoft.com/office/powerpoint/2010/main" val="4114061100"/>
       </p:ext>
     </p:extLst>
   </p:cSld>
@@ -6619,7 +6780,7 @@
           <a:p>
             <a:r>
               <a:rPr lang="en-US" dirty="0"/>
-              <a:t>Winter Week 5</a:t>
+              <a:t>Winter Week 1</a:t>
             </a:r>
           </a:p>
         </p:txBody>
@@ -6638,6 +6799,18 @@
         <p:txBody>
           <a:bodyPr/>
           <a:lstStyle/>
+          <a:p>
+            <a:r>
+              <a:rPr lang="en-US" dirty="0"/>
+              <a:t>Began to get the website set up</a:t>
+            </a:r>
+          </a:p>
+          <a:p>
+            <a:r>
+              <a:rPr lang="en-US" dirty="0"/>
+              <a:t>Planned on using github.io</a:t>
+            </a:r>
+          </a:p>
           <a:p>
             <a:endParaRPr lang="en-US" dirty="0"/>
           </a:p>
@@ -6646,7 +6819,7 @@
     </p:spTree>
     <p:extLst>
       <p:ext uri="{BB962C8B-B14F-4D97-AF65-F5344CB8AC3E}">
-        <p14:creationId xmlns:p14="http://schemas.microsoft.com/office/powerpoint/2010/main" val="4206706309"/>
+        <p14:creationId xmlns:p14="http://schemas.microsoft.com/office/powerpoint/2010/main" val="3357475344"/>
       </p:ext>
     </p:extLst>
   </p:cSld>
@@ -6690,6 +6863,391 @@
           <a:p>
             <a:r>
               <a:rPr lang="en-US" dirty="0"/>
+              <a:t>Winter Week 2</a:t>
+            </a:r>
+          </a:p>
+        </p:txBody>
+      </p:sp>
+      <p:sp>
+        <p:nvSpPr>
+          <p:cNvPr id="3" name="Content Placeholder 2"/>
+          <p:cNvSpPr>
+            <a:spLocks noGrp="1"/>
+          </p:cNvSpPr>
+          <p:nvPr>
+            <p:ph idx="1"/>
+          </p:nvPr>
+        </p:nvSpPr>
+        <p:spPr/>
+        <p:txBody>
+          <a:bodyPr/>
+          <a:lstStyle/>
+          <a:p>
+            <a:pPr marL="457200" lvl="1" indent="0">
+              <a:buNone/>
+            </a:pPr>
+            <a:r>
+              <a:rPr lang="en-US" dirty="0"/>
+              <a:t>Website was more difficult to get setup than we initially thought</a:t>
+            </a:r>
+          </a:p>
+          <a:p>
+            <a:pPr marL="457200" lvl="1" indent="0">
+              <a:buNone/>
+            </a:pPr>
+            <a:r>
+              <a:rPr lang="en-US" dirty="0"/>
+              <a:t>switched from using github.io to </a:t>
+            </a:r>
+            <a:r>
+              <a:rPr lang="en-US" dirty="0" err="1"/>
+              <a:t>heroku</a:t>
+            </a:r>
+            <a:r>
+              <a:rPr lang="en-US" dirty="0"/>
+              <a:t> for server needs</a:t>
+            </a:r>
+          </a:p>
+          <a:p>
+            <a:pPr marL="457200" lvl="1" indent="0">
+              <a:buNone/>
+            </a:pPr>
+            <a:r>
+              <a:rPr lang="en-US" dirty="0"/>
+              <a:t>Had to swap out credentials to get site to work properly</a:t>
+            </a:r>
+          </a:p>
+          <a:p>
+            <a:pPr marL="457200" lvl="1" indent="0">
+              <a:buNone/>
+            </a:pPr>
+            <a:r>
+              <a:rPr lang="en-US" dirty="0"/>
+              <a:t>Site up and running</a:t>
+            </a:r>
+          </a:p>
+        </p:txBody>
+      </p:sp>
+    </p:spTree>
+    <p:extLst>
+      <p:ext uri="{BB962C8B-B14F-4D97-AF65-F5344CB8AC3E}">
+        <p14:creationId xmlns:p14="http://schemas.microsoft.com/office/powerpoint/2010/main" val="3816315661"/>
+      </p:ext>
+    </p:extLst>
+  </p:cSld>
+  <p:clrMapOvr>
+    <a:masterClrMapping/>
+  </p:clrMapOvr>
+</p:sld>
+</file>
+
+<file path=ppt/slides/slide35.xml><?xml version="1.0" encoding="utf-8"?>
+<p:sld xmlns:a="http://schemas.openxmlformats.org/drawingml/2006/main" xmlns:r="http://schemas.openxmlformats.org/officeDocument/2006/relationships" xmlns:p="http://schemas.openxmlformats.org/presentationml/2006/main">
+  <p:cSld>
+    <p:spTree>
+      <p:nvGrpSpPr>
+        <p:cNvPr id="1" name=""/>
+        <p:cNvGrpSpPr/>
+        <p:nvPr/>
+      </p:nvGrpSpPr>
+      <p:grpSpPr>
+        <a:xfrm>
+          <a:off x="0" y="0"/>
+          <a:ext cx="0" cy="0"/>
+          <a:chOff x="0" y="0"/>
+          <a:chExt cx="0" cy="0"/>
+        </a:xfrm>
+      </p:grpSpPr>
+      <p:sp>
+        <p:nvSpPr>
+          <p:cNvPr id="2" name="Title 1"/>
+          <p:cNvSpPr>
+            <a:spLocks noGrp="1"/>
+          </p:cNvSpPr>
+          <p:nvPr>
+            <p:ph type="title"/>
+          </p:nvPr>
+        </p:nvSpPr>
+        <p:spPr/>
+        <p:txBody>
+          <a:bodyPr/>
+          <a:lstStyle/>
+          <a:p>
+            <a:r>
+              <a:rPr lang="en-US" dirty="0"/>
+              <a:t>Winter Week 3</a:t>
+            </a:r>
+          </a:p>
+        </p:txBody>
+      </p:sp>
+      <p:sp>
+        <p:nvSpPr>
+          <p:cNvPr id="3" name="Content Placeholder 2"/>
+          <p:cNvSpPr>
+            <a:spLocks noGrp="1"/>
+          </p:cNvSpPr>
+          <p:nvPr>
+            <p:ph idx="1"/>
+          </p:nvPr>
+        </p:nvSpPr>
+        <p:spPr/>
+        <p:txBody>
+          <a:bodyPr/>
+          <a:lstStyle/>
+          <a:p>
+            <a:r>
+              <a:rPr lang="en-US" dirty="0"/>
+              <a:t>Troubles setting up file bucket (never used curl before)</a:t>
+            </a:r>
+          </a:p>
+          <a:p>
+            <a:r>
+              <a:rPr lang="en-US" dirty="0"/>
+              <a:t>Got the bucket setup that will hold the files</a:t>
+            </a:r>
+          </a:p>
+          <a:p>
+            <a:r>
+              <a:rPr lang="en-US" dirty="0"/>
+              <a:t>Met with Kean and Patti</a:t>
+            </a:r>
+          </a:p>
+        </p:txBody>
+      </p:sp>
+    </p:spTree>
+    <p:extLst>
+      <p:ext uri="{BB962C8B-B14F-4D97-AF65-F5344CB8AC3E}">
+        <p14:creationId xmlns:p14="http://schemas.microsoft.com/office/powerpoint/2010/main" val="1610455051"/>
+      </p:ext>
+    </p:extLst>
+  </p:cSld>
+  <p:clrMapOvr>
+    <a:masterClrMapping/>
+  </p:clrMapOvr>
+</p:sld>
+</file>
+
+<file path=ppt/slides/slide36.xml><?xml version="1.0" encoding="utf-8"?>
+<p:sld xmlns:a="http://schemas.openxmlformats.org/drawingml/2006/main" xmlns:r="http://schemas.openxmlformats.org/officeDocument/2006/relationships" xmlns:p="http://schemas.openxmlformats.org/presentationml/2006/main">
+  <p:cSld>
+    <p:spTree>
+      <p:nvGrpSpPr>
+        <p:cNvPr id="1" name=""/>
+        <p:cNvGrpSpPr/>
+        <p:nvPr/>
+      </p:nvGrpSpPr>
+      <p:grpSpPr>
+        <a:xfrm>
+          <a:off x="0" y="0"/>
+          <a:ext cx="0" cy="0"/>
+          <a:chOff x="0" y="0"/>
+          <a:chExt cx="0" cy="0"/>
+        </a:xfrm>
+      </p:grpSpPr>
+      <p:sp>
+        <p:nvSpPr>
+          <p:cNvPr id="2" name="Title 1"/>
+          <p:cNvSpPr>
+            <a:spLocks noGrp="1"/>
+          </p:cNvSpPr>
+          <p:nvPr>
+            <p:ph type="title"/>
+          </p:nvPr>
+        </p:nvSpPr>
+        <p:spPr/>
+        <p:txBody>
+          <a:bodyPr/>
+          <a:lstStyle/>
+          <a:p>
+            <a:r>
+              <a:rPr lang="en-US" dirty="0"/>
+              <a:t>Winter Week 4</a:t>
+            </a:r>
+          </a:p>
+        </p:txBody>
+      </p:sp>
+      <p:sp>
+        <p:nvSpPr>
+          <p:cNvPr id="3" name="Content Placeholder 2"/>
+          <p:cNvSpPr>
+            <a:spLocks noGrp="1"/>
+          </p:cNvSpPr>
+          <p:nvPr>
+            <p:ph idx="1"/>
+          </p:nvPr>
+        </p:nvSpPr>
+        <p:spPr/>
+        <p:txBody>
+          <a:bodyPr/>
+          <a:lstStyle/>
+          <a:p>
+            <a:r>
+              <a:rPr lang="en-US" dirty="0"/>
+              <a:t>Local file restriction complete</a:t>
+            </a:r>
+          </a:p>
+          <a:p>
+            <a:r>
+              <a:rPr lang="en-US" dirty="0"/>
+              <a:t>Began working on 3-legged Authentication</a:t>
+            </a:r>
+          </a:p>
+          <a:p>
+            <a:r>
+              <a:rPr lang="en-US" dirty="0"/>
+              <a:t>Found this would be very hard to do from scratch</a:t>
+            </a:r>
+          </a:p>
+          <a:p>
+            <a:r>
+              <a:rPr lang="en-US" dirty="0"/>
+              <a:t>Found an API that did exactly what we want</a:t>
+            </a:r>
+          </a:p>
+          <a:p>
+            <a:r>
+              <a:rPr lang="en-US" dirty="0"/>
+              <a:t>Spoke with Kean about the API we found and decided it would be best to integrate that</a:t>
+            </a:r>
+          </a:p>
+          <a:p>
+            <a:endParaRPr lang="en-US" dirty="0"/>
+          </a:p>
+        </p:txBody>
+      </p:sp>
+    </p:spTree>
+    <p:extLst>
+      <p:ext uri="{BB962C8B-B14F-4D97-AF65-F5344CB8AC3E}">
+        <p14:creationId xmlns:p14="http://schemas.microsoft.com/office/powerpoint/2010/main" val="270471938"/>
+      </p:ext>
+    </p:extLst>
+  </p:cSld>
+  <p:clrMapOvr>
+    <a:masterClrMapping/>
+  </p:clrMapOvr>
+</p:sld>
+</file>
+
+<file path=ppt/slides/slide37.xml><?xml version="1.0" encoding="utf-8"?>
+<p:sld xmlns:a="http://schemas.openxmlformats.org/drawingml/2006/main" xmlns:r="http://schemas.openxmlformats.org/officeDocument/2006/relationships" xmlns:p="http://schemas.openxmlformats.org/presentationml/2006/main">
+  <p:cSld>
+    <p:spTree>
+      <p:nvGrpSpPr>
+        <p:cNvPr id="1" name=""/>
+        <p:cNvGrpSpPr/>
+        <p:nvPr/>
+      </p:nvGrpSpPr>
+      <p:grpSpPr>
+        <a:xfrm>
+          <a:off x="0" y="0"/>
+          <a:ext cx="0" cy="0"/>
+          <a:chOff x="0" y="0"/>
+          <a:chExt cx="0" cy="0"/>
+        </a:xfrm>
+      </p:grpSpPr>
+      <p:sp>
+        <p:nvSpPr>
+          <p:cNvPr id="2" name="Title 1"/>
+          <p:cNvSpPr>
+            <a:spLocks noGrp="1"/>
+          </p:cNvSpPr>
+          <p:nvPr>
+            <p:ph type="title"/>
+          </p:nvPr>
+        </p:nvSpPr>
+        <p:spPr/>
+        <p:txBody>
+          <a:bodyPr/>
+          <a:lstStyle/>
+          <a:p>
+            <a:r>
+              <a:rPr lang="en-US" dirty="0"/>
+              <a:t>Winter Week 5</a:t>
+            </a:r>
+          </a:p>
+        </p:txBody>
+      </p:sp>
+      <p:sp>
+        <p:nvSpPr>
+          <p:cNvPr id="3" name="Content Placeholder 2"/>
+          <p:cNvSpPr>
+            <a:spLocks noGrp="1"/>
+          </p:cNvSpPr>
+          <p:nvPr>
+            <p:ph idx="1"/>
+          </p:nvPr>
+        </p:nvSpPr>
+        <p:spPr/>
+        <p:txBody>
+          <a:bodyPr/>
+          <a:lstStyle/>
+          <a:p>
+            <a:r>
+              <a:rPr lang="en-US" dirty="0"/>
+              <a:t>Began Integration of API</a:t>
+            </a:r>
+          </a:p>
+          <a:p>
+            <a:r>
+              <a:rPr lang="en-US" dirty="0"/>
+              <a:t>Ran into many problems with the integration</a:t>
+            </a:r>
+          </a:p>
+          <a:p>
+            <a:r>
+              <a:rPr lang="en-US" dirty="0"/>
+              <a:t>Kean suggested that he could bring in the person that created the API to help</a:t>
+            </a:r>
+          </a:p>
+        </p:txBody>
+      </p:sp>
+    </p:spTree>
+    <p:extLst>
+      <p:ext uri="{BB962C8B-B14F-4D97-AF65-F5344CB8AC3E}">
+        <p14:creationId xmlns:p14="http://schemas.microsoft.com/office/powerpoint/2010/main" val="4206706309"/>
+      </p:ext>
+    </p:extLst>
+  </p:cSld>
+  <p:clrMapOvr>
+    <a:masterClrMapping/>
+  </p:clrMapOvr>
+</p:sld>
+</file>
+
+<file path=ppt/slides/slide38.xml><?xml version="1.0" encoding="utf-8"?>
+<p:sld xmlns:a="http://schemas.openxmlformats.org/drawingml/2006/main" xmlns:r="http://schemas.openxmlformats.org/officeDocument/2006/relationships" xmlns:p="http://schemas.openxmlformats.org/presentationml/2006/main">
+  <p:cSld>
+    <p:spTree>
+      <p:nvGrpSpPr>
+        <p:cNvPr id="1" name=""/>
+        <p:cNvGrpSpPr/>
+        <p:nvPr/>
+      </p:nvGrpSpPr>
+      <p:grpSpPr>
+        <a:xfrm>
+          <a:off x="0" y="0"/>
+          <a:ext cx="0" cy="0"/>
+          <a:chOff x="0" y="0"/>
+          <a:chExt cx="0" cy="0"/>
+        </a:xfrm>
+      </p:grpSpPr>
+      <p:sp>
+        <p:nvSpPr>
+          <p:cNvPr id="2" name="Title 1"/>
+          <p:cNvSpPr>
+            <a:spLocks noGrp="1"/>
+          </p:cNvSpPr>
+          <p:nvPr>
+            <p:ph type="title"/>
+          </p:nvPr>
+        </p:nvSpPr>
+        <p:spPr/>
+        <p:txBody>
+          <a:bodyPr/>
+          <a:lstStyle/>
+          <a:p>
+            <a:r>
+              <a:rPr lang="en-US" dirty="0"/>
               <a:t>Winter Week 6</a:t>
             </a:r>
           </a:p>
@@ -6712,55 +7270,13 @@
           <a:p>
             <a:r>
               <a:rPr lang="en-US" dirty="0"/>
-              <a:t>Tech reviews submitted</a:t>
-            </a:r>
-          </a:p>
-          <a:p>
-            <a:pPr lvl="1"/>
-            <a:r>
-              <a:rPr lang="en-US" dirty="0"/>
-              <a:t>Not bad, could have used more time</a:t>
-            </a:r>
-          </a:p>
-          <a:p>
-            <a:pPr lvl="1"/>
-            <a:r>
-              <a:rPr lang="en-US" dirty="0"/>
-              <a:t>Good way to understand more components</a:t>
-            </a:r>
-          </a:p>
-          <a:p>
-            <a:r>
-              <a:rPr lang="en-US" dirty="0"/>
-              <a:t>Meeting with </a:t>
-            </a:r>
-            <a:r>
-              <a:rPr lang="en-US" dirty="0" err="1"/>
-              <a:t>Nels</a:t>
-            </a:r>
-            <a:r>
-              <a:rPr lang="en-US" dirty="0"/>
-              <a:t> and Patti, no Jim however</a:t>
-            </a:r>
-          </a:p>
-          <a:p>
-            <a:pPr lvl="1"/>
-            <a:r>
-              <a:rPr lang="en-US" dirty="0"/>
-              <a:t>Able to work out some more important details</a:t>
-            </a:r>
-          </a:p>
-          <a:p>
-            <a:pPr lvl="1"/>
-            <a:r>
-              <a:rPr lang="en-US" dirty="0"/>
-              <a:t>Not able to talk about performance tweaking</a:t>
-            </a:r>
-          </a:p>
-          <a:p>
-            <a:r>
-              <a:rPr lang="en-US" dirty="0"/>
-              <a:t>Overall quite productive week</a:t>
+              <a:t>Continued to work on integration</a:t>
+            </a:r>
+          </a:p>
+          <a:p>
+            <a:r>
+              <a:rPr lang="en-US" dirty="0"/>
+              <a:t>Worked on revision for documents to reflect where the project is currently</a:t>
             </a:r>
           </a:p>
         </p:txBody>
@@ -6778,7 +7294,7 @@
 </p:sld>
 </file>
 
-<file path=ppt/slides/slide35.xml><?xml version="1.0" encoding="utf-8"?>
+<file path=ppt/slides/slide39.xml><?xml version="1.0" encoding="utf-8"?>
 <p:sld xmlns:a="http://schemas.openxmlformats.org/drawingml/2006/main" xmlns:r="http://schemas.openxmlformats.org/officeDocument/2006/relationships" xmlns:p="http://schemas.openxmlformats.org/presentationml/2006/main">
   <p:cSld>
     <p:spTree>
@@ -7154,58 +7670,57 @@
           </a:lstStyle>
           <a:p>
             <a:r>
-              <a:rPr lang="en-US"/>
+              <a:rPr lang="en-US" dirty="0"/>
               <a:t>Client </a:t>
             </a:r>
           </a:p>
           <a:p>
             <a:pPr lvl="1"/>
             <a:r>
-              <a:rPr lang="en-US"/>
+              <a:rPr lang="en-US" dirty="0"/>
               <a:t>More question asking</a:t>
             </a:r>
           </a:p>
           <a:p>
             <a:pPr lvl="1"/>
             <a:r>
-              <a:rPr lang="en-US"/>
+              <a:rPr lang="en-US" dirty="0"/>
               <a:t>Weekly meetings with client?</a:t>
             </a:r>
           </a:p>
           <a:p>
             <a:r>
-              <a:rPr lang="en-US"/>
+              <a:rPr lang="en-US" dirty="0"/>
               <a:t>Team</a:t>
             </a:r>
           </a:p>
           <a:p>
             <a:pPr lvl="1"/>
             <a:r>
-              <a:rPr lang="en-US"/>
+              <a:rPr lang="en-US" dirty="0"/>
               <a:t>More planning</a:t>
             </a:r>
           </a:p>
           <a:p>
             <a:pPr lvl="2"/>
             <a:r>
-              <a:rPr lang="en-US"/>
+              <a:rPr lang="en-US" dirty="0"/>
               <a:t>Delegation?</a:t>
             </a:r>
           </a:p>
           <a:p>
             <a:pPr lvl="1"/>
             <a:r>
-              <a:rPr lang="en-US"/>
+              <a:rPr lang="en-US" dirty="0"/>
               <a:t>Weekly meetings</a:t>
             </a:r>
           </a:p>
           <a:p>
             <a:pPr lvl="1"/>
             <a:r>
-              <a:rPr lang="en-US"/>
+              <a:rPr lang="en-US" dirty="0"/>
               <a:t>Seeking help sooner</a:t>
             </a:r>
-            <a:endParaRPr lang="en-US" dirty="0"/>
           </a:p>
         </p:txBody>
       </p:sp>
@@ -7213,218 +7728,6 @@
     <p:extLst>
       <p:ext uri="{BB962C8B-B14F-4D97-AF65-F5344CB8AC3E}">
         <p14:creationId xmlns:p14="http://schemas.microsoft.com/office/powerpoint/2010/main" val="1253775864"/>
-      </p:ext>
-    </p:extLst>
-  </p:cSld>
-  <p:clrMapOvr>
-    <a:masterClrMapping/>
-  </p:clrMapOvr>
-</p:sld>
-</file>
-
-<file path=ppt/slides/slide36.xml><?xml version="1.0" encoding="utf-8"?>
-<p:sld xmlns:a="http://schemas.openxmlformats.org/drawingml/2006/main" xmlns:r="http://schemas.openxmlformats.org/officeDocument/2006/relationships" xmlns:p="http://schemas.openxmlformats.org/presentationml/2006/main">
-  <p:cSld>
-    <p:spTree>
-      <p:nvGrpSpPr>
-        <p:cNvPr id="1" name=""/>
-        <p:cNvGrpSpPr/>
-        <p:nvPr/>
-      </p:nvGrpSpPr>
-      <p:grpSpPr>
-        <a:xfrm>
-          <a:off x="0" y="0"/>
-          <a:ext cx="0" cy="0"/>
-          <a:chOff x="0" y="0"/>
-          <a:chExt cx="0" cy="0"/>
-        </a:xfrm>
-      </p:grpSpPr>
-      <p:sp>
-        <p:nvSpPr>
-          <p:cNvPr id="2" name="Title 1"/>
-          <p:cNvSpPr>
-            <a:spLocks noGrp="1"/>
-          </p:cNvSpPr>
-          <p:nvPr>
-            <p:ph type="title"/>
-          </p:nvPr>
-        </p:nvSpPr>
-        <p:spPr/>
-        <p:txBody>
-          <a:bodyPr/>
-          <a:lstStyle/>
-          <a:p>
-            <a:r>
-              <a:rPr lang="en-US" dirty="0"/>
-              <a:t>What’s next?</a:t>
-            </a:r>
-          </a:p>
-        </p:txBody>
-      </p:sp>
-      <p:sp>
-        <p:nvSpPr>
-          <p:cNvPr id="3" name="Content Placeholder 2"/>
-          <p:cNvSpPr>
-            <a:spLocks noGrp="1"/>
-          </p:cNvSpPr>
-          <p:nvPr>
-            <p:ph idx="1"/>
-          </p:nvPr>
-        </p:nvSpPr>
-        <p:spPr/>
-        <p:txBody>
-          <a:bodyPr/>
-          <a:lstStyle/>
-          <a:p>
-            <a:r>
-              <a:rPr lang="en-US" dirty="0"/>
-              <a:t>Start using API’s and Vrok.it!</a:t>
-            </a:r>
-          </a:p>
-          <a:p>
-            <a:pPr lvl="1"/>
-            <a:r>
-              <a:rPr lang="en-US" dirty="0"/>
-              <a:t>Actual code implementation?</a:t>
-            </a:r>
-          </a:p>
-          <a:p>
-            <a:pPr lvl="1"/>
-            <a:r>
-              <a:rPr lang="en-US" dirty="0"/>
-              <a:t>Might need to work out a couple details like…</a:t>
-            </a:r>
-          </a:p>
-          <a:p>
-            <a:pPr lvl="2"/>
-            <a:r>
-              <a:rPr lang="en-US" dirty="0"/>
-              <a:t>Website hosting</a:t>
-            </a:r>
-          </a:p>
-          <a:p>
-            <a:pPr lvl="2"/>
-            <a:r>
-              <a:rPr lang="en-US" dirty="0"/>
-              <a:t>Work load break up</a:t>
-            </a:r>
-          </a:p>
-          <a:p>
-            <a:pPr lvl="2"/>
-            <a:r>
-              <a:rPr lang="en-US" dirty="0"/>
-              <a:t>Reports to Patti about API usage?</a:t>
-            </a:r>
-          </a:p>
-          <a:p>
-            <a:pPr lvl="2"/>
-            <a:endParaRPr lang="en-US" dirty="0"/>
-          </a:p>
-          <a:p>
-            <a:r>
-              <a:rPr lang="en-US" dirty="0"/>
-              <a:t>Client meeting January 11th</a:t>
-            </a:r>
-          </a:p>
-          <a:p>
-            <a:pPr lvl="2"/>
-            <a:endParaRPr lang="en-US" dirty="0"/>
-          </a:p>
-        </p:txBody>
-      </p:sp>
-    </p:spTree>
-    <p:extLst>
-      <p:ext uri="{BB962C8B-B14F-4D97-AF65-F5344CB8AC3E}">
-        <p14:creationId xmlns:p14="http://schemas.microsoft.com/office/powerpoint/2010/main" val="2560867298"/>
-      </p:ext>
-    </p:extLst>
-  </p:cSld>
-  <p:clrMapOvr>
-    <a:masterClrMapping/>
-  </p:clrMapOvr>
-</p:sld>
-</file>
-
-<file path=ppt/slides/slide37.xml><?xml version="1.0" encoding="utf-8"?>
-<p:sld xmlns:a="http://schemas.openxmlformats.org/drawingml/2006/main" xmlns:r="http://schemas.openxmlformats.org/officeDocument/2006/relationships" xmlns:p="http://schemas.openxmlformats.org/presentationml/2006/main">
-  <p:cSld>
-    <p:spTree>
-      <p:nvGrpSpPr>
-        <p:cNvPr id="1" name=""/>
-        <p:cNvGrpSpPr/>
-        <p:nvPr/>
-      </p:nvGrpSpPr>
-      <p:grpSpPr>
-        <a:xfrm>
-          <a:off x="0" y="0"/>
-          <a:ext cx="0" cy="0"/>
-          <a:chOff x="0" y="0"/>
-          <a:chExt cx="0" cy="0"/>
-        </a:xfrm>
-      </p:grpSpPr>
-      <p:sp>
-        <p:nvSpPr>
-          <p:cNvPr id="2" name="Title 1"/>
-          <p:cNvSpPr>
-            <a:spLocks noGrp="1"/>
-          </p:cNvSpPr>
-          <p:nvPr>
-            <p:ph type="title"/>
-          </p:nvPr>
-        </p:nvSpPr>
-        <p:spPr/>
-        <p:txBody>
-          <a:bodyPr/>
-          <a:lstStyle/>
-          <a:p>
-            <a:r>
-              <a:rPr lang="en-US" dirty="0"/>
-              <a:t>References</a:t>
-            </a:r>
-          </a:p>
-        </p:txBody>
-      </p:sp>
-      <p:sp>
-        <p:nvSpPr>
-          <p:cNvPr id="3" name="Content Placeholder 2"/>
-          <p:cNvSpPr>
-            <a:spLocks noGrp="1"/>
-          </p:cNvSpPr>
-          <p:nvPr>
-            <p:ph idx="1"/>
-          </p:nvPr>
-        </p:nvSpPr>
-        <p:spPr/>
-        <p:txBody>
-          <a:bodyPr/>
-          <a:lstStyle/>
-          <a:p>
-            <a:r>
-              <a:rPr lang="en-US" dirty="0">
-                <a:hlinkClick r:id="rId2"/>
-              </a:rPr>
-              <a:t>https://developer.autodesk.com/</a:t>
-            </a:r>
-            <a:endParaRPr lang="en-US" dirty="0"/>
-          </a:p>
-          <a:p>
-            <a:r>
-              <a:rPr lang="en-US" dirty="0"/>
-              <a:t>https://github.com/KeanW/vrok-it</a:t>
-            </a:r>
-          </a:p>
-          <a:p>
-            <a:r>
-              <a:rPr lang="en-US" dirty="0"/>
-              <a:t>https://github.com/Autodesk-Forge/model.derivative-nodejs-sample</a:t>
-            </a:r>
-          </a:p>
-        </p:txBody>
-      </p:sp>
-    </p:spTree>
-    <p:extLst>
-      <p:ext uri="{BB962C8B-B14F-4D97-AF65-F5344CB8AC3E}">
-        <p14:creationId xmlns:p14="http://schemas.microsoft.com/office/powerpoint/2010/main" val="1099164323"/>
       </p:ext>
     </p:extLst>
   </p:cSld>
@@ -7523,6 +7826,191 @@
     <p:extLst>
       <p:ext uri="{BB962C8B-B14F-4D97-AF65-F5344CB8AC3E}">
         <p14:creationId xmlns:p14="http://schemas.microsoft.com/office/powerpoint/2010/main" val="2310746045"/>
+      </p:ext>
+    </p:extLst>
+  </p:cSld>
+  <p:clrMapOvr>
+    <a:masterClrMapping/>
+  </p:clrMapOvr>
+</p:sld>
+</file>
+
+<file path=ppt/slides/slide40.xml><?xml version="1.0" encoding="utf-8"?>
+<p:sld xmlns:a="http://schemas.openxmlformats.org/drawingml/2006/main" xmlns:r="http://schemas.openxmlformats.org/officeDocument/2006/relationships" xmlns:p="http://schemas.openxmlformats.org/presentationml/2006/main">
+  <p:cSld>
+    <p:spTree>
+      <p:nvGrpSpPr>
+        <p:cNvPr id="1" name=""/>
+        <p:cNvGrpSpPr/>
+        <p:nvPr/>
+      </p:nvGrpSpPr>
+      <p:grpSpPr>
+        <a:xfrm>
+          <a:off x="0" y="0"/>
+          <a:ext cx="0" cy="0"/>
+          <a:chOff x="0" y="0"/>
+          <a:chExt cx="0" cy="0"/>
+        </a:xfrm>
+      </p:grpSpPr>
+      <p:sp>
+        <p:nvSpPr>
+          <p:cNvPr id="2" name="Title 1"/>
+          <p:cNvSpPr>
+            <a:spLocks noGrp="1"/>
+          </p:cNvSpPr>
+          <p:nvPr>
+            <p:ph type="title"/>
+          </p:nvPr>
+        </p:nvSpPr>
+        <p:spPr/>
+        <p:txBody>
+          <a:bodyPr/>
+          <a:lstStyle/>
+          <a:p>
+            <a:r>
+              <a:rPr lang="en-US" dirty="0"/>
+              <a:t>What’s next?</a:t>
+            </a:r>
+          </a:p>
+        </p:txBody>
+      </p:sp>
+      <p:sp>
+        <p:nvSpPr>
+          <p:cNvPr id="3" name="Content Placeholder 2"/>
+          <p:cNvSpPr>
+            <a:spLocks noGrp="1"/>
+          </p:cNvSpPr>
+          <p:nvPr>
+            <p:ph idx="1"/>
+          </p:nvPr>
+        </p:nvSpPr>
+        <p:spPr/>
+        <p:txBody>
+          <a:bodyPr/>
+          <a:lstStyle/>
+          <a:p>
+            <a:r>
+              <a:rPr lang="en-US" dirty="0"/>
+              <a:t>Finish the integration of the API</a:t>
+            </a:r>
+          </a:p>
+          <a:p>
+            <a:r>
+              <a:rPr lang="en-US" dirty="0"/>
+              <a:t>Begin changes to the UI</a:t>
+            </a:r>
+          </a:p>
+          <a:p>
+            <a:r>
+              <a:rPr lang="en-US" dirty="0"/>
+              <a:t>Testing?</a:t>
+            </a:r>
+          </a:p>
+          <a:p>
+            <a:pPr lvl="2"/>
+            <a:endParaRPr lang="en-US" dirty="0"/>
+          </a:p>
+        </p:txBody>
+      </p:sp>
+    </p:spTree>
+    <p:extLst>
+      <p:ext uri="{BB962C8B-B14F-4D97-AF65-F5344CB8AC3E}">
+        <p14:creationId xmlns:p14="http://schemas.microsoft.com/office/powerpoint/2010/main" val="2560867298"/>
+      </p:ext>
+    </p:extLst>
+  </p:cSld>
+  <p:clrMapOvr>
+    <a:masterClrMapping/>
+  </p:clrMapOvr>
+</p:sld>
+</file>
+
+<file path=ppt/slides/slide41.xml><?xml version="1.0" encoding="utf-8"?>
+<p:sld xmlns:a="http://schemas.openxmlformats.org/drawingml/2006/main" xmlns:r="http://schemas.openxmlformats.org/officeDocument/2006/relationships" xmlns:p="http://schemas.openxmlformats.org/presentationml/2006/main">
+  <p:cSld>
+    <p:spTree>
+      <p:nvGrpSpPr>
+        <p:cNvPr id="1" name=""/>
+        <p:cNvGrpSpPr/>
+        <p:nvPr/>
+      </p:nvGrpSpPr>
+      <p:grpSpPr>
+        <a:xfrm>
+          <a:off x="0" y="0"/>
+          <a:ext cx="0" cy="0"/>
+          <a:chOff x="0" y="0"/>
+          <a:chExt cx="0" cy="0"/>
+        </a:xfrm>
+      </p:grpSpPr>
+      <p:sp>
+        <p:nvSpPr>
+          <p:cNvPr id="2" name="Title 1"/>
+          <p:cNvSpPr>
+            <a:spLocks noGrp="1"/>
+          </p:cNvSpPr>
+          <p:nvPr>
+            <p:ph type="title"/>
+          </p:nvPr>
+        </p:nvSpPr>
+        <p:spPr/>
+        <p:txBody>
+          <a:bodyPr/>
+          <a:lstStyle/>
+          <a:p>
+            <a:r>
+              <a:rPr lang="en-US" dirty="0"/>
+              <a:t>References</a:t>
+            </a:r>
+          </a:p>
+        </p:txBody>
+      </p:sp>
+      <p:sp>
+        <p:nvSpPr>
+          <p:cNvPr id="3" name="Content Placeholder 2"/>
+          <p:cNvSpPr>
+            <a:spLocks noGrp="1"/>
+          </p:cNvSpPr>
+          <p:nvPr>
+            <p:ph idx="1"/>
+          </p:nvPr>
+        </p:nvSpPr>
+        <p:spPr/>
+        <p:txBody>
+          <a:bodyPr/>
+          <a:lstStyle/>
+          <a:p>
+            <a:r>
+              <a:rPr lang="en-US" dirty="0">
+                <a:hlinkClick r:id="rId2"/>
+              </a:rPr>
+              <a:t>https://developer.autodesk.com/</a:t>
+            </a:r>
+            <a:endParaRPr lang="en-US" dirty="0"/>
+          </a:p>
+          <a:p>
+            <a:r>
+              <a:rPr lang="en-US" dirty="0">
+                <a:hlinkClick r:id="rId3"/>
+              </a:rPr>
+              <a:t>https://github.com/KeanW/vrok-it</a:t>
+            </a:r>
+            <a:endParaRPr lang="en-US" dirty="0"/>
+          </a:p>
+          <a:p>
+            <a:r>
+              <a:rPr lang="en-US" dirty="0">
+                <a:hlinkClick r:id="rId4"/>
+              </a:rPr>
+              <a:t>https://github.com/Autodesk-Forge/model.derivative-nodejs-sample</a:t>
+            </a:r>
+            <a:endParaRPr lang="en-US" dirty="0"/>
+          </a:p>
+        </p:txBody>
+      </p:sp>
+    </p:spTree>
+    <p:extLst>
+      <p:ext uri="{BB962C8B-B14F-4D97-AF65-F5344CB8AC3E}">
+        <p14:creationId xmlns:p14="http://schemas.microsoft.com/office/powerpoint/2010/main" val="1099164323"/>
       </p:ext>
     </p:extLst>
   </p:cSld>

--- a/Project Documents/Progress Report 2/Progress report.pptx
+++ b/Project Documents/Progress Report 2/Progress report.pptx
@@ -378,7 +378,7 @@
           <a:p>
             <a:fld id="{B17AFAAB-B546-45EA-83F1-D6961F00B077}" type="datetimeFigureOut">
               <a:rPr lang="en-US" smtClean="0"/>
-              <a:t>2/15/2017</a:t>
+              <a:t>2/16/2017</a:t>
             </a:fld>
             <a:endParaRPr lang="en-US"/>
           </a:p>
@@ -586,7 +586,7 @@
           <a:p>
             <a:fld id="{B17AFAAB-B546-45EA-83F1-D6961F00B077}" type="datetimeFigureOut">
               <a:rPr lang="en-US" smtClean="0"/>
-              <a:t>2/15/2017</a:t>
+              <a:t>2/16/2017</a:t>
             </a:fld>
             <a:endParaRPr lang="en-US"/>
           </a:p>
@@ -842,7 +842,7 @@
           <a:p>
             <a:fld id="{B17AFAAB-B546-45EA-83F1-D6961F00B077}" type="datetimeFigureOut">
               <a:rPr lang="en-US" smtClean="0"/>
-              <a:t>2/15/2017</a:t>
+              <a:t>2/16/2017</a:t>
             </a:fld>
             <a:endParaRPr lang="en-US"/>
           </a:p>
@@ -1016,7 +1016,7 @@
           <a:p>
             <a:fld id="{B17AFAAB-B546-45EA-83F1-D6961F00B077}" type="datetimeFigureOut">
               <a:rPr lang="en-US" smtClean="0"/>
-              <a:t>2/15/2017</a:t>
+              <a:t>2/16/2017</a:t>
             </a:fld>
             <a:endParaRPr lang="en-US"/>
           </a:p>
@@ -1359,7 +1359,7 @@
           <a:p>
             <a:fld id="{B17AFAAB-B546-45EA-83F1-D6961F00B077}" type="datetimeFigureOut">
               <a:rPr lang="en-US" smtClean="0"/>
-              <a:t>2/15/2017</a:t>
+              <a:t>2/16/2017</a:t>
             </a:fld>
             <a:endParaRPr lang="en-US"/>
           </a:p>
@@ -1634,7 +1634,7 @@
           <a:p>
             <a:fld id="{B17AFAAB-B546-45EA-83F1-D6961F00B077}" type="datetimeFigureOut">
               <a:rPr lang="en-US" smtClean="0"/>
-              <a:t>2/15/2017</a:t>
+              <a:t>2/16/2017</a:t>
             </a:fld>
             <a:endParaRPr lang="en-US"/>
           </a:p>
@@ -2013,7 +2013,7 @@
           <a:p>
             <a:fld id="{B17AFAAB-B546-45EA-83F1-D6961F00B077}" type="datetimeFigureOut">
               <a:rPr lang="en-US" smtClean="0"/>
-              <a:t>2/15/2017</a:t>
+              <a:t>2/16/2017</a:t>
             </a:fld>
             <a:endParaRPr lang="en-US"/>
           </a:p>
@@ -2131,7 +2131,7 @@
           <a:p>
             <a:fld id="{B17AFAAB-B546-45EA-83F1-D6961F00B077}" type="datetimeFigureOut">
               <a:rPr lang="en-US" smtClean="0"/>
-              <a:t>2/15/2017</a:t>
+              <a:t>2/16/2017</a:t>
             </a:fld>
             <a:endParaRPr lang="en-US"/>
           </a:p>
@@ -2302,7 +2302,7 @@
           <a:p>
             <a:fld id="{B17AFAAB-B546-45EA-83F1-D6961F00B077}" type="datetimeFigureOut">
               <a:rPr lang="en-US" smtClean="0"/>
-              <a:t>2/15/2017</a:t>
+              <a:t>2/16/2017</a:t>
             </a:fld>
             <a:endParaRPr lang="en-US"/>
           </a:p>
@@ -2656,7 +2656,7 @@
           <a:p>
             <a:fld id="{B17AFAAB-B546-45EA-83F1-D6961F00B077}" type="datetimeFigureOut">
               <a:rPr lang="en-US" smtClean="0"/>
-              <a:t>2/15/2017</a:t>
+              <a:t>2/16/2017</a:t>
             </a:fld>
             <a:endParaRPr lang="en-US"/>
           </a:p>
@@ -3038,7 +3038,7 @@
           <a:p>
             <a:fld id="{B17AFAAB-B546-45EA-83F1-D6961F00B077}" type="datetimeFigureOut">
               <a:rPr lang="en-US" smtClean="0"/>
-              <a:t>2/15/2017</a:t>
+              <a:t>2/16/2017</a:t>
             </a:fld>
             <a:endParaRPr lang="en-US"/>
           </a:p>
@@ -3325,7 +3325,7 @@
           <a:p>
             <a:fld id="{B17AFAAB-B546-45EA-83F1-D6961F00B077}" type="datetimeFigureOut">
               <a:rPr lang="en-US" smtClean="0"/>
-              <a:t>2/15/2017</a:t>
+              <a:t>2/16/2017</a:t>
             </a:fld>
             <a:endParaRPr lang="en-US"/>
           </a:p>
@@ -6422,15 +6422,7 @@
             </a:r>
             <a:r>
               <a:rPr lang="en-US" dirty="0"/>
-              <a:t> </a:t>
-            </a:r>
-            <a:r>
-              <a:rPr lang="en-US" dirty="0" err="1"/>
-              <a:t>matchs</a:t>
-            </a:r>
-            <a:r>
-              <a:rPr lang="en-US" dirty="0"/>
-              <a:t> and calls function to give </a:t>
+              <a:t> matches and calls function to give </a:t>
             </a:r>
             <a:r>
               <a:rPr lang="en-US" dirty="0" err="1"/>
@@ -6450,13 +6442,8 @@
           <a:p>
             <a:r>
               <a:rPr lang="en-US" dirty="0"/>
-              <a:t>Not Working as </a:t>
-            </a:r>
-            <a:r>
-              <a:rPr lang="en-US"/>
-              <a:t>it should…</a:t>
-            </a:r>
-            <a:endParaRPr lang="en-US" dirty="0"/>
+              <a:t>Not working as it should…</a:t>
+            </a:r>
           </a:p>
         </p:txBody>
       </p:sp>

--- a/Project Documents/Progress Report 2/Progress report.pptx
+++ b/Project Documents/Progress Report 2/Progress report.pptx
@@ -36,16 +36,17 @@
     <p:sldId id="301" r:id="rId30"/>
     <p:sldId id="302" r:id="rId31"/>
     <p:sldId id="306" r:id="rId32"/>
-    <p:sldId id="297" r:id="rId33"/>
-    <p:sldId id="277" r:id="rId34"/>
-    <p:sldId id="278" r:id="rId35"/>
-    <p:sldId id="279" r:id="rId36"/>
-    <p:sldId id="280" r:id="rId37"/>
-    <p:sldId id="281" r:id="rId38"/>
-    <p:sldId id="282" r:id="rId39"/>
-    <p:sldId id="293" r:id="rId40"/>
-    <p:sldId id="276" r:id="rId41"/>
-    <p:sldId id="295" r:id="rId42"/>
+    <p:sldId id="307" r:id="rId33"/>
+    <p:sldId id="297" r:id="rId34"/>
+    <p:sldId id="277" r:id="rId35"/>
+    <p:sldId id="278" r:id="rId36"/>
+    <p:sldId id="279" r:id="rId37"/>
+    <p:sldId id="280" r:id="rId38"/>
+    <p:sldId id="281" r:id="rId39"/>
+    <p:sldId id="282" r:id="rId40"/>
+    <p:sldId id="293" r:id="rId41"/>
+    <p:sldId id="276" r:id="rId42"/>
+    <p:sldId id="295" r:id="rId43"/>
   </p:sldIdLst>
   <p:sldSz cx="12192000" cy="6858000"/>
   <p:notesSz cx="6858000" cy="9144000"/>
@@ -6696,7 +6697,7 @@
           <a:p>
             <a:r>
               <a:rPr lang="en-US" dirty="0"/>
-              <a:t>Week by week summary</a:t>
+              <a:t>Website Layout</a:t>
             </a:r>
           </a:p>
         </p:txBody>
@@ -6716,14 +6717,68 @@
           <a:bodyPr/>
           <a:lstStyle/>
           <a:p>
-            <a:endParaRPr lang="en-US"/>
-          </a:p>
-        </p:txBody>
-      </p:sp>
+            <a:r>
+              <a:rPr lang="en-US" dirty="0"/>
+              <a:t>Delays caused challenges</a:t>
+            </a:r>
+          </a:p>
+          <a:p>
+            <a:r>
+              <a:rPr lang="en-US" dirty="0"/>
+              <a:t>Confusing code</a:t>
+            </a:r>
+          </a:p>
+          <a:p>
+            <a:r>
+              <a:rPr lang="en-US" dirty="0"/>
+              <a:t>Server backend with Node.js</a:t>
+            </a:r>
+          </a:p>
+          <a:p>
+            <a:r>
+              <a:rPr lang="en-US" dirty="0"/>
+              <a:t>Multiple CSS files and html index files</a:t>
+            </a:r>
+          </a:p>
+          <a:p>
+            <a:endParaRPr lang="en-US" dirty="0"/>
+          </a:p>
+        </p:txBody>
+      </p:sp>
+      <p:pic>
+        <p:nvPicPr>
+          <p:cNvPr id="4" name="Picture 3"/>
+          <p:cNvPicPr>
+            <a:picLocks noChangeAspect="1"/>
+          </p:cNvPicPr>
+          <p:nvPr/>
+        </p:nvPicPr>
+        <p:blipFill>
+          <a:blip r:embed="rId2">
+            <a:extLst>
+              <a:ext uri="{28A0092B-C50C-407E-A947-70E740481C1C}">
+                <a14:useLocalDpi xmlns:a14="http://schemas.microsoft.com/office/drawing/2010/main" val="0"/>
+              </a:ext>
+            </a:extLst>
+          </a:blip>
+          <a:stretch>
+            <a:fillRect/>
+          </a:stretch>
+        </p:blipFill>
+        <p:spPr>
+          <a:xfrm>
+            <a:off x="5207112" y="1845734"/>
+            <a:ext cx="5948568" cy="3406264"/>
+          </a:xfrm>
+          <a:prstGeom prst="rect">
+            <a:avLst/>
+          </a:prstGeom>
+        </p:spPr>
+      </p:pic>
     </p:spTree>
     <p:extLst>
       <p:ext uri="{BB962C8B-B14F-4D97-AF65-F5344CB8AC3E}">
-        <p14:creationId xmlns:p14="http://schemas.microsoft.com/office/powerpoint/2010/main" val="4114061100"/>
+        <p14:creationId xmlns:p14="http://schemas.microsoft.com/office/powerpoint/2010/main" val="616103712"/>
       </p:ext>
     </p:extLst>
   </p:cSld>
@@ -6767,7 +6822,7 @@
           <a:p>
             <a:r>
               <a:rPr lang="en-US" dirty="0"/>
-              <a:t>Winter Week 1</a:t>
+              <a:t>Week by week summary</a:t>
             </a:r>
           </a:p>
         </p:txBody>
@@ -6787,26 +6842,14 @@
           <a:bodyPr/>
           <a:lstStyle/>
           <a:p>
-            <a:r>
-              <a:rPr lang="en-US" dirty="0"/>
-              <a:t>Began to get the website set up</a:t>
-            </a:r>
-          </a:p>
-          <a:p>
-            <a:r>
-              <a:rPr lang="en-US" dirty="0"/>
-              <a:t>Planned on using github.io</a:t>
-            </a:r>
-          </a:p>
-          <a:p>
-            <a:endParaRPr lang="en-US" dirty="0"/>
+            <a:endParaRPr lang="en-US"/>
           </a:p>
         </p:txBody>
       </p:sp>
     </p:spTree>
     <p:extLst>
       <p:ext uri="{BB962C8B-B14F-4D97-AF65-F5344CB8AC3E}">
-        <p14:creationId xmlns:p14="http://schemas.microsoft.com/office/powerpoint/2010/main" val="3357475344"/>
+        <p14:creationId xmlns:p14="http://schemas.microsoft.com/office/powerpoint/2010/main" val="4114061100"/>
       </p:ext>
     </p:extLst>
   </p:cSld>
@@ -6850,7 +6893,7 @@
           <a:p>
             <a:r>
               <a:rPr lang="en-US" dirty="0"/>
-              <a:t>Winter Week 2</a:t>
+              <a:t>Winter Week 1</a:t>
             </a:r>
           </a:p>
         </p:txBody>
@@ -6870,55 +6913,26 @@
           <a:bodyPr/>
           <a:lstStyle/>
           <a:p>
-            <a:pPr marL="457200" lvl="1" indent="0">
-              <a:buNone/>
-            </a:pPr>
-            <a:r>
-              <a:rPr lang="en-US" dirty="0"/>
-              <a:t>Website was more difficult to get setup than we initially thought</a:t>
-            </a:r>
-          </a:p>
-          <a:p>
-            <a:pPr marL="457200" lvl="1" indent="0">
-              <a:buNone/>
-            </a:pPr>
-            <a:r>
-              <a:rPr lang="en-US" dirty="0"/>
-              <a:t>switched from using github.io to </a:t>
-            </a:r>
-            <a:r>
-              <a:rPr lang="en-US" dirty="0" err="1"/>
-              <a:t>heroku</a:t>
-            </a:r>
-            <a:r>
-              <a:rPr lang="en-US" dirty="0"/>
-              <a:t> for server needs</a:t>
-            </a:r>
-          </a:p>
-          <a:p>
-            <a:pPr marL="457200" lvl="1" indent="0">
-              <a:buNone/>
-            </a:pPr>
-            <a:r>
-              <a:rPr lang="en-US" dirty="0"/>
-              <a:t>Had to swap out credentials to get site to work properly</a:t>
-            </a:r>
-          </a:p>
-          <a:p>
-            <a:pPr marL="457200" lvl="1" indent="0">
-              <a:buNone/>
-            </a:pPr>
-            <a:r>
-              <a:rPr lang="en-US" dirty="0"/>
-              <a:t>Site up and running</a:t>
-            </a:r>
+            <a:r>
+              <a:rPr lang="en-US" dirty="0"/>
+              <a:t>Began to get the website set up</a:t>
+            </a:r>
+          </a:p>
+          <a:p>
+            <a:r>
+              <a:rPr lang="en-US" dirty="0"/>
+              <a:t>Planned on using github.io</a:t>
+            </a:r>
+          </a:p>
+          <a:p>
+            <a:endParaRPr lang="en-US" dirty="0"/>
           </a:p>
         </p:txBody>
       </p:sp>
     </p:spTree>
     <p:extLst>
       <p:ext uri="{BB962C8B-B14F-4D97-AF65-F5344CB8AC3E}">
-        <p14:creationId xmlns:p14="http://schemas.microsoft.com/office/powerpoint/2010/main" val="3816315661"/>
+        <p14:creationId xmlns:p14="http://schemas.microsoft.com/office/powerpoint/2010/main" val="3357475344"/>
       </p:ext>
     </p:extLst>
   </p:cSld>
@@ -6962,7 +6976,7 @@
           <a:p>
             <a:r>
               <a:rPr lang="en-US" dirty="0"/>
-              <a:t>Winter Week 3</a:t>
+              <a:t>Winter Week 2</a:t>
             </a:r>
           </a:p>
         </p:txBody>
@@ -6982,21 +6996,47 @@
           <a:bodyPr/>
           <a:lstStyle/>
           <a:p>
-            <a:r>
-              <a:rPr lang="en-US" dirty="0"/>
-              <a:t>Troubles setting up file bucket (never used curl before)</a:t>
-            </a:r>
-          </a:p>
-          <a:p>
-            <a:r>
-              <a:rPr lang="en-US" dirty="0"/>
-              <a:t>Got the bucket setup that will hold the files</a:t>
-            </a:r>
-          </a:p>
-          <a:p>
-            <a:r>
-              <a:rPr lang="en-US" dirty="0"/>
-              <a:t>Met with Kean and Patti</a:t>
+            <a:pPr marL="457200" lvl="1" indent="0">
+              <a:buNone/>
+            </a:pPr>
+            <a:r>
+              <a:rPr lang="en-US" dirty="0"/>
+              <a:t>Website was more difficult to get setup than we initially thought</a:t>
+            </a:r>
+          </a:p>
+          <a:p>
+            <a:pPr marL="457200" lvl="1" indent="0">
+              <a:buNone/>
+            </a:pPr>
+            <a:r>
+              <a:rPr lang="en-US" dirty="0"/>
+              <a:t>switched from using github.io to </a:t>
+            </a:r>
+            <a:r>
+              <a:rPr lang="en-US" dirty="0" err="1"/>
+              <a:t>heroku</a:t>
+            </a:r>
+            <a:r>
+              <a:rPr lang="en-US" dirty="0"/>
+              <a:t> for server needs</a:t>
+            </a:r>
+          </a:p>
+          <a:p>
+            <a:pPr marL="457200" lvl="1" indent="0">
+              <a:buNone/>
+            </a:pPr>
+            <a:r>
+              <a:rPr lang="en-US" dirty="0"/>
+              <a:t>Had to swap out credentials to get site to work properly</a:t>
+            </a:r>
+          </a:p>
+          <a:p>
+            <a:pPr marL="457200" lvl="1" indent="0">
+              <a:buNone/>
+            </a:pPr>
+            <a:r>
+              <a:rPr lang="en-US" dirty="0"/>
+              <a:t>Site up and running</a:t>
             </a:r>
           </a:p>
         </p:txBody>
@@ -7004,7 +7044,7 @@
     </p:spTree>
     <p:extLst>
       <p:ext uri="{BB962C8B-B14F-4D97-AF65-F5344CB8AC3E}">
-        <p14:creationId xmlns:p14="http://schemas.microsoft.com/office/powerpoint/2010/main" val="1610455051"/>
+        <p14:creationId xmlns:p14="http://schemas.microsoft.com/office/powerpoint/2010/main" val="3816315661"/>
       </p:ext>
     </p:extLst>
   </p:cSld>
@@ -7048,7 +7088,7 @@
           <a:p>
             <a:r>
               <a:rPr lang="en-US" dirty="0"/>
-              <a:t>Winter Week 4</a:t>
+              <a:t>Winter Week 3</a:t>
             </a:r>
           </a:p>
         </p:txBody>
@@ -7070,42 +7110,27 @@
           <a:p>
             <a:r>
               <a:rPr lang="en-US" dirty="0"/>
-              <a:t>Local file restriction complete</a:t>
-            </a:r>
-          </a:p>
-          <a:p>
-            <a:r>
-              <a:rPr lang="en-US" dirty="0"/>
-              <a:t>Began working on 3-legged Authentication</a:t>
-            </a:r>
-          </a:p>
-          <a:p>
-            <a:r>
-              <a:rPr lang="en-US" dirty="0"/>
-              <a:t>Found this would be very hard to do from scratch</a:t>
-            </a:r>
-          </a:p>
-          <a:p>
-            <a:r>
-              <a:rPr lang="en-US" dirty="0"/>
-              <a:t>Found an API that did exactly what we want</a:t>
-            </a:r>
-          </a:p>
-          <a:p>
-            <a:r>
-              <a:rPr lang="en-US" dirty="0"/>
-              <a:t>Spoke with Kean about the API we found and decided it would be best to integrate that</a:t>
-            </a:r>
-          </a:p>
-          <a:p>
-            <a:endParaRPr lang="en-US" dirty="0"/>
+              <a:t>Troubles setting up file bucket (never used curl before)</a:t>
+            </a:r>
+          </a:p>
+          <a:p>
+            <a:r>
+              <a:rPr lang="en-US" dirty="0"/>
+              <a:t>Got the bucket setup that will hold the files</a:t>
+            </a:r>
+          </a:p>
+          <a:p>
+            <a:r>
+              <a:rPr lang="en-US" dirty="0"/>
+              <a:t>Met with Kean and Patti</a:t>
+            </a:r>
           </a:p>
         </p:txBody>
       </p:sp>
     </p:spTree>
     <p:extLst>
       <p:ext uri="{BB962C8B-B14F-4D97-AF65-F5344CB8AC3E}">
-        <p14:creationId xmlns:p14="http://schemas.microsoft.com/office/powerpoint/2010/main" val="270471938"/>
+        <p14:creationId xmlns:p14="http://schemas.microsoft.com/office/powerpoint/2010/main" val="1610455051"/>
       </p:ext>
     </p:extLst>
   </p:cSld>
@@ -7149,7 +7174,7 @@
           <a:p>
             <a:r>
               <a:rPr lang="en-US" dirty="0"/>
-              <a:t>Winter Week 5</a:t>
+              <a:t>Winter Week 4</a:t>
             </a:r>
           </a:p>
         </p:txBody>
@@ -7171,27 +7196,42 @@
           <a:p>
             <a:r>
               <a:rPr lang="en-US" dirty="0"/>
-              <a:t>Began Integration of API</a:t>
-            </a:r>
-          </a:p>
-          <a:p>
-            <a:r>
-              <a:rPr lang="en-US" dirty="0"/>
-              <a:t>Ran into many problems with the integration</a:t>
-            </a:r>
-          </a:p>
-          <a:p>
-            <a:r>
-              <a:rPr lang="en-US" dirty="0"/>
-              <a:t>Kean suggested that he could bring in the person that created the API to help</a:t>
-            </a:r>
+              <a:t>Local file restriction complete</a:t>
+            </a:r>
+          </a:p>
+          <a:p>
+            <a:r>
+              <a:rPr lang="en-US" dirty="0"/>
+              <a:t>Began working on 3-legged Authentication</a:t>
+            </a:r>
+          </a:p>
+          <a:p>
+            <a:r>
+              <a:rPr lang="en-US" dirty="0"/>
+              <a:t>Found this would be very hard to do from scratch</a:t>
+            </a:r>
+          </a:p>
+          <a:p>
+            <a:r>
+              <a:rPr lang="en-US" dirty="0"/>
+              <a:t>Found an API that did exactly what we want</a:t>
+            </a:r>
+          </a:p>
+          <a:p>
+            <a:r>
+              <a:rPr lang="en-US" dirty="0"/>
+              <a:t>Spoke with Kean about the API we found and decided it would be best to integrate that</a:t>
+            </a:r>
+          </a:p>
+          <a:p>
+            <a:endParaRPr lang="en-US" dirty="0"/>
           </a:p>
         </p:txBody>
       </p:sp>
     </p:spTree>
     <p:extLst>
       <p:ext uri="{BB962C8B-B14F-4D97-AF65-F5344CB8AC3E}">
-        <p14:creationId xmlns:p14="http://schemas.microsoft.com/office/powerpoint/2010/main" val="4206706309"/>
+        <p14:creationId xmlns:p14="http://schemas.microsoft.com/office/powerpoint/2010/main" val="270471938"/>
       </p:ext>
     </p:extLst>
   </p:cSld>
@@ -7235,6 +7275,92 @@
           <a:p>
             <a:r>
               <a:rPr lang="en-US" dirty="0"/>
+              <a:t>Winter Week 5</a:t>
+            </a:r>
+          </a:p>
+        </p:txBody>
+      </p:sp>
+      <p:sp>
+        <p:nvSpPr>
+          <p:cNvPr id="3" name="Content Placeholder 2"/>
+          <p:cNvSpPr>
+            <a:spLocks noGrp="1"/>
+          </p:cNvSpPr>
+          <p:nvPr>
+            <p:ph idx="1"/>
+          </p:nvPr>
+        </p:nvSpPr>
+        <p:spPr/>
+        <p:txBody>
+          <a:bodyPr/>
+          <a:lstStyle/>
+          <a:p>
+            <a:r>
+              <a:rPr lang="en-US" dirty="0"/>
+              <a:t>Began Integration of API</a:t>
+            </a:r>
+          </a:p>
+          <a:p>
+            <a:r>
+              <a:rPr lang="en-US" dirty="0"/>
+              <a:t>Ran into many problems with the integration</a:t>
+            </a:r>
+          </a:p>
+          <a:p>
+            <a:r>
+              <a:rPr lang="en-US" dirty="0"/>
+              <a:t>Kean suggested that he could bring in the person that created the API to help</a:t>
+            </a:r>
+          </a:p>
+        </p:txBody>
+      </p:sp>
+    </p:spTree>
+    <p:extLst>
+      <p:ext uri="{BB962C8B-B14F-4D97-AF65-F5344CB8AC3E}">
+        <p14:creationId xmlns:p14="http://schemas.microsoft.com/office/powerpoint/2010/main" val="4206706309"/>
+      </p:ext>
+    </p:extLst>
+  </p:cSld>
+  <p:clrMapOvr>
+    <a:masterClrMapping/>
+  </p:clrMapOvr>
+</p:sld>
+</file>
+
+<file path=ppt/slides/slide39.xml><?xml version="1.0" encoding="utf-8"?>
+<p:sld xmlns:a="http://schemas.openxmlformats.org/drawingml/2006/main" xmlns:r="http://schemas.openxmlformats.org/officeDocument/2006/relationships" xmlns:p="http://schemas.openxmlformats.org/presentationml/2006/main">
+  <p:cSld>
+    <p:spTree>
+      <p:nvGrpSpPr>
+        <p:cNvPr id="1" name=""/>
+        <p:cNvGrpSpPr/>
+        <p:nvPr/>
+      </p:nvGrpSpPr>
+      <p:grpSpPr>
+        <a:xfrm>
+          <a:off x="0" y="0"/>
+          <a:ext cx="0" cy="0"/>
+          <a:chOff x="0" y="0"/>
+          <a:chExt cx="0" cy="0"/>
+        </a:xfrm>
+      </p:grpSpPr>
+      <p:sp>
+        <p:nvSpPr>
+          <p:cNvPr id="2" name="Title 1"/>
+          <p:cNvSpPr>
+            <a:spLocks noGrp="1"/>
+          </p:cNvSpPr>
+          <p:nvPr>
+            <p:ph type="title"/>
+          </p:nvPr>
+        </p:nvSpPr>
+        <p:spPr/>
+        <p:txBody>
+          <a:bodyPr/>
+          <a:lstStyle/>
+          <a:p>
+            <a:r>
+              <a:rPr lang="en-US" dirty="0"/>
               <a:t>Winter Week 6</a:t>
             </a:r>
           </a:p>
@@ -7281,7 +7407,105 @@
 </p:sld>
 </file>
 
-<file path=ppt/slides/slide39.xml><?xml version="1.0" encoding="utf-8"?>
+<file path=ppt/slides/slide4.xml><?xml version="1.0" encoding="utf-8"?>
+<p:sld xmlns:a="http://schemas.openxmlformats.org/drawingml/2006/main" xmlns:r="http://schemas.openxmlformats.org/officeDocument/2006/relationships" xmlns:p="http://schemas.openxmlformats.org/presentationml/2006/main">
+  <p:cSld>
+    <p:spTree>
+      <p:nvGrpSpPr>
+        <p:cNvPr id="1" name=""/>
+        <p:cNvGrpSpPr/>
+        <p:nvPr/>
+      </p:nvGrpSpPr>
+      <p:grpSpPr>
+        <a:xfrm>
+          <a:off x="0" y="0"/>
+          <a:ext cx="0" cy="0"/>
+          <a:chOff x="0" y="0"/>
+          <a:chExt cx="0" cy="0"/>
+        </a:xfrm>
+      </p:grpSpPr>
+      <p:sp>
+        <p:nvSpPr>
+          <p:cNvPr id="2" name="Title 1"/>
+          <p:cNvSpPr>
+            <a:spLocks noGrp="1"/>
+          </p:cNvSpPr>
+          <p:nvPr>
+            <p:ph type="title"/>
+          </p:nvPr>
+        </p:nvSpPr>
+        <p:spPr/>
+        <p:txBody>
+          <a:bodyPr/>
+          <a:lstStyle/>
+          <a:p>
+            <a:r>
+              <a:rPr lang="en-US" dirty="0"/>
+              <a:t>Overview</a:t>
+            </a:r>
+          </a:p>
+        </p:txBody>
+      </p:sp>
+      <p:sp>
+        <p:nvSpPr>
+          <p:cNvPr id="3" name="Content Placeholder 2"/>
+          <p:cNvSpPr>
+            <a:spLocks noGrp="1"/>
+          </p:cNvSpPr>
+          <p:nvPr>
+            <p:ph idx="1"/>
+          </p:nvPr>
+        </p:nvSpPr>
+        <p:spPr/>
+        <p:txBody>
+          <a:bodyPr/>
+          <a:lstStyle/>
+          <a:p>
+            <a:r>
+              <a:rPr lang="en-US" dirty="0"/>
+              <a:t>Requirements</a:t>
+            </a:r>
+          </a:p>
+          <a:p>
+            <a:r>
+              <a:rPr lang="en-US" dirty="0"/>
+              <a:t>Design</a:t>
+            </a:r>
+          </a:p>
+          <a:p>
+            <a:r>
+              <a:rPr lang="en-US" dirty="0"/>
+              <a:t>Week by week break down</a:t>
+            </a:r>
+          </a:p>
+          <a:p>
+            <a:r>
+              <a:rPr lang="en-US" dirty="0"/>
+              <a:t>Problems &amp; Solutions</a:t>
+            </a:r>
+          </a:p>
+          <a:p>
+            <a:r>
+              <a:rPr lang="en-US" dirty="0"/>
+              <a:t>What’s next?</a:t>
+            </a:r>
+          </a:p>
+        </p:txBody>
+      </p:sp>
+    </p:spTree>
+    <p:extLst>
+      <p:ext uri="{BB962C8B-B14F-4D97-AF65-F5344CB8AC3E}">
+        <p14:creationId xmlns:p14="http://schemas.microsoft.com/office/powerpoint/2010/main" val="2310746045"/>
+      </p:ext>
+    </p:extLst>
+  </p:cSld>
+  <p:clrMapOvr>
+    <a:masterClrMapping/>
+  </p:clrMapOvr>
+</p:sld>
+</file>
+
+<file path=ppt/slides/slide40.xml><?xml version="1.0" encoding="utf-8"?>
 <p:sld xmlns:a="http://schemas.openxmlformats.org/drawingml/2006/main" xmlns:r="http://schemas.openxmlformats.org/officeDocument/2006/relationships" xmlns:p="http://schemas.openxmlformats.org/presentationml/2006/main">
   <p:cSld>
     <p:spTree>
@@ -7724,7 +7948,7 @@
 </p:sld>
 </file>
 
-<file path=ppt/slides/slide4.xml><?xml version="1.0" encoding="utf-8"?>
+<file path=ppt/slides/slide41.xml><?xml version="1.0" encoding="utf-8"?>
 <p:sld xmlns:a="http://schemas.openxmlformats.org/drawingml/2006/main" xmlns:r="http://schemas.openxmlformats.org/officeDocument/2006/relationships" xmlns:p="http://schemas.openxmlformats.org/presentationml/2006/main">
   <p:cSld>
     <p:spTree>
@@ -7758,104 +7982,6 @@
           <a:p>
             <a:r>
               <a:rPr lang="en-US" dirty="0"/>
-              <a:t>Overview</a:t>
-            </a:r>
-          </a:p>
-        </p:txBody>
-      </p:sp>
-      <p:sp>
-        <p:nvSpPr>
-          <p:cNvPr id="3" name="Content Placeholder 2"/>
-          <p:cNvSpPr>
-            <a:spLocks noGrp="1"/>
-          </p:cNvSpPr>
-          <p:nvPr>
-            <p:ph idx="1"/>
-          </p:nvPr>
-        </p:nvSpPr>
-        <p:spPr/>
-        <p:txBody>
-          <a:bodyPr/>
-          <a:lstStyle/>
-          <a:p>
-            <a:r>
-              <a:rPr lang="en-US" dirty="0"/>
-              <a:t>Requirements</a:t>
-            </a:r>
-          </a:p>
-          <a:p>
-            <a:r>
-              <a:rPr lang="en-US" dirty="0"/>
-              <a:t>Design</a:t>
-            </a:r>
-          </a:p>
-          <a:p>
-            <a:r>
-              <a:rPr lang="en-US" dirty="0"/>
-              <a:t>Week by week break down</a:t>
-            </a:r>
-          </a:p>
-          <a:p>
-            <a:r>
-              <a:rPr lang="en-US" dirty="0"/>
-              <a:t>Problems &amp; Solutions</a:t>
-            </a:r>
-          </a:p>
-          <a:p>
-            <a:r>
-              <a:rPr lang="en-US" dirty="0"/>
-              <a:t>What’s next?</a:t>
-            </a:r>
-          </a:p>
-        </p:txBody>
-      </p:sp>
-    </p:spTree>
-    <p:extLst>
-      <p:ext uri="{BB962C8B-B14F-4D97-AF65-F5344CB8AC3E}">
-        <p14:creationId xmlns:p14="http://schemas.microsoft.com/office/powerpoint/2010/main" val="2310746045"/>
-      </p:ext>
-    </p:extLst>
-  </p:cSld>
-  <p:clrMapOvr>
-    <a:masterClrMapping/>
-  </p:clrMapOvr>
-</p:sld>
-</file>
-
-<file path=ppt/slides/slide40.xml><?xml version="1.0" encoding="utf-8"?>
-<p:sld xmlns:a="http://schemas.openxmlformats.org/drawingml/2006/main" xmlns:r="http://schemas.openxmlformats.org/officeDocument/2006/relationships" xmlns:p="http://schemas.openxmlformats.org/presentationml/2006/main">
-  <p:cSld>
-    <p:spTree>
-      <p:nvGrpSpPr>
-        <p:cNvPr id="1" name=""/>
-        <p:cNvGrpSpPr/>
-        <p:nvPr/>
-      </p:nvGrpSpPr>
-      <p:grpSpPr>
-        <a:xfrm>
-          <a:off x="0" y="0"/>
-          <a:ext cx="0" cy="0"/>
-          <a:chOff x="0" y="0"/>
-          <a:chExt cx="0" cy="0"/>
-        </a:xfrm>
-      </p:grpSpPr>
-      <p:sp>
-        <p:nvSpPr>
-          <p:cNvPr id="2" name="Title 1"/>
-          <p:cNvSpPr>
-            <a:spLocks noGrp="1"/>
-          </p:cNvSpPr>
-          <p:nvPr>
-            <p:ph type="title"/>
-          </p:nvPr>
-        </p:nvSpPr>
-        <p:spPr/>
-        <p:txBody>
-          <a:bodyPr/>
-          <a:lstStyle/>
-          <a:p>
-            <a:r>
-              <a:rPr lang="en-US" dirty="0"/>
               <a:t>What’s next?</a:t>
             </a:r>
           </a:p>
@@ -7912,7 +8038,7 @@
 </p:sld>
 </file>
 
-<file path=ppt/slides/slide41.xml><?xml version="1.0" encoding="utf-8"?>
+<file path=ppt/slides/slide42.xml><?xml version="1.0" encoding="utf-8"?>
 <p:sld xmlns:a="http://schemas.openxmlformats.org/drawingml/2006/main" xmlns:r="http://schemas.openxmlformats.org/officeDocument/2006/relationships" xmlns:p="http://schemas.openxmlformats.org/presentationml/2006/main">
   <p:cSld>
     <p:spTree>

--- a/Project Documents/Progress Report 2/Progress report.pptx
+++ b/Project Documents/Progress Report 2/Progress report.pptx
@@ -8,45 +8,25 @@
     <p:sldId id="256" r:id="rId2"/>
     <p:sldId id="257" r:id="rId3"/>
     <p:sldId id="292" r:id="rId4"/>
-    <p:sldId id="258" r:id="rId5"/>
-    <p:sldId id="260" r:id="rId6"/>
-    <p:sldId id="285" r:id="rId7"/>
-    <p:sldId id="261" r:id="rId8"/>
-    <p:sldId id="263" r:id="rId9"/>
-    <p:sldId id="266" r:id="rId10"/>
-    <p:sldId id="265" r:id="rId11"/>
-    <p:sldId id="267" r:id="rId12"/>
-    <p:sldId id="262" r:id="rId13"/>
-    <p:sldId id="264" r:id="rId14"/>
-    <p:sldId id="296" r:id="rId15"/>
-    <p:sldId id="291" r:id="rId16"/>
-    <p:sldId id="270" r:id="rId17"/>
-    <p:sldId id="269" r:id="rId18"/>
-    <p:sldId id="288" r:id="rId19"/>
-    <p:sldId id="271" r:id="rId20"/>
-    <p:sldId id="273" r:id="rId21"/>
-    <p:sldId id="289" r:id="rId22"/>
-    <p:sldId id="272" r:id="rId23"/>
-    <p:sldId id="274" r:id="rId24"/>
-    <p:sldId id="299" r:id="rId25"/>
-    <p:sldId id="305" r:id="rId26"/>
-    <p:sldId id="304" r:id="rId27"/>
-    <p:sldId id="303" r:id="rId28"/>
-    <p:sldId id="300" r:id="rId29"/>
-    <p:sldId id="301" r:id="rId30"/>
-    <p:sldId id="302" r:id="rId31"/>
-    <p:sldId id="306" r:id="rId32"/>
-    <p:sldId id="307" r:id="rId33"/>
-    <p:sldId id="297" r:id="rId34"/>
-    <p:sldId id="277" r:id="rId35"/>
-    <p:sldId id="278" r:id="rId36"/>
-    <p:sldId id="279" r:id="rId37"/>
-    <p:sldId id="280" r:id="rId38"/>
-    <p:sldId id="281" r:id="rId39"/>
-    <p:sldId id="282" r:id="rId40"/>
-    <p:sldId id="293" r:id="rId41"/>
-    <p:sldId id="276" r:id="rId42"/>
-    <p:sldId id="295" r:id="rId43"/>
+    <p:sldId id="299" r:id="rId5"/>
+    <p:sldId id="305" r:id="rId6"/>
+    <p:sldId id="304" r:id="rId7"/>
+    <p:sldId id="303" r:id="rId8"/>
+    <p:sldId id="300" r:id="rId9"/>
+    <p:sldId id="301" r:id="rId10"/>
+    <p:sldId id="302" r:id="rId11"/>
+    <p:sldId id="306" r:id="rId12"/>
+    <p:sldId id="307" r:id="rId13"/>
+    <p:sldId id="297" r:id="rId14"/>
+    <p:sldId id="277" r:id="rId15"/>
+    <p:sldId id="278" r:id="rId16"/>
+    <p:sldId id="279" r:id="rId17"/>
+    <p:sldId id="280" r:id="rId18"/>
+    <p:sldId id="281" r:id="rId19"/>
+    <p:sldId id="282" r:id="rId20"/>
+    <p:sldId id="293" r:id="rId21"/>
+    <p:sldId id="276" r:id="rId22"/>
+    <p:sldId id="295" r:id="rId23"/>
   </p:sldIdLst>
   <p:sldSz cx="12192000" cy="6858000"/>
   <p:notesSz cx="6858000" cy="9144000"/>
@@ -3965,2438 +3945,6 @@
           <a:p>
             <a:r>
               <a:rPr lang="en-US" dirty="0"/>
-              <a:t>Model Derivative Requirements</a:t>
-            </a:r>
-          </a:p>
-        </p:txBody>
-      </p:sp>
-      <p:sp>
-        <p:nvSpPr>
-          <p:cNvPr id="3" name="Content Placeholder 2"/>
-          <p:cNvSpPr>
-            <a:spLocks noGrp="1"/>
-          </p:cNvSpPr>
-          <p:nvPr>
-            <p:ph idx="1"/>
-          </p:nvPr>
-        </p:nvSpPr>
-        <p:spPr/>
-        <p:txBody>
-          <a:bodyPr/>
-          <a:lstStyle/>
-          <a:p>
-            <a:r>
-              <a:rPr lang="en-US" dirty="0"/>
-              <a:t>Files user uploads will be converted to SVF files</a:t>
-            </a:r>
-          </a:p>
-          <a:p>
-            <a:r>
-              <a:rPr lang="en-US" dirty="0"/>
-              <a:t>Then the file will be displayed on viewer</a:t>
-            </a:r>
-          </a:p>
-          <a:p>
-            <a:r>
-              <a:rPr lang="en-US" dirty="0"/>
-              <a:t>Should notify user of any failures</a:t>
-            </a:r>
-          </a:p>
-        </p:txBody>
-      </p:sp>
-    </p:spTree>
-    <p:extLst>
-      <p:ext uri="{BB962C8B-B14F-4D97-AF65-F5344CB8AC3E}">
-        <p14:creationId xmlns:p14="http://schemas.microsoft.com/office/powerpoint/2010/main" val="4239687670"/>
-      </p:ext>
-    </p:extLst>
-  </p:cSld>
-  <p:clrMapOvr>
-    <a:masterClrMapping/>
-  </p:clrMapOvr>
-</p:sld>
-</file>
-
-<file path=ppt/slides/slide11.xml><?xml version="1.0" encoding="utf-8"?>
-<p:sld xmlns:a="http://schemas.openxmlformats.org/drawingml/2006/main" xmlns:r="http://schemas.openxmlformats.org/officeDocument/2006/relationships" xmlns:p="http://schemas.openxmlformats.org/presentationml/2006/main">
-  <p:cSld>
-    <p:spTree>
-      <p:nvGrpSpPr>
-        <p:cNvPr id="1" name=""/>
-        <p:cNvGrpSpPr/>
-        <p:nvPr/>
-      </p:nvGrpSpPr>
-      <p:grpSpPr>
-        <a:xfrm>
-          <a:off x="0" y="0"/>
-          <a:ext cx="0" cy="0"/>
-          <a:chOff x="0" y="0"/>
-          <a:chExt cx="0" cy="0"/>
-        </a:xfrm>
-      </p:grpSpPr>
-      <p:sp>
-        <p:nvSpPr>
-          <p:cNvPr id="2" name="Title 1"/>
-          <p:cNvSpPr>
-            <a:spLocks noGrp="1"/>
-          </p:cNvSpPr>
-          <p:nvPr>
-            <p:ph type="title"/>
-          </p:nvPr>
-        </p:nvSpPr>
-        <p:spPr/>
-        <p:txBody>
-          <a:bodyPr/>
-          <a:lstStyle/>
-          <a:p>
-            <a:r>
-              <a:rPr lang="en-US" dirty="0"/>
-              <a:t>Smartphone Connection Requirements</a:t>
-            </a:r>
-          </a:p>
-        </p:txBody>
-      </p:sp>
-      <p:sp>
-        <p:nvSpPr>
-          <p:cNvPr id="3" name="Content Placeholder 2"/>
-          <p:cNvSpPr>
-            <a:spLocks noGrp="1"/>
-          </p:cNvSpPr>
-          <p:nvPr>
-            <p:ph idx="1"/>
-          </p:nvPr>
-        </p:nvSpPr>
-        <p:spPr/>
-        <p:txBody>
-          <a:bodyPr/>
-          <a:lstStyle/>
-          <a:p>
-            <a:r>
-              <a:rPr lang="en-US" dirty="0"/>
-              <a:t>Users connect phone to Vrok.it</a:t>
-            </a:r>
-          </a:p>
-          <a:p>
-            <a:r>
-              <a:rPr lang="en-US" dirty="0"/>
-              <a:t>So user can view model in VR environment</a:t>
-            </a:r>
-          </a:p>
-          <a:p>
-            <a:r>
-              <a:rPr lang="en-US" dirty="0"/>
-              <a:t>Users device must have QR scanner and internet</a:t>
-            </a:r>
-          </a:p>
-          <a:p>
-            <a:r>
-              <a:rPr lang="en-US" dirty="0"/>
-              <a:t>Phone should connect to site via QR scan</a:t>
-            </a:r>
-          </a:p>
-          <a:p>
-            <a:endParaRPr lang="en-US" dirty="0"/>
-          </a:p>
-        </p:txBody>
-      </p:sp>
-    </p:spTree>
-    <p:extLst>
-      <p:ext uri="{BB962C8B-B14F-4D97-AF65-F5344CB8AC3E}">
-        <p14:creationId xmlns:p14="http://schemas.microsoft.com/office/powerpoint/2010/main" val="1717661036"/>
-      </p:ext>
-    </p:extLst>
-  </p:cSld>
-  <p:clrMapOvr>
-    <a:masterClrMapping/>
-  </p:clrMapOvr>
-</p:sld>
-</file>
-
-<file path=ppt/slides/slide12.xml><?xml version="1.0" encoding="utf-8"?>
-<p:sld xmlns:a="http://schemas.openxmlformats.org/drawingml/2006/main" xmlns:r="http://schemas.openxmlformats.org/officeDocument/2006/relationships" xmlns:p="http://schemas.openxmlformats.org/presentationml/2006/main">
-  <p:cSld>
-    <p:spTree>
-      <p:nvGrpSpPr>
-        <p:cNvPr id="1" name=""/>
-        <p:cNvGrpSpPr/>
-        <p:nvPr/>
-      </p:nvGrpSpPr>
-      <p:grpSpPr>
-        <a:xfrm>
-          <a:off x="0" y="0"/>
-          <a:ext cx="0" cy="0"/>
-          <a:chOff x="0" y="0"/>
-          <a:chExt cx="0" cy="0"/>
-        </a:xfrm>
-      </p:grpSpPr>
-      <p:sp>
-        <p:nvSpPr>
-          <p:cNvPr id="2" name="Title 1"/>
-          <p:cNvSpPr>
-            <a:spLocks noGrp="1"/>
-          </p:cNvSpPr>
-          <p:nvPr>
-            <p:ph type="title"/>
-          </p:nvPr>
-        </p:nvSpPr>
-        <p:spPr/>
-        <p:txBody>
-          <a:bodyPr/>
-          <a:lstStyle/>
-          <a:p>
-            <a:r>
-              <a:rPr lang="en-US" dirty="0"/>
-              <a:t>Data Management Requirements</a:t>
-            </a:r>
-          </a:p>
-        </p:txBody>
-      </p:sp>
-      <p:sp>
-        <p:nvSpPr>
-          <p:cNvPr id="3" name="Content Placeholder 2"/>
-          <p:cNvSpPr>
-            <a:spLocks noGrp="1"/>
-          </p:cNvSpPr>
-          <p:nvPr>
-            <p:ph idx="1"/>
-          </p:nvPr>
-        </p:nvSpPr>
-        <p:spPr/>
-        <p:txBody>
-          <a:bodyPr/>
-          <a:lstStyle/>
-          <a:p>
-            <a:r>
-              <a:rPr lang="en-US" dirty="0"/>
-              <a:t>Users with files in A360 should be able to use in site</a:t>
-            </a:r>
-          </a:p>
-          <a:p>
-            <a:r>
-              <a:rPr lang="en-US" dirty="0"/>
-              <a:t>User gives website permission to use files</a:t>
-            </a:r>
-          </a:p>
-          <a:p>
-            <a:r>
-              <a:rPr lang="en-US" dirty="0"/>
-              <a:t>User can now choose file to view</a:t>
-            </a:r>
-          </a:p>
-        </p:txBody>
-      </p:sp>
-    </p:spTree>
-    <p:extLst>
-      <p:ext uri="{BB962C8B-B14F-4D97-AF65-F5344CB8AC3E}">
-        <p14:creationId xmlns:p14="http://schemas.microsoft.com/office/powerpoint/2010/main" val="4073836856"/>
-      </p:ext>
-    </p:extLst>
-  </p:cSld>
-  <p:clrMapOvr>
-    <a:masterClrMapping/>
-  </p:clrMapOvr>
-</p:sld>
-</file>
-
-<file path=ppt/slides/slide13.xml><?xml version="1.0" encoding="utf-8"?>
-<p:sld xmlns:a="http://schemas.openxmlformats.org/drawingml/2006/main" xmlns:r="http://schemas.openxmlformats.org/officeDocument/2006/relationships" xmlns:p="http://schemas.openxmlformats.org/presentationml/2006/main">
-  <p:cSld>
-    <p:spTree>
-      <p:nvGrpSpPr>
-        <p:cNvPr id="1" name=""/>
-        <p:cNvGrpSpPr/>
-        <p:nvPr/>
-      </p:nvGrpSpPr>
-      <p:grpSpPr>
-        <a:xfrm>
-          <a:off x="0" y="0"/>
-          <a:ext cx="0" cy="0"/>
-          <a:chOff x="0" y="0"/>
-          <a:chExt cx="0" cy="0"/>
-        </a:xfrm>
-      </p:grpSpPr>
-      <p:sp>
-        <p:nvSpPr>
-          <p:cNvPr id="2" name="Title 1"/>
-          <p:cNvSpPr>
-            <a:spLocks noGrp="1"/>
-          </p:cNvSpPr>
-          <p:nvPr>
-            <p:ph type="title"/>
-          </p:nvPr>
-        </p:nvSpPr>
-        <p:spPr/>
-        <p:txBody>
-          <a:bodyPr/>
-          <a:lstStyle/>
-          <a:p>
-            <a:r>
-              <a:rPr lang="en-US" dirty="0"/>
-              <a:t>Model View Requirements</a:t>
-            </a:r>
-          </a:p>
-        </p:txBody>
-      </p:sp>
-      <p:sp>
-        <p:nvSpPr>
-          <p:cNvPr id="3" name="Content Placeholder 2"/>
-          <p:cNvSpPr>
-            <a:spLocks noGrp="1"/>
-          </p:cNvSpPr>
-          <p:nvPr>
-            <p:ph idx="1"/>
-          </p:nvPr>
-        </p:nvSpPr>
-        <p:spPr/>
-        <p:txBody>
-          <a:bodyPr/>
-          <a:lstStyle/>
-          <a:p>
-            <a:r>
-              <a:rPr lang="en-US" dirty="0"/>
-              <a:t>User can see chosen model on website</a:t>
-            </a:r>
-          </a:p>
-          <a:p>
-            <a:r>
-              <a:rPr lang="en-US" dirty="0"/>
-              <a:t>Model View uses SVF file format</a:t>
-            </a:r>
-          </a:p>
-          <a:p>
-            <a:r>
-              <a:rPr lang="en-US" dirty="0"/>
-              <a:t>Model cannot be too detailed or large</a:t>
-            </a:r>
-          </a:p>
-          <a:p>
-            <a:pPr lvl="1"/>
-            <a:r>
-              <a:rPr lang="en-US" dirty="0"/>
-              <a:t>Where the website cannot run it</a:t>
-            </a:r>
-          </a:p>
-          <a:p>
-            <a:r>
-              <a:rPr lang="en-US" dirty="0"/>
-              <a:t>Model is displayed in Forge Viewer and is interactive</a:t>
-            </a:r>
-          </a:p>
-          <a:p>
-            <a:pPr lvl="1"/>
-            <a:r>
-              <a:rPr lang="en-US" dirty="0"/>
-              <a:t>Model is manipulation</a:t>
-            </a:r>
-          </a:p>
-        </p:txBody>
-      </p:sp>
-    </p:spTree>
-    <p:extLst>
-      <p:ext uri="{BB962C8B-B14F-4D97-AF65-F5344CB8AC3E}">
-        <p14:creationId xmlns:p14="http://schemas.microsoft.com/office/powerpoint/2010/main" val="181090165"/>
-      </p:ext>
-    </p:extLst>
-  </p:cSld>
-  <p:clrMapOvr>
-    <a:masterClrMapping/>
-  </p:clrMapOvr>
-</p:sld>
-</file>
-
-<file path=ppt/slides/slide14.xml><?xml version="1.0" encoding="utf-8"?>
-<p:sld xmlns:a="http://schemas.openxmlformats.org/drawingml/2006/main" xmlns:r="http://schemas.openxmlformats.org/officeDocument/2006/relationships" xmlns:p="http://schemas.openxmlformats.org/presentationml/2006/main">
-  <p:cSld>
-    <p:spTree>
-      <p:nvGrpSpPr>
-        <p:cNvPr id="1" name=""/>
-        <p:cNvGrpSpPr/>
-        <p:nvPr/>
-      </p:nvGrpSpPr>
-      <p:grpSpPr>
-        <a:xfrm>
-          <a:off x="0" y="0"/>
-          <a:ext cx="0" cy="0"/>
-          <a:chOff x="0" y="0"/>
-          <a:chExt cx="0" cy="0"/>
-        </a:xfrm>
-      </p:grpSpPr>
-      <p:sp>
-        <p:nvSpPr>
-          <p:cNvPr id="2" name="Title 1"/>
-          <p:cNvSpPr>
-            <a:spLocks noGrp="1"/>
-          </p:cNvSpPr>
-          <p:nvPr>
-            <p:ph type="title"/>
-          </p:nvPr>
-        </p:nvSpPr>
-        <p:spPr/>
-        <p:txBody>
-          <a:bodyPr/>
-          <a:lstStyle/>
-          <a:p>
-            <a:r>
-              <a:rPr lang="en-US" dirty="0"/>
-              <a:t>Design Document</a:t>
-            </a:r>
-          </a:p>
-        </p:txBody>
-      </p:sp>
-      <p:sp>
-        <p:nvSpPr>
-          <p:cNvPr id="3" name="Content Placeholder 2"/>
-          <p:cNvSpPr>
-            <a:spLocks noGrp="1"/>
-          </p:cNvSpPr>
-          <p:nvPr>
-            <p:ph idx="1"/>
-          </p:nvPr>
-        </p:nvSpPr>
-        <p:spPr/>
-        <p:txBody>
-          <a:bodyPr/>
-          <a:lstStyle/>
-          <a:p>
-            <a:r>
-              <a:rPr lang="en-US" dirty="0"/>
-              <a:t>A detailed explanation of the development process</a:t>
-            </a:r>
-          </a:p>
-          <a:p>
-            <a:r>
-              <a:rPr lang="en-US" dirty="0"/>
-              <a:t>Based on the IEEE 1016</a:t>
-            </a:r>
-          </a:p>
-          <a:p>
-            <a:endParaRPr lang="en-US" dirty="0"/>
-          </a:p>
-        </p:txBody>
-      </p:sp>
-    </p:spTree>
-    <p:extLst>
-      <p:ext uri="{BB962C8B-B14F-4D97-AF65-F5344CB8AC3E}">
-        <p14:creationId xmlns:p14="http://schemas.microsoft.com/office/powerpoint/2010/main" val="2408296895"/>
-      </p:ext>
-    </p:extLst>
-  </p:cSld>
-  <p:clrMapOvr>
-    <a:masterClrMapping/>
-  </p:clrMapOvr>
-</p:sld>
-</file>
-
-<file path=ppt/slides/slide15.xml><?xml version="1.0" encoding="utf-8"?>
-<p:sld xmlns:a="http://schemas.openxmlformats.org/drawingml/2006/main" xmlns:r="http://schemas.openxmlformats.org/officeDocument/2006/relationships" xmlns:p="http://schemas.openxmlformats.org/presentationml/2006/main">
-  <p:cSld>
-    <p:spTree>
-      <p:nvGrpSpPr>
-        <p:cNvPr id="1" name=""/>
-        <p:cNvGrpSpPr/>
-        <p:nvPr/>
-      </p:nvGrpSpPr>
-      <p:grpSpPr>
-        <a:xfrm>
-          <a:off x="0" y="0"/>
-          <a:ext cx="0" cy="0"/>
-          <a:chOff x="0" y="0"/>
-          <a:chExt cx="0" cy="0"/>
-        </a:xfrm>
-      </p:grpSpPr>
-      <p:sp>
-        <p:nvSpPr>
-          <p:cNvPr id="2" name="Title 1"/>
-          <p:cNvSpPr>
-            <a:spLocks noGrp="1"/>
-          </p:cNvSpPr>
-          <p:nvPr>
-            <p:ph type="title"/>
-          </p:nvPr>
-        </p:nvSpPr>
-        <p:spPr/>
-        <p:txBody>
-          <a:bodyPr/>
-          <a:lstStyle/>
-          <a:p>
-            <a:r>
-              <a:rPr lang="en-US" dirty="0"/>
-              <a:t>Authentication Design</a:t>
-            </a:r>
-          </a:p>
-        </p:txBody>
-      </p:sp>
-      <p:sp>
-        <p:nvSpPr>
-          <p:cNvPr id="3" name="Text Placeholder 2"/>
-          <p:cNvSpPr>
-            <a:spLocks noGrp="1"/>
-          </p:cNvSpPr>
-          <p:nvPr>
-            <p:ph type="body" idx="1"/>
-          </p:nvPr>
-        </p:nvSpPr>
-        <p:spPr>
-          <a:xfrm>
-            <a:off x="839788" y="1681163"/>
-            <a:ext cx="5157787" cy="484521"/>
-          </a:xfrm>
-        </p:spPr>
-        <p:txBody>
-          <a:bodyPr/>
-          <a:lstStyle/>
-          <a:p>
-            <a:r>
-              <a:rPr lang="en-US" dirty="0"/>
-              <a:t>2 Legged</a:t>
-            </a:r>
-          </a:p>
-        </p:txBody>
-      </p:sp>
-      <p:sp>
-        <p:nvSpPr>
-          <p:cNvPr id="4" name="Content Placeholder 3"/>
-          <p:cNvSpPr>
-            <a:spLocks noGrp="1"/>
-          </p:cNvSpPr>
-          <p:nvPr>
-            <p:ph sz="half" idx="2"/>
-          </p:nvPr>
-        </p:nvSpPr>
-        <p:spPr>
-          <a:xfrm>
-            <a:off x="839788" y="2165684"/>
-            <a:ext cx="5157787" cy="4023979"/>
-          </a:xfrm>
-        </p:spPr>
-        <p:txBody>
-          <a:bodyPr/>
-          <a:lstStyle/>
-          <a:p>
-            <a:r>
-              <a:rPr lang="en-US" dirty="0"/>
-              <a:t>For when site does not need permission based resources</a:t>
-            </a:r>
-          </a:p>
-          <a:p>
-            <a:r>
-              <a:rPr lang="en-US" dirty="0"/>
-              <a:t>Simple token exchange system for security</a:t>
-            </a:r>
-          </a:p>
-          <a:p>
-            <a:r>
-              <a:rPr lang="en-US" dirty="0"/>
-              <a:t>Dependent on Autodesk endpoints/system/servers</a:t>
-            </a:r>
-          </a:p>
-        </p:txBody>
-      </p:sp>
-      <p:sp>
-        <p:nvSpPr>
-          <p:cNvPr id="5" name="Text Placeholder 4"/>
-          <p:cNvSpPr>
-            <a:spLocks noGrp="1"/>
-          </p:cNvSpPr>
-          <p:nvPr>
-            <p:ph type="body" sz="quarter" idx="3"/>
-          </p:nvPr>
-        </p:nvSpPr>
-        <p:spPr>
-          <a:xfrm>
-            <a:off x="6172200" y="1681163"/>
-            <a:ext cx="5183188" cy="484521"/>
-          </a:xfrm>
-        </p:spPr>
-        <p:txBody>
-          <a:bodyPr/>
-          <a:lstStyle/>
-          <a:p>
-            <a:r>
-              <a:rPr lang="en-US" dirty="0"/>
-              <a:t>3 Legged</a:t>
-            </a:r>
-          </a:p>
-        </p:txBody>
-      </p:sp>
-      <p:sp>
-        <p:nvSpPr>
-          <p:cNvPr id="6" name="Content Placeholder 5"/>
-          <p:cNvSpPr>
-            <a:spLocks noGrp="1"/>
-          </p:cNvSpPr>
-          <p:nvPr>
-            <p:ph sz="quarter" idx="4"/>
-          </p:nvPr>
-        </p:nvSpPr>
-        <p:spPr>
-          <a:xfrm>
-            <a:off x="6172200" y="2165684"/>
-            <a:ext cx="5183188" cy="4023979"/>
-          </a:xfrm>
-        </p:spPr>
-        <p:txBody>
-          <a:bodyPr/>
-          <a:lstStyle/>
-          <a:p>
-            <a:r>
-              <a:rPr lang="en-US" dirty="0"/>
-              <a:t>When users must verify permission for resources</a:t>
-            </a:r>
-          </a:p>
-          <a:p>
-            <a:r>
-              <a:rPr lang="en-US" dirty="0"/>
-              <a:t>Users verify permission after logging in</a:t>
-            </a:r>
-          </a:p>
-          <a:p>
-            <a:r>
-              <a:rPr lang="en-US" dirty="0"/>
-              <a:t>Token returned granting site access of resources</a:t>
-            </a:r>
-          </a:p>
-          <a:p>
-            <a:r>
-              <a:rPr lang="en-US" dirty="0"/>
-              <a:t>Dependent on Autodesk endpoints/system/servers</a:t>
-            </a:r>
-          </a:p>
-          <a:p>
-            <a:pPr lvl="1"/>
-            <a:r>
-              <a:rPr lang="en-US" dirty="0"/>
-              <a:t>User has account</a:t>
-            </a:r>
-          </a:p>
-          <a:p>
-            <a:pPr lvl="1"/>
-            <a:r>
-              <a:rPr lang="en-US" dirty="0"/>
-              <a:t>As well as user permission</a:t>
-            </a:r>
-          </a:p>
-          <a:p>
-            <a:endParaRPr lang="en-US" dirty="0"/>
-          </a:p>
-        </p:txBody>
-      </p:sp>
-    </p:spTree>
-    <p:extLst>
-      <p:ext uri="{BB962C8B-B14F-4D97-AF65-F5344CB8AC3E}">
-        <p14:creationId xmlns:p14="http://schemas.microsoft.com/office/powerpoint/2010/main" val="2497763136"/>
-      </p:ext>
-    </p:extLst>
-  </p:cSld>
-  <p:clrMapOvr>
-    <a:masterClrMapping/>
-  </p:clrMapOvr>
-</p:sld>
-</file>
-
-<file path=ppt/slides/slide16.xml><?xml version="1.0" encoding="utf-8"?>
-<p:sld xmlns:a="http://schemas.openxmlformats.org/drawingml/2006/main" xmlns:r="http://schemas.openxmlformats.org/officeDocument/2006/relationships" xmlns:p="http://schemas.openxmlformats.org/presentationml/2006/main">
-  <p:cSld>
-    <p:spTree>
-      <p:nvGrpSpPr>
-        <p:cNvPr id="1" name=""/>
-        <p:cNvGrpSpPr/>
-        <p:nvPr/>
-      </p:nvGrpSpPr>
-      <p:grpSpPr>
-        <a:xfrm>
-          <a:off x="0" y="0"/>
-          <a:ext cx="0" cy="0"/>
-          <a:chOff x="0" y="0"/>
-          <a:chExt cx="0" cy="0"/>
-        </a:xfrm>
-      </p:grpSpPr>
-      <p:sp>
-        <p:nvSpPr>
-          <p:cNvPr id="2" name="Title 1"/>
-          <p:cNvSpPr>
-            <a:spLocks noGrp="1"/>
-          </p:cNvSpPr>
-          <p:nvPr>
-            <p:ph type="title"/>
-          </p:nvPr>
-        </p:nvSpPr>
-        <p:spPr/>
-        <p:txBody>
-          <a:bodyPr/>
-          <a:lstStyle/>
-          <a:p>
-            <a:r>
-              <a:rPr lang="en-US" dirty="0"/>
-              <a:t>Viewing VR Design</a:t>
-            </a:r>
-          </a:p>
-        </p:txBody>
-      </p:sp>
-      <p:sp>
-        <p:nvSpPr>
-          <p:cNvPr id="3" name="Content Placeholder 2"/>
-          <p:cNvSpPr>
-            <a:spLocks noGrp="1"/>
-          </p:cNvSpPr>
-          <p:nvPr>
-            <p:ph idx="1"/>
-          </p:nvPr>
-        </p:nvSpPr>
-        <p:spPr/>
-        <p:txBody>
-          <a:bodyPr/>
-          <a:lstStyle/>
-          <a:p>
-            <a:r>
-              <a:rPr lang="en-US" dirty="0"/>
-              <a:t>Currently using Google Cardboard’s application</a:t>
-            </a:r>
-          </a:p>
-          <a:p>
-            <a:pPr lvl="1"/>
-            <a:r>
-              <a:rPr lang="en-US" dirty="0"/>
-              <a:t>Android WebView inside the application (</a:t>
-            </a:r>
-            <a:r>
-              <a:rPr lang="en-US" dirty="0" err="1"/>
-              <a:t>WebGL</a:t>
-            </a:r>
-            <a:r>
-              <a:rPr lang="en-US" dirty="0"/>
-              <a:t>)</a:t>
-            </a:r>
-          </a:p>
-          <a:p>
-            <a:r>
-              <a:rPr lang="en-US" dirty="0"/>
-              <a:t>This allows for VR viewing of models on the site loaded by the QR scanner</a:t>
-            </a:r>
-          </a:p>
-          <a:p>
-            <a:r>
-              <a:rPr lang="en-US" dirty="0"/>
-              <a:t>Interactivity takes input from keyboard</a:t>
-            </a:r>
-          </a:p>
-          <a:p>
-            <a:r>
-              <a:rPr lang="en-US" dirty="0"/>
-              <a:t>Dependent on user having</a:t>
-            </a:r>
-          </a:p>
-          <a:p>
-            <a:pPr lvl="1"/>
-            <a:r>
-              <a:rPr lang="en-US" dirty="0"/>
-              <a:t>Google Cardboard hardware </a:t>
-            </a:r>
-          </a:p>
-          <a:p>
-            <a:pPr lvl="1"/>
-            <a:r>
-              <a:rPr lang="en-US" dirty="0"/>
-              <a:t>Google Cardboard application</a:t>
-            </a:r>
-          </a:p>
-          <a:p>
-            <a:pPr lvl="1"/>
-            <a:r>
-              <a:rPr lang="en-US" dirty="0"/>
-              <a:t>Android Device Lollipop+</a:t>
-            </a:r>
-          </a:p>
-        </p:txBody>
-      </p:sp>
-    </p:spTree>
-    <p:extLst>
-      <p:ext uri="{BB962C8B-B14F-4D97-AF65-F5344CB8AC3E}">
-        <p14:creationId xmlns:p14="http://schemas.microsoft.com/office/powerpoint/2010/main" val="1648740225"/>
-      </p:ext>
-    </p:extLst>
-  </p:cSld>
-  <p:clrMapOvr>
-    <a:masterClrMapping/>
-  </p:clrMapOvr>
-</p:sld>
-</file>
-
-<file path=ppt/slides/slide17.xml><?xml version="1.0" encoding="utf-8"?>
-<p:sld xmlns:a="http://schemas.openxmlformats.org/drawingml/2006/main" xmlns:r="http://schemas.openxmlformats.org/officeDocument/2006/relationships" xmlns:p="http://schemas.openxmlformats.org/presentationml/2006/main">
-  <p:cSld>
-    <p:spTree>
-      <p:nvGrpSpPr>
-        <p:cNvPr id="1" name=""/>
-        <p:cNvGrpSpPr/>
-        <p:nvPr/>
-      </p:nvGrpSpPr>
-      <p:grpSpPr>
-        <a:xfrm>
-          <a:off x="0" y="0"/>
-          <a:ext cx="0" cy="0"/>
-          <a:chOff x="0" y="0"/>
-          <a:chExt cx="0" cy="0"/>
-        </a:xfrm>
-      </p:grpSpPr>
-      <p:sp>
-        <p:nvSpPr>
-          <p:cNvPr id="2" name="Title 1"/>
-          <p:cNvSpPr>
-            <a:spLocks noGrp="1"/>
-          </p:cNvSpPr>
-          <p:nvPr>
-            <p:ph type="title"/>
-          </p:nvPr>
-        </p:nvSpPr>
-        <p:spPr/>
-        <p:txBody>
-          <a:bodyPr/>
-          <a:lstStyle/>
-          <a:p>
-            <a:r>
-              <a:rPr lang="en-US" dirty="0"/>
-              <a:t>Data Management Design</a:t>
-            </a:r>
-          </a:p>
-        </p:txBody>
-      </p:sp>
-      <p:sp>
-        <p:nvSpPr>
-          <p:cNvPr id="3" name="Content Placeholder 2"/>
-          <p:cNvSpPr>
-            <a:spLocks noGrp="1"/>
-          </p:cNvSpPr>
-          <p:nvPr>
-            <p:ph idx="1"/>
-          </p:nvPr>
-        </p:nvSpPr>
-        <p:spPr/>
-        <p:txBody>
-          <a:bodyPr/>
-          <a:lstStyle/>
-          <a:p>
-            <a:r>
-              <a:rPr lang="en-US" dirty="0"/>
-              <a:t>Relies on 3 Legged Data Authentication being completed</a:t>
-            </a:r>
-          </a:p>
-          <a:p>
-            <a:r>
-              <a:rPr lang="en-US" dirty="0"/>
-              <a:t>User accesses files stored in A360 to use</a:t>
-            </a:r>
-          </a:p>
-          <a:p>
-            <a:r>
-              <a:rPr lang="en-US" dirty="0"/>
-              <a:t>Data management returns those files</a:t>
-            </a:r>
-          </a:p>
-        </p:txBody>
-      </p:sp>
-    </p:spTree>
-    <p:extLst>
-      <p:ext uri="{BB962C8B-B14F-4D97-AF65-F5344CB8AC3E}">
-        <p14:creationId xmlns:p14="http://schemas.microsoft.com/office/powerpoint/2010/main" val="1095674573"/>
-      </p:ext>
-    </p:extLst>
-  </p:cSld>
-  <p:clrMapOvr>
-    <a:masterClrMapping/>
-  </p:clrMapOvr>
-</p:sld>
-</file>
-
-<file path=ppt/slides/slide18.xml><?xml version="1.0" encoding="utf-8"?>
-<p:sld xmlns:a="http://schemas.openxmlformats.org/drawingml/2006/main" xmlns:r="http://schemas.openxmlformats.org/officeDocument/2006/relationships" xmlns:p="http://schemas.openxmlformats.org/presentationml/2006/main">
-  <p:cSld>
-    <p:spTree>
-      <p:nvGrpSpPr>
-        <p:cNvPr id="1" name=""/>
-        <p:cNvGrpSpPr/>
-        <p:nvPr/>
-      </p:nvGrpSpPr>
-      <p:grpSpPr>
-        <a:xfrm>
-          <a:off x="0" y="0"/>
-          <a:ext cx="0" cy="0"/>
-          <a:chOff x="0" y="0"/>
-          <a:chExt cx="0" cy="0"/>
-        </a:xfrm>
-      </p:grpSpPr>
-      <p:sp>
-        <p:nvSpPr>
-          <p:cNvPr id="2" name="Title 1"/>
-          <p:cNvSpPr>
-            <a:spLocks noGrp="1"/>
-          </p:cNvSpPr>
-          <p:nvPr>
-            <p:ph type="title"/>
-          </p:nvPr>
-        </p:nvSpPr>
-        <p:spPr/>
-        <p:txBody>
-          <a:bodyPr/>
-          <a:lstStyle/>
-          <a:p>
-            <a:r>
-              <a:rPr lang="en-US" dirty="0"/>
-              <a:t>Website Interface Design</a:t>
-            </a:r>
-          </a:p>
-        </p:txBody>
-      </p:sp>
-      <p:sp>
-        <p:nvSpPr>
-          <p:cNvPr id="3" name="Content Placeholder 2"/>
-          <p:cNvSpPr>
-            <a:spLocks noGrp="1"/>
-          </p:cNvSpPr>
-          <p:nvPr>
-            <p:ph idx="1"/>
-          </p:nvPr>
-        </p:nvSpPr>
-        <p:spPr/>
-        <p:txBody>
-          <a:bodyPr/>
-          <a:lstStyle/>
-          <a:p>
-            <a:r>
-              <a:rPr lang="en-US" dirty="0"/>
-              <a:t>NEW interface</a:t>
-            </a:r>
-          </a:p>
-          <a:p>
-            <a:r>
-              <a:rPr lang="en-US" dirty="0"/>
-              <a:t>Focus on user experience</a:t>
-            </a:r>
-          </a:p>
-          <a:p>
-            <a:pPr lvl="1"/>
-            <a:r>
-              <a:rPr lang="en-US" dirty="0"/>
-              <a:t>Easy to use</a:t>
-            </a:r>
-          </a:p>
-          <a:p>
-            <a:pPr lvl="1"/>
-            <a:r>
-              <a:rPr lang="en-US" dirty="0"/>
-              <a:t>Easy to find components</a:t>
-            </a:r>
-          </a:p>
-          <a:p>
-            <a:r>
-              <a:rPr lang="en-US" dirty="0"/>
-              <a:t>Needs to have:</a:t>
-            </a:r>
-          </a:p>
-          <a:p>
-            <a:pPr lvl="1"/>
-            <a:r>
-              <a:rPr lang="en-US" dirty="0"/>
-              <a:t>Forge Viewer</a:t>
-            </a:r>
-          </a:p>
-          <a:p>
-            <a:pPr lvl="1"/>
-            <a:r>
-              <a:rPr lang="en-US" dirty="0"/>
-              <a:t>File Upload</a:t>
-            </a:r>
-          </a:p>
-          <a:p>
-            <a:pPr lvl="1"/>
-            <a:r>
-              <a:rPr lang="en-US" dirty="0"/>
-              <a:t>QR code</a:t>
-            </a:r>
-          </a:p>
-          <a:p>
-            <a:pPr lvl="1"/>
-            <a:r>
-              <a:rPr lang="en-US" dirty="0"/>
-              <a:t>Model Derivative</a:t>
-            </a:r>
-          </a:p>
-          <a:p>
-            <a:pPr lvl="1"/>
-            <a:r>
-              <a:rPr lang="en-US" dirty="0"/>
-              <a:t>Information and basic site content</a:t>
-            </a:r>
-          </a:p>
-        </p:txBody>
-      </p:sp>
-    </p:spTree>
-    <p:extLst>
-      <p:ext uri="{BB962C8B-B14F-4D97-AF65-F5344CB8AC3E}">
-        <p14:creationId xmlns:p14="http://schemas.microsoft.com/office/powerpoint/2010/main" val="3569504896"/>
-      </p:ext>
-    </p:extLst>
-  </p:cSld>
-  <p:clrMapOvr>
-    <a:masterClrMapping/>
-  </p:clrMapOvr>
-</p:sld>
-</file>
-
-<file path=ppt/slides/slide19.xml><?xml version="1.0" encoding="utf-8"?>
-<p:sld xmlns:a="http://schemas.openxmlformats.org/drawingml/2006/main" xmlns:r="http://schemas.openxmlformats.org/officeDocument/2006/relationships" xmlns:p="http://schemas.openxmlformats.org/presentationml/2006/main">
-  <p:cSld>
-    <p:spTree>
-      <p:nvGrpSpPr>
-        <p:cNvPr id="1" name=""/>
-        <p:cNvGrpSpPr/>
-        <p:nvPr/>
-      </p:nvGrpSpPr>
-      <p:grpSpPr>
-        <a:xfrm>
-          <a:off x="0" y="0"/>
-          <a:ext cx="0" cy="0"/>
-          <a:chOff x="0" y="0"/>
-          <a:chExt cx="0" cy="0"/>
-        </a:xfrm>
-      </p:grpSpPr>
-      <p:sp>
-        <p:nvSpPr>
-          <p:cNvPr id="2" name="Title 1"/>
-          <p:cNvSpPr>
-            <a:spLocks noGrp="1"/>
-          </p:cNvSpPr>
-          <p:nvPr>
-            <p:ph type="title"/>
-          </p:nvPr>
-        </p:nvSpPr>
-        <p:spPr/>
-        <p:txBody>
-          <a:bodyPr/>
-          <a:lstStyle/>
-          <a:p>
-            <a:r>
-              <a:rPr lang="en-US" dirty="0"/>
-              <a:t>Model View Design</a:t>
-            </a:r>
-          </a:p>
-        </p:txBody>
-      </p:sp>
-      <p:sp>
-        <p:nvSpPr>
-          <p:cNvPr id="3" name="Content Placeholder 2"/>
-          <p:cNvSpPr>
-            <a:spLocks noGrp="1"/>
-          </p:cNvSpPr>
-          <p:nvPr>
-            <p:ph idx="1"/>
-          </p:nvPr>
-        </p:nvSpPr>
-        <p:spPr/>
-        <p:txBody>
-          <a:bodyPr/>
-          <a:lstStyle/>
-          <a:p>
-            <a:r>
-              <a:rPr lang="en-US" dirty="0"/>
-              <a:t>Forge Large Model Viewer</a:t>
-            </a:r>
-          </a:p>
-          <a:p>
-            <a:pPr lvl="1"/>
-            <a:r>
-              <a:rPr lang="en-US" dirty="0"/>
-              <a:t>Uses </a:t>
-            </a:r>
-            <a:r>
-              <a:rPr lang="en-US" dirty="0" err="1"/>
-              <a:t>WebGL</a:t>
-            </a:r>
-            <a:endParaRPr lang="en-US" dirty="0"/>
-          </a:p>
-          <a:p>
-            <a:pPr lvl="1"/>
-            <a:r>
-              <a:rPr lang="en-US" dirty="0"/>
-              <a:t>Renders SVF model on webpage</a:t>
-            </a:r>
-          </a:p>
-          <a:p>
-            <a:r>
-              <a:rPr lang="en-US" dirty="0"/>
-              <a:t>Model is interactive</a:t>
-            </a:r>
-          </a:p>
-          <a:p>
-            <a:r>
-              <a:rPr lang="en-US" dirty="0"/>
-              <a:t>Components</a:t>
-            </a:r>
-          </a:p>
-          <a:p>
-            <a:pPr lvl="1"/>
-            <a:r>
-              <a:rPr lang="en-US" dirty="0"/>
-              <a:t>Main view window</a:t>
-            </a:r>
-          </a:p>
-          <a:p>
-            <a:pPr lvl="1"/>
-            <a:r>
-              <a:rPr lang="en-US" dirty="0"/>
-              <a:t>Listed Models</a:t>
-            </a:r>
-          </a:p>
-          <a:p>
-            <a:pPr lvl="1"/>
-            <a:r>
-              <a:rPr lang="en-US" dirty="0"/>
-              <a:t>Model viewer navigation</a:t>
-            </a:r>
-          </a:p>
-        </p:txBody>
-      </p:sp>
-    </p:spTree>
-    <p:extLst>
-      <p:ext uri="{BB962C8B-B14F-4D97-AF65-F5344CB8AC3E}">
-        <p14:creationId xmlns:p14="http://schemas.microsoft.com/office/powerpoint/2010/main" val="1887009037"/>
-      </p:ext>
-    </p:extLst>
-  </p:cSld>
-  <p:clrMapOvr>
-    <a:masterClrMapping/>
-  </p:clrMapOvr>
-</p:sld>
-</file>
-
-<file path=ppt/slides/slide2.xml><?xml version="1.0" encoding="utf-8"?>
-<p:sld xmlns:a="http://schemas.openxmlformats.org/drawingml/2006/main" xmlns:r="http://schemas.openxmlformats.org/officeDocument/2006/relationships" xmlns:p="http://schemas.openxmlformats.org/presentationml/2006/main">
-  <p:cSld>
-    <p:spTree>
-      <p:nvGrpSpPr>
-        <p:cNvPr id="1" name=""/>
-        <p:cNvGrpSpPr/>
-        <p:nvPr/>
-      </p:nvGrpSpPr>
-      <p:grpSpPr>
-        <a:xfrm>
-          <a:off x="0" y="0"/>
-          <a:ext cx="0" cy="0"/>
-          <a:chOff x="0" y="0"/>
-          <a:chExt cx="0" cy="0"/>
-        </a:xfrm>
-      </p:grpSpPr>
-      <p:sp>
-        <p:nvSpPr>
-          <p:cNvPr id="2" name="Title 1"/>
-          <p:cNvSpPr>
-            <a:spLocks noGrp="1"/>
-          </p:cNvSpPr>
-          <p:nvPr>
-            <p:ph type="title"/>
-          </p:nvPr>
-        </p:nvSpPr>
-        <p:spPr/>
-        <p:txBody>
-          <a:bodyPr/>
-          <a:lstStyle/>
-          <a:p>
-            <a:r>
-              <a:rPr lang="en-US" dirty="0"/>
-              <a:t>Main Purpose</a:t>
-            </a:r>
-          </a:p>
-        </p:txBody>
-      </p:sp>
-      <p:sp>
-        <p:nvSpPr>
-          <p:cNvPr id="3" name="Content Placeholder 2"/>
-          <p:cNvSpPr>
-            <a:spLocks noGrp="1"/>
-          </p:cNvSpPr>
-          <p:nvPr>
-            <p:ph idx="1"/>
-          </p:nvPr>
-        </p:nvSpPr>
-        <p:spPr/>
-        <p:txBody>
-          <a:bodyPr/>
-          <a:lstStyle/>
-          <a:p>
-            <a:r>
-              <a:rPr lang="en-US" dirty="0"/>
-              <a:t>Use Vrok.it and Forge API</a:t>
-            </a:r>
-          </a:p>
-          <a:p>
-            <a:r>
-              <a:rPr lang="en-US" dirty="0"/>
-              <a:t>Increase usability and add slightly more functionality</a:t>
-            </a:r>
-          </a:p>
-          <a:p>
-            <a:r>
-              <a:rPr lang="en-US" dirty="0"/>
-              <a:t>Upload CAD files</a:t>
-            </a:r>
-          </a:p>
-          <a:p>
-            <a:r>
-              <a:rPr lang="en-US" dirty="0"/>
-              <a:t>File conversion</a:t>
-            </a:r>
-          </a:p>
-          <a:p>
-            <a:r>
-              <a:rPr lang="en-US" dirty="0"/>
-              <a:t>Model viewing</a:t>
-            </a:r>
-          </a:p>
-          <a:p>
-            <a:r>
-              <a:rPr lang="en-US" dirty="0"/>
-              <a:t>VR with Google Cardboard</a:t>
-            </a:r>
-          </a:p>
-        </p:txBody>
-      </p:sp>
-    </p:spTree>
-    <p:extLst>
-      <p:ext uri="{BB962C8B-B14F-4D97-AF65-F5344CB8AC3E}">
-        <p14:creationId xmlns:p14="http://schemas.microsoft.com/office/powerpoint/2010/main" val="1265223157"/>
-      </p:ext>
-    </p:extLst>
-  </p:cSld>
-  <p:clrMapOvr>
-    <a:masterClrMapping/>
-  </p:clrMapOvr>
-</p:sld>
-</file>
-
-<file path=ppt/slides/slide20.xml><?xml version="1.0" encoding="utf-8"?>
-<p:sld xmlns:a="http://schemas.openxmlformats.org/drawingml/2006/main" xmlns:r="http://schemas.openxmlformats.org/officeDocument/2006/relationships" xmlns:p="http://schemas.openxmlformats.org/presentationml/2006/main">
-  <p:cSld>
-    <p:spTree>
-      <p:nvGrpSpPr>
-        <p:cNvPr id="1" name=""/>
-        <p:cNvGrpSpPr/>
-        <p:nvPr/>
-      </p:nvGrpSpPr>
-      <p:grpSpPr>
-        <a:xfrm>
-          <a:off x="0" y="0"/>
-          <a:ext cx="0" cy="0"/>
-          <a:chOff x="0" y="0"/>
-          <a:chExt cx="0" cy="0"/>
-        </a:xfrm>
-      </p:grpSpPr>
-      <p:sp>
-        <p:nvSpPr>
-          <p:cNvPr id="2" name="Title 1"/>
-          <p:cNvSpPr>
-            <a:spLocks noGrp="1"/>
-          </p:cNvSpPr>
-          <p:nvPr>
-            <p:ph type="title"/>
-          </p:nvPr>
-        </p:nvSpPr>
-        <p:spPr/>
-        <p:txBody>
-          <a:bodyPr/>
-          <a:lstStyle/>
-          <a:p>
-            <a:r>
-              <a:rPr lang="en-US" dirty="0"/>
-              <a:t>Local File Upload Design</a:t>
-            </a:r>
-          </a:p>
-        </p:txBody>
-      </p:sp>
-      <p:sp>
-        <p:nvSpPr>
-          <p:cNvPr id="3" name="Content Placeholder 2"/>
-          <p:cNvSpPr>
-            <a:spLocks noGrp="1"/>
-          </p:cNvSpPr>
-          <p:nvPr>
-            <p:ph idx="1"/>
-          </p:nvPr>
-        </p:nvSpPr>
-        <p:spPr/>
-        <p:txBody>
-          <a:bodyPr/>
-          <a:lstStyle/>
-          <a:p>
-            <a:r>
-              <a:rPr lang="en-US" dirty="0"/>
-              <a:t>Select files on local machine</a:t>
-            </a:r>
-          </a:p>
-          <a:p>
-            <a:pPr lvl="1"/>
-            <a:r>
-              <a:rPr lang="en-US" dirty="0"/>
-              <a:t>Site verifies file type</a:t>
-            </a:r>
-          </a:p>
-          <a:p>
-            <a:pPr lvl="1"/>
-            <a:r>
-              <a:rPr lang="en-US" dirty="0"/>
-              <a:t>Returns success/failure</a:t>
-            </a:r>
-          </a:p>
-          <a:p>
-            <a:pPr lvl="1"/>
-            <a:r>
-              <a:rPr lang="en-US" dirty="0"/>
-              <a:t>Conversion to SVF type</a:t>
-            </a:r>
-          </a:p>
-          <a:p>
-            <a:pPr lvl="1"/>
-            <a:endParaRPr lang="en-US" dirty="0"/>
-          </a:p>
-          <a:p>
-            <a:r>
-              <a:rPr lang="en-US" dirty="0"/>
-              <a:t>Components</a:t>
-            </a:r>
-          </a:p>
-          <a:p>
-            <a:pPr lvl="1"/>
-            <a:r>
-              <a:rPr lang="en-US" dirty="0"/>
-              <a:t>Local Upload button</a:t>
-            </a:r>
-          </a:p>
-          <a:p>
-            <a:pPr lvl="1"/>
-            <a:r>
-              <a:rPr lang="en-US" dirty="0"/>
-              <a:t>File selection</a:t>
-            </a:r>
-          </a:p>
-          <a:p>
-            <a:pPr lvl="1"/>
-            <a:r>
-              <a:rPr lang="en-US" dirty="0"/>
-              <a:t>File type verification</a:t>
-            </a:r>
-          </a:p>
-          <a:p>
-            <a:pPr lvl="1"/>
-            <a:r>
-              <a:rPr lang="en-US" dirty="0"/>
-              <a:t>File size verification</a:t>
-            </a:r>
-          </a:p>
-          <a:p>
-            <a:pPr lvl="1"/>
-            <a:r>
-              <a:rPr lang="en-US" dirty="0"/>
-              <a:t>File conversion</a:t>
-            </a:r>
-          </a:p>
-        </p:txBody>
-      </p:sp>
-    </p:spTree>
-    <p:extLst>
-      <p:ext uri="{BB962C8B-B14F-4D97-AF65-F5344CB8AC3E}">
-        <p14:creationId xmlns:p14="http://schemas.microsoft.com/office/powerpoint/2010/main" val="3288010801"/>
-      </p:ext>
-    </p:extLst>
-  </p:cSld>
-  <p:clrMapOvr>
-    <a:masterClrMapping/>
-  </p:clrMapOvr>
-</p:sld>
-</file>
-
-<file path=ppt/slides/slide21.xml><?xml version="1.0" encoding="utf-8"?>
-<p:sld xmlns:a="http://schemas.openxmlformats.org/drawingml/2006/main" xmlns:r="http://schemas.openxmlformats.org/officeDocument/2006/relationships" xmlns:p="http://schemas.openxmlformats.org/presentationml/2006/main">
-  <p:cSld>
-    <p:spTree>
-      <p:nvGrpSpPr>
-        <p:cNvPr id="1" name=""/>
-        <p:cNvGrpSpPr/>
-        <p:nvPr/>
-      </p:nvGrpSpPr>
-      <p:grpSpPr>
-        <a:xfrm>
-          <a:off x="0" y="0"/>
-          <a:ext cx="0" cy="0"/>
-          <a:chOff x="0" y="0"/>
-          <a:chExt cx="0" cy="0"/>
-        </a:xfrm>
-      </p:grpSpPr>
-      <p:sp>
-        <p:nvSpPr>
-          <p:cNvPr id="2" name="Title 1"/>
-          <p:cNvSpPr>
-            <a:spLocks noGrp="1"/>
-          </p:cNvSpPr>
-          <p:nvPr>
-            <p:ph type="title"/>
-          </p:nvPr>
-        </p:nvSpPr>
-        <p:spPr/>
-        <p:txBody>
-          <a:bodyPr/>
-          <a:lstStyle/>
-          <a:p>
-            <a:r>
-              <a:rPr lang="en-US" dirty="0"/>
-              <a:t>Non Local File Upload Design</a:t>
-            </a:r>
-          </a:p>
-        </p:txBody>
-      </p:sp>
-      <p:sp>
-        <p:nvSpPr>
-          <p:cNvPr id="3" name="Content Placeholder 2"/>
-          <p:cNvSpPr>
-            <a:spLocks noGrp="1"/>
-          </p:cNvSpPr>
-          <p:nvPr>
-            <p:ph idx="1"/>
-          </p:nvPr>
-        </p:nvSpPr>
-        <p:spPr/>
-        <p:txBody>
-          <a:bodyPr/>
-          <a:lstStyle/>
-          <a:p>
-            <a:r>
-              <a:rPr lang="en-US" dirty="0"/>
-              <a:t>Login to Autodesk account</a:t>
-            </a:r>
-          </a:p>
-          <a:p>
-            <a:r>
-              <a:rPr lang="en-US" dirty="0"/>
-              <a:t>Give site permissions</a:t>
-            </a:r>
-          </a:p>
-          <a:p>
-            <a:r>
-              <a:rPr lang="en-US" dirty="0"/>
-              <a:t>Directed to A360 for file selection</a:t>
-            </a:r>
-          </a:p>
-          <a:p>
-            <a:r>
-              <a:rPr lang="en-US" dirty="0"/>
-              <a:t>Component</a:t>
-            </a:r>
-          </a:p>
-          <a:p>
-            <a:pPr lvl="1"/>
-            <a:r>
-              <a:rPr lang="en-US" dirty="0"/>
-              <a:t>File type verification</a:t>
-            </a:r>
-          </a:p>
-          <a:p>
-            <a:pPr lvl="1"/>
-            <a:r>
-              <a:rPr lang="en-US" dirty="0"/>
-              <a:t>File size verification</a:t>
-            </a:r>
-          </a:p>
-          <a:p>
-            <a:pPr lvl="1"/>
-            <a:r>
-              <a:rPr lang="en-US" dirty="0"/>
-              <a:t>File conversion</a:t>
-            </a:r>
-          </a:p>
-        </p:txBody>
-      </p:sp>
-    </p:spTree>
-    <p:extLst>
-      <p:ext uri="{BB962C8B-B14F-4D97-AF65-F5344CB8AC3E}">
-        <p14:creationId xmlns:p14="http://schemas.microsoft.com/office/powerpoint/2010/main" val="1188692582"/>
-      </p:ext>
-    </p:extLst>
-  </p:cSld>
-  <p:clrMapOvr>
-    <a:masterClrMapping/>
-  </p:clrMapOvr>
-</p:sld>
-</file>
-
-<file path=ppt/slides/slide22.xml><?xml version="1.0" encoding="utf-8"?>
-<p:sld xmlns:a="http://schemas.openxmlformats.org/drawingml/2006/main" xmlns:r="http://schemas.openxmlformats.org/officeDocument/2006/relationships" xmlns:p="http://schemas.openxmlformats.org/presentationml/2006/main">
-  <p:cSld>
-    <p:spTree>
-      <p:nvGrpSpPr>
-        <p:cNvPr id="1" name=""/>
-        <p:cNvGrpSpPr/>
-        <p:nvPr/>
-      </p:nvGrpSpPr>
-      <p:grpSpPr>
-        <a:xfrm>
-          <a:off x="0" y="0"/>
-          <a:ext cx="0" cy="0"/>
-          <a:chOff x="0" y="0"/>
-          <a:chExt cx="0" cy="0"/>
-        </a:xfrm>
-      </p:grpSpPr>
-      <p:sp>
-        <p:nvSpPr>
-          <p:cNvPr id="2" name="Title 1"/>
-          <p:cNvSpPr>
-            <a:spLocks noGrp="1"/>
-          </p:cNvSpPr>
-          <p:nvPr>
-            <p:ph type="title"/>
-          </p:nvPr>
-        </p:nvSpPr>
-        <p:spPr/>
-        <p:txBody>
-          <a:bodyPr/>
-          <a:lstStyle/>
-          <a:p>
-            <a:r>
-              <a:rPr lang="en-US" dirty="0"/>
-              <a:t>Model Derivative Design (File Conversion)</a:t>
-            </a:r>
-          </a:p>
-        </p:txBody>
-      </p:sp>
-      <p:sp>
-        <p:nvSpPr>
-          <p:cNvPr id="3" name="Content Placeholder 2"/>
-          <p:cNvSpPr>
-            <a:spLocks noGrp="1"/>
-          </p:cNvSpPr>
-          <p:nvPr>
-            <p:ph idx="1"/>
-          </p:nvPr>
-        </p:nvSpPr>
-        <p:spPr/>
-        <p:txBody>
-          <a:bodyPr/>
-          <a:lstStyle/>
-          <a:p>
-            <a:r>
-              <a:rPr lang="en-US" dirty="0"/>
-              <a:t>Uploaded files (local or not) sent </a:t>
-            </a:r>
-          </a:p>
-          <a:p>
-            <a:r>
-              <a:rPr lang="en-US" dirty="0"/>
-              <a:t>API accepts CAD files</a:t>
-            </a:r>
-          </a:p>
-          <a:p>
-            <a:r>
-              <a:rPr lang="en-US" dirty="0"/>
-              <a:t>Failure is notified to user</a:t>
-            </a:r>
-          </a:p>
-          <a:p>
-            <a:r>
-              <a:rPr lang="en-US" dirty="0"/>
-              <a:t>Success results in converted SVF file</a:t>
-            </a:r>
-          </a:p>
-          <a:p>
-            <a:endParaRPr lang="en-US" dirty="0"/>
-          </a:p>
-        </p:txBody>
-      </p:sp>
-    </p:spTree>
-    <p:extLst>
-      <p:ext uri="{BB962C8B-B14F-4D97-AF65-F5344CB8AC3E}">
-        <p14:creationId xmlns:p14="http://schemas.microsoft.com/office/powerpoint/2010/main" val="539222828"/>
-      </p:ext>
-    </p:extLst>
-  </p:cSld>
-  <p:clrMapOvr>
-    <a:masterClrMapping/>
-  </p:clrMapOvr>
-</p:sld>
-</file>
-
-<file path=ppt/slides/slide23.xml><?xml version="1.0" encoding="utf-8"?>
-<p:sld xmlns:a="http://schemas.openxmlformats.org/drawingml/2006/main" xmlns:r="http://schemas.openxmlformats.org/officeDocument/2006/relationships" xmlns:p="http://schemas.openxmlformats.org/presentationml/2006/main">
-  <p:cSld>
-    <p:spTree>
-      <p:nvGrpSpPr>
-        <p:cNvPr id="1" name=""/>
-        <p:cNvGrpSpPr/>
-        <p:nvPr/>
-      </p:nvGrpSpPr>
-      <p:grpSpPr>
-        <a:xfrm>
-          <a:off x="0" y="0"/>
-          <a:ext cx="0" cy="0"/>
-          <a:chOff x="0" y="0"/>
-          <a:chExt cx="0" cy="0"/>
-        </a:xfrm>
-      </p:grpSpPr>
-      <p:sp>
-        <p:nvSpPr>
-          <p:cNvPr id="2" name="Title 1"/>
-          <p:cNvSpPr>
-            <a:spLocks noGrp="1"/>
-          </p:cNvSpPr>
-          <p:nvPr>
-            <p:ph type="title"/>
-          </p:nvPr>
-        </p:nvSpPr>
-        <p:spPr/>
-        <p:txBody>
-          <a:bodyPr/>
-          <a:lstStyle/>
-          <a:p>
-            <a:r>
-              <a:rPr lang="en-US" dirty="0"/>
-              <a:t>Smartphone Connection Design</a:t>
-            </a:r>
-          </a:p>
-        </p:txBody>
-      </p:sp>
-      <p:sp>
-        <p:nvSpPr>
-          <p:cNvPr id="3" name="Content Placeholder 2"/>
-          <p:cNvSpPr>
-            <a:spLocks noGrp="1"/>
-          </p:cNvSpPr>
-          <p:nvPr>
-            <p:ph idx="1"/>
-          </p:nvPr>
-        </p:nvSpPr>
-        <p:spPr/>
-        <p:txBody>
-          <a:bodyPr/>
-          <a:lstStyle/>
-          <a:p>
-            <a:r>
-              <a:rPr lang="en-US" dirty="0"/>
-              <a:t>Assumptions</a:t>
-            </a:r>
-          </a:p>
-          <a:p>
-            <a:pPr lvl="1"/>
-            <a:r>
-              <a:rPr lang="en-US" dirty="0"/>
-              <a:t>User has “smartphone”</a:t>
-            </a:r>
-          </a:p>
-          <a:p>
-            <a:pPr lvl="1"/>
-            <a:r>
-              <a:rPr lang="en-US" dirty="0"/>
-              <a:t>User has internet access</a:t>
-            </a:r>
-          </a:p>
-          <a:p>
-            <a:pPr lvl="1"/>
-            <a:r>
-              <a:rPr lang="en-US" dirty="0"/>
-              <a:t>User has QR scanner</a:t>
-            </a:r>
-          </a:p>
-          <a:p>
-            <a:r>
-              <a:rPr lang="en-US" dirty="0"/>
-              <a:t>Mobile device can access site with QR scanner</a:t>
-            </a:r>
-          </a:p>
-          <a:p>
-            <a:r>
-              <a:rPr lang="en-US" dirty="0"/>
-              <a:t>Components</a:t>
-            </a:r>
-          </a:p>
-          <a:p>
-            <a:pPr lvl="1"/>
-            <a:r>
-              <a:rPr lang="en-US" dirty="0"/>
-              <a:t>QR code</a:t>
-            </a:r>
-          </a:p>
-          <a:p>
-            <a:pPr lvl="1"/>
-            <a:r>
-              <a:rPr lang="en-US" dirty="0"/>
-              <a:t>Device view</a:t>
-            </a:r>
-          </a:p>
-          <a:p>
-            <a:endParaRPr lang="en-US" dirty="0"/>
-          </a:p>
-        </p:txBody>
-      </p:sp>
-    </p:spTree>
-    <p:extLst>
-      <p:ext uri="{BB962C8B-B14F-4D97-AF65-F5344CB8AC3E}">
-        <p14:creationId xmlns:p14="http://schemas.microsoft.com/office/powerpoint/2010/main" val="3684780182"/>
-      </p:ext>
-    </p:extLst>
-  </p:cSld>
-  <p:clrMapOvr>
-    <a:masterClrMapping/>
-  </p:clrMapOvr>
-</p:sld>
-</file>
-
-<file path=ppt/slides/slide24.xml><?xml version="1.0" encoding="utf-8"?>
-<p:sld xmlns:a="http://schemas.openxmlformats.org/drawingml/2006/main" xmlns:r="http://schemas.openxmlformats.org/officeDocument/2006/relationships" xmlns:p="http://schemas.openxmlformats.org/presentationml/2006/main">
-  <p:cSld>
-    <p:spTree>
-      <p:nvGrpSpPr>
-        <p:cNvPr id="1" name=""/>
-        <p:cNvGrpSpPr/>
-        <p:nvPr/>
-      </p:nvGrpSpPr>
-      <p:grpSpPr>
-        <a:xfrm>
-          <a:off x="0" y="0"/>
-          <a:ext cx="0" cy="0"/>
-          <a:chOff x="0" y="0"/>
-          <a:chExt cx="0" cy="0"/>
-        </a:xfrm>
-      </p:grpSpPr>
-      <p:sp>
-        <p:nvSpPr>
-          <p:cNvPr id="2" name="Title 1"/>
-          <p:cNvSpPr>
-            <a:spLocks noGrp="1"/>
-          </p:cNvSpPr>
-          <p:nvPr>
-            <p:ph type="title"/>
-          </p:nvPr>
-        </p:nvSpPr>
-        <p:spPr/>
-        <p:txBody>
-          <a:bodyPr/>
-          <a:lstStyle/>
-          <a:p>
-            <a:r>
-              <a:rPr lang="en-US" dirty="0"/>
-              <a:t>Heroku</a:t>
-            </a:r>
-          </a:p>
-        </p:txBody>
-      </p:sp>
-      <p:sp>
-        <p:nvSpPr>
-          <p:cNvPr id="3" name="Content Placeholder 2"/>
-          <p:cNvSpPr>
-            <a:spLocks noGrp="1"/>
-          </p:cNvSpPr>
-          <p:nvPr>
-            <p:ph idx="1"/>
-          </p:nvPr>
-        </p:nvSpPr>
-        <p:spPr/>
-        <p:txBody>
-          <a:bodyPr/>
-          <a:lstStyle/>
-          <a:p>
-            <a:r>
-              <a:rPr lang="en-US" dirty="0"/>
-              <a:t>Moved project to Heroku</a:t>
-            </a:r>
-          </a:p>
-          <a:p>
-            <a:pPr lvl="1"/>
-            <a:r>
-              <a:rPr lang="en-US" dirty="0"/>
-              <a:t>Takes care of the most back end things</a:t>
-            </a:r>
-          </a:p>
-          <a:p>
-            <a:pPr lvl="1"/>
-            <a:r>
-              <a:rPr lang="en-US" dirty="0"/>
-              <a:t>Easy to setup</a:t>
-            </a:r>
-          </a:p>
-          <a:p>
-            <a:pPr lvl="1"/>
-            <a:r>
-              <a:rPr lang="en-US" dirty="0"/>
-              <a:t>Vrok.it also utilized</a:t>
-            </a:r>
-          </a:p>
-          <a:p>
-            <a:pPr lvl="1"/>
-            <a:r>
-              <a:rPr lang="en-US" dirty="0"/>
-              <a:t>Free!</a:t>
-            </a:r>
-          </a:p>
-        </p:txBody>
-      </p:sp>
-    </p:spTree>
-    <p:extLst>
-      <p:ext uri="{BB962C8B-B14F-4D97-AF65-F5344CB8AC3E}">
-        <p14:creationId xmlns:p14="http://schemas.microsoft.com/office/powerpoint/2010/main" val="3373248086"/>
-      </p:ext>
-    </p:extLst>
-  </p:cSld>
-  <p:clrMapOvr>
-    <a:masterClrMapping/>
-  </p:clrMapOvr>
-</p:sld>
-</file>
-
-<file path=ppt/slides/slide25.xml><?xml version="1.0" encoding="utf-8"?>
-<p:sld xmlns:a="http://schemas.openxmlformats.org/drawingml/2006/main" xmlns:r="http://schemas.openxmlformats.org/officeDocument/2006/relationships" xmlns:p="http://schemas.openxmlformats.org/presentationml/2006/main">
-  <p:cSld>
-    <p:spTree>
-      <p:nvGrpSpPr>
-        <p:cNvPr id="1" name=""/>
-        <p:cNvGrpSpPr/>
-        <p:nvPr/>
-      </p:nvGrpSpPr>
-      <p:grpSpPr>
-        <a:xfrm>
-          <a:off x="0" y="0"/>
-          <a:ext cx="0" cy="0"/>
-          <a:chOff x="0" y="0"/>
-          <a:chExt cx="0" cy="0"/>
-        </a:xfrm>
-      </p:grpSpPr>
-      <p:sp>
-        <p:nvSpPr>
-          <p:cNvPr id="2" name="Title 1"/>
-          <p:cNvSpPr>
-            <a:spLocks noGrp="1"/>
-          </p:cNvSpPr>
-          <p:nvPr>
-            <p:ph type="title"/>
-          </p:nvPr>
-        </p:nvSpPr>
-        <p:spPr/>
-        <p:txBody>
-          <a:bodyPr/>
-          <a:lstStyle/>
-          <a:p>
-            <a:r>
-              <a:rPr lang="en-US" dirty="0"/>
-              <a:t>Getting The Website Set Up</a:t>
-            </a:r>
-          </a:p>
-        </p:txBody>
-      </p:sp>
-      <p:sp>
-        <p:nvSpPr>
-          <p:cNvPr id="3" name="Content Placeholder 2"/>
-          <p:cNvSpPr>
-            <a:spLocks noGrp="1"/>
-          </p:cNvSpPr>
-          <p:nvPr>
-            <p:ph idx="1"/>
-          </p:nvPr>
-        </p:nvSpPr>
-        <p:spPr/>
-        <p:txBody>
-          <a:bodyPr/>
-          <a:lstStyle/>
-          <a:p>
-            <a:r>
-              <a:rPr lang="en-US" dirty="0"/>
-              <a:t>Installed </a:t>
-            </a:r>
-            <a:r>
-              <a:rPr lang="en-US" dirty="0" err="1"/>
-              <a:t>heroku</a:t>
-            </a:r>
-            <a:r>
-              <a:rPr lang="en-US" dirty="0"/>
-              <a:t> and node.js</a:t>
-            </a:r>
-          </a:p>
-          <a:p>
-            <a:r>
-              <a:rPr lang="en-US" dirty="0"/>
-              <a:t>Edited the credentials in the </a:t>
-            </a:r>
-            <a:r>
-              <a:rPr lang="en-US" dirty="0" err="1"/>
-              <a:t>js</a:t>
-            </a:r>
-            <a:r>
-              <a:rPr lang="en-US" dirty="0"/>
-              <a:t> files</a:t>
-            </a:r>
-          </a:p>
-          <a:p>
-            <a:r>
-              <a:rPr lang="en-US" dirty="0"/>
-              <a:t>Created a bucket for files</a:t>
-            </a:r>
-          </a:p>
-          <a:p>
-            <a:r>
-              <a:rPr lang="en-US" dirty="0"/>
-              <a:t>Filled bucket with some Test files</a:t>
-            </a:r>
-          </a:p>
-          <a:p>
-            <a:endParaRPr lang="en-US" dirty="0"/>
-          </a:p>
-        </p:txBody>
-      </p:sp>
-    </p:spTree>
-    <p:extLst>
-      <p:ext uri="{BB962C8B-B14F-4D97-AF65-F5344CB8AC3E}">
-        <p14:creationId xmlns:p14="http://schemas.microsoft.com/office/powerpoint/2010/main" val="2629681458"/>
-      </p:ext>
-    </p:extLst>
-  </p:cSld>
-  <p:clrMapOvr>
-    <a:masterClrMapping/>
-  </p:clrMapOvr>
-</p:sld>
-</file>
-
-<file path=ppt/slides/slide26.xml><?xml version="1.0" encoding="utf-8"?>
-<p:sld xmlns:a="http://schemas.openxmlformats.org/drawingml/2006/main" xmlns:r="http://schemas.openxmlformats.org/officeDocument/2006/relationships" xmlns:p="http://schemas.openxmlformats.org/presentationml/2006/main">
-  <p:cSld>
-    <p:spTree>
-      <p:nvGrpSpPr>
-        <p:cNvPr id="1" name=""/>
-        <p:cNvGrpSpPr/>
-        <p:nvPr/>
-      </p:nvGrpSpPr>
-      <p:grpSpPr>
-        <a:xfrm>
-          <a:off x="0" y="0"/>
-          <a:ext cx="0" cy="0"/>
-          <a:chOff x="0" y="0"/>
-          <a:chExt cx="0" cy="0"/>
-        </a:xfrm>
-      </p:grpSpPr>
-      <p:sp>
-        <p:nvSpPr>
-          <p:cNvPr id="2" name="Title 1"/>
-          <p:cNvSpPr>
-            <a:spLocks noGrp="1"/>
-          </p:cNvSpPr>
-          <p:nvPr>
-            <p:ph type="title"/>
-          </p:nvPr>
-        </p:nvSpPr>
-        <p:spPr/>
-        <p:txBody>
-          <a:bodyPr/>
-          <a:lstStyle/>
-          <a:p>
-            <a:r>
-              <a:rPr lang="en-US" dirty="0"/>
-              <a:t>Local File Upload</a:t>
-            </a:r>
-          </a:p>
-        </p:txBody>
-      </p:sp>
-      <p:sp>
-        <p:nvSpPr>
-          <p:cNvPr id="3" name="Content Placeholder 2"/>
-          <p:cNvSpPr>
-            <a:spLocks noGrp="1"/>
-          </p:cNvSpPr>
-          <p:nvPr>
-            <p:ph idx="1"/>
-          </p:nvPr>
-        </p:nvSpPr>
-        <p:spPr/>
-        <p:txBody>
-          <a:bodyPr/>
-          <a:lstStyle/>
-          <a:p>
-            <a:r>
-              <a:rPr lang="en-US" dirty="0"/>
-              <a:t>Model derivative accepts roughly 60 different types of files.</a:t>
-            </a:r>
-          </a:p>
-          <a:p>
-            <a:r>
-              <a:rPr lang="en-US" dirty="0"/>
-              <a:t>Files Uploaded will be placed in the list of viewable models.</a:t>
-            </a:r>
-          </a:p>
-          <a:p>
-            <a:r>
-              <a:rPr lang="en-US" dirty="0"/>
-              <a:t>Once successfully uploaded the files will be loaded into the viewer.</a:t>
-            </a:r>
-          </a:p>
-          <a:p>
-            <a:pPr marL="0" indent="0">
-              <a:buNone/>
-            </a:pPr>
-            <a:r>
-              <a:rPr lang="en-US" dirty="0"/>
-              <a:t> Files uploaded will be placed in the </a:t>
-            </a:r>
-          </a:p>
-          <a:p>
-            <a:r>
-              <a:rPr lang="en-US" dirty="0"/>
-              <a:t>bucket temporally.</a:t>
-            </a:r>
-          </a:p>
-        </p:txBody>
-      </p:sp>
-      <p:pic>
-        <p:nvPicPr>
-          <p:cNvPr id="4" name="Picture 3"/>
-          <p:cNvPicPr>
-            <a:picLocks noChangeAspect="1"/>
-          </p:cNvPicPr>
-          <p:nvPr/>
-        </p:nvPicPr>
-        <p:blipFill>
-          <a:blip r:embed="rId2">
-            <a:extLst>
-              <a:ext uri="{28A0092B-C50C-407E-A947-70E740481C1C}">
-                <a14:useLocalDpi xmlns:a14="http://schemas.microsoft.com/office/drawing/2010/main" val="0"/>
-              </a:ext>
-            </a:extLst>
-          </a:blip>
-          <a:stretch>
-            <a:fillRect/>
-          </a:stretch>
-        </p:blipFill>
-        <p:spPr>
-          <a:xfrm>
-            <a:off x="5557777" y="3245962"/>
-            <a:ext cx="6634223" cy="2855791"/>
-          </a:xfrm>
-          <a:prstGeom prst="rect">
-            <a:avLst/>
-          </a:prstGeom>
-        </p:spPr>
-      </p:pic>
-    </p:spTree>
-    <p:extLst>
-      <p:ext uri="{BB962C8B-B14F-4D97-AF65-F5344CB8AC3E}">
-        <p14:creationId xmlns:p14="http://schemas.microsoft.com/office/powerpoint/2010/main" val="940399772"/>
-      </p:ext>
-    </p:extLst>
-  </p:cSld>
-  <p:clrMapOvr>
-    <a:masterClrMapping/>
-  </p:clrMapOvr>
-</p:sld>
-</file>
-
-<file path=ppt/slides/slide27.xml><?xml version="1.0" encoding="utf-8"?>
-<p:sld xmlns:a="http://schemas.openxmlformats.org/drawingml/2006/main" xmlns:r="http://schemas.openxmlformats.org/officeDocument/2006/relationships" xmlns:p="http://schemas.openxmlformats.org/presentationml/2006/main">
-  <p:cSld>
-    <p:spTree>
-      <p:nvGrpSpPr>
-        <p:cNvPr id="1" name=""/>
-        <p:cNvGrpSpPr/>
-        <p:nvPr/>
-      </p:nvGrpSpPr>
-      <p:grpSpPr>
-        <a:xfrm>
-          <a:off x="0" y="0"/>
-          <a:ext cx="0" cy="0"/>
-          <a:chOff x="0" y="0"/>
-          <a:chExt cx="0" cy="0"/>
-        </a:xfrm>
-      </p:grpSpPr>
-      <p:sp>
-        <p:nvSpPr>
-          <p:cNvPr id="2" name="Title 1"/>
-          <p:cNvSpPr>
-            <a:spLocks noGrp="1"/>
-          </p:cNvSpPr>
-          <p:nvPr>
-            <p:ph type="title"/>
-          </p:nvPr>
-        </p:nvSpPr>
-        <p:spPr/>
-        <p:txBody>
-          <a:bodyPr/>
-          <a:lstStyle/>
-          <a:p>
-            <a:r>
-              <a:rPr lang="en-US" dirty="0"/>
-              <a:t>Local File Restriction</a:t>
-            </a:r>
-          </a:p>
-        </p:txBody>
-      </p:sp>
-      <p:sp>
-        <p:nvSpPr>
-          <p:cNvPr id="3" name="Content Placeholder 2"/>
-          <p:cNvSpPr>
-            <a:spLocks noGrp="1"/>
-          </p:cNvSpPr>
-          <p:nvPr>
-            <p:ph idx="1"/>
-          </p:nvPr>
-        </p:nvSpPr>
-        <p:spPr/>
-        <p:txBody>
-          <a:bodyPr/>
-          <a:lstStyle/>
-          <a:p>
-            <a:r>
-              <a:rPr lang="en-US" dirty="0"/>
-              <a:t>Used the html accept attribute to restrict the file types</a:t>
-            </a:r>
-          </a:p>
-          <a:p>
-            <a:r>
-              <a:rPr lang="en-US" dirty="0"/>
-              <a:t>Only files of the types listed will show up in the file explorer </a:t>
-            </a:r>
-          </a:p>
-        </p:txBody>
-      </p:sp>
-      <p:pic>
-        <p:nvPicPr>
-          <p:cNvPr id="5" name="Picture 4"/>
-          <p:cNvPicPr>
-            <a:picLocks noChangeAspect="1"/>
-          </p:cNvPicPr>
-          <p:nvPr/>
-        </p:nvPicPr>
-        <p:blipFill>
-          <a:blip r:embed="rId2">
-            <a:extLst>
-              <a:ext uri="{28A0092B-C50C-407E-A947-70E740481C1C}">
-                <a14:useLocalDpi xmlns:a14="http://schemas.microsoft.com/office/drawing/2010/main" val="0"/>
-              </a:ext>
-            </a:extLst>
-          </a:blip>
-          <a:stretch>
-            <a:fillRect/>
-          </a:stretch>
-        </p:blipFill>
-        <p:spPr>
-          <a:xfrm>
-            <a:off x="1097280" y="3130517"/>
-            <a:ext cx="8327641" cy="3195198"/>
-          </a:xfrm>
-          <a:prstGeom prst="rect">
-            <a:avLst/>
-          </a:prstGeom>
-        </p:spPr>
-      </p:pic>
-    </p:spTree>
-    <p:extLst>
-      <p:ext uri="{BB962C8B-B14F-4D97-AF65-F5344CB8AC3E}">
-        <p14:creationId xmlns:p14="http://schemas.microsoft.com/office/powerpoint/2010/main" val="465952325"/>
-      </p:ext>
-    </p:extLst>
-  </p:cSld>
-  <p:clrMapOvr>
-    <a:masterClrMapping/>
-  </p:clrMapOvr>
-</p:sld>
-</file>
-
-<file path=ppt/slides/slide28.xml><?xml version="1.0" encoding="utf-8"?>
-<p:sld xmlns:a="http://schemas.openxmlformats.org/drawingml/2006/main" xmlns:r="http://schemas.openxmlformats.org/officeDocument/2006/relationships" xmlns:p="http://schemas.openxmlformats.org/presentationml/2006/main">
-  <p:cSld>
-    <p:spTree>
-      <p:nvGrpSpPr>
-        <p:cNvPr id="1" name=""/>
-        <p:cNvGrpSpPr/>
-        <p:nvPr/>
-      </p:nvGrpSpPr>
-      <p:grpSpPr>
-        <a:xfrm>
-          <a:off x="0" y="0"/>
-          <a:ext cx="0" cy="0"/>
-          <a:chOff x="0" y="0"/>
-          <a:chExt cx="0" cy="0"/>
-        </a:xfrm>
-      </p:grpSpPr>
-      <p:sp>
-        <p:nvSpPr>
-          <p:cNvPr id="2" name="Title 1"/>
-          <p:cNvSpPr>
-            <a:spLocks noGrp="1"/>
-          </p:cNvSpPr>
-          <p:nvPr>
-            <p:ph type="title"/>
-          </p:nvPr>
-        </p:nvSpPr>
-        <p:spPr/>
-        <p:txBody>
-          <a:bodyPr/>
-          <a:lstStyle/>
-          <a:p>
-            <a:r>
-              <a:rPr lang="en-US" dirty="0"/>
-              <a:t>Node.js</a:t>
-            </a:r>
-          </a:p>
-        </p:txBody>
-      </p:sp>
-      <p:sp>
-        <p:nvSpPr>
-          <p:cNvPr id="3" name="Content Placeholder 2"/>
-          <p:cNvSpPr>
-            <a:spLocks noGrp="1"/>
-          </p:cNvSpPr>
-          <p:nvPr>
-            <p:ph idx="1"/>
-          </p:nvPr>
-        </p:nvSpPr>
-        <p:spPr/>
-        <p:txBody>
-          <a:bodyPr/>
-          <a:lstStyle/>
-          <a:p>
-            <a:r>
-              <a:rPr lang="en-US" dirty="0"/>
-              <a:t>Asynchronous</a:t>
-            </a:r>
-          </a:p>
-          <a:p>
-            <a:r>
-              <a:rPr lang="en-US" dirty="0"/>
-              <a:t>Server side</a:t>
-            </a:r>
-          </a:p>
-          <a:p>
-            <a:r>
-              <a:rPr lang="en-US" dirty="0"/>
-              <a:t>Used by vrok.it and API</a:t>
-            </a:r>
-          </a:p>
-        </p:txBody>
-      </p:sp>
-    </p:spTree>
-    <p:extLst>
-      <p:ext uri="{BB962C8B-B14F-4D97-AF65-F5344CB8AC3E}">
-        <p14:creationId xmlns:p14="http://schemas.microsoft.com/office/powerpoint/2010/main" val="898502521"/>
-      </p:ext>
-    </p:extLst>
-  </p:cSld>
-  <p:clrMapOvr>
-    <a:masterClrMapping/>
-  </p:clrMapOvr>
-</p:sld>
-</file>
-
-<file path=ppt/slides/slide29.xml><?xml version="1.0" encoding="utf-8"?>
-<p:sld xmlns:a="http://schemas.openxmlformats.org/drawingml/2006/main" xmlns:r="http://schemas.openxmlformats.org/officeDocument/2006/relationships" xmlns:p="http://schemas.openxmlformats.org/presentationml/2006/main">
-  <p:cSld>
-    <p:spTree>
-      <p:nvGrpSpPr>
-        <p:cNvPr id="1" name=""/>
-        <p:cNvGrpSpPr/>
-        <p:nvPr/>
-      </p:nvGrpSpPr>
-      <p:grpSpPr>
-        <a:xfrm>
-          <a:off x="0" y="0"/>
-          <a:ext cx="0" cy="0"/>
-          <a:chOff x="0" y="0"/>
-          <a:chExt cx="0" cy="0"/>
-        </a:xfrm>
-      </p:grpSpPr>
-      <p:sp>
-        <p:nvSpPr>
-          <p:cNvPr id="2" name="Title 1"/>
-          <p:cNvSpPr>
-            <a:spLocks noGrp="1"/>
-          </p:cNvSpPr>
-          <p:nvPr>
-            <p:ph type="title"/>
-          </p:nvPr>
-        </p:nvSpPr>
-        <p:spPr/>
-        <p:txBody>
-          <a:bodyPr/>
-          <a:lstStyle/>
-          <a:p>
-            <a:r>
-              <a:rPr lang="en-US" dirty="0"/>
-              <a:t>Express.js	</a:t>
-            </a:r>
-          </a:p>
-        </p:txBody>
-      </p:sp>
-      <p:sp>
-        <p:nvSpPr>
-          <p:cNvPr id="3" name="Content Placeholder 2"/>
-          <p:cNvSpPr>
-            <a:spLocks noGrp="1"/>
-          </p:cNvSpPr>
-          <p:nvPr>
-            <p:ph idx="1"/>
-          </p:nvPr>
-        </p:nvSpPr>
-        <p:spPr/>
-        <p:txBody>
-          <a:bodyPr/>
-          <a:lstStyle/>
-          <a:p>
-            <a:r>
-              <a:rPr lang="en-US" dirty="0"/>
-              <a:t>Utilized by Vrok.it and API already</a:t>
-            </a:r>
-          </a:p>
-          <a:p>
-            <a:r>
-              <a:rPr lang="en-US" dirty="0"/>
-              <a:t>Node.js web app framework</a:t>
-            </a:r>
-          </a:p>
-          <a:p>
-            <a:r>
-              <a:rPr lang="en-US" dirty="0"/>
-              <a:t>Matches on request sent to server</a:t>
-            </a:r>
-          </a:p>
-          <a:p>
-            <a:endParaRPr lang="en-US" dirty="0"/>
-          </a:p>
-        </p:txBody>
-      </p:sp>
-      <p:pic>
-        <p:nvPicPr>
-          <p:cNvPr id="4" name="Picture 3"/>
-          <p:cNvPicPr>
-            <a:picLocks noChangeAspect="1"/>
-          </p:cNvPicPr>
-          <p:nvPr/>
-        </p:nvPicPr>
-        <p:blipFill>
-          <a:blip r:embed="rId2">
-            <a:extLst>
-              <a:ext uri="{28A0092B-C50C-407E-A947-70E740481C1C}">
-                <a14:useLocalDpi xmlns:a14="http://schemas.microsoft.com/office/drawing/2010/main" val="0"/>
-              </a:ext>
-            </a:extLst>
-          </a:blip>
-          <a:stretch>
-            <a:fillRect/>
-          </a:stretch>
-        </p:blipFill>
-        <p:spPr>
-          <a:xfrm>
-            <a:off x="5268408" y="2496773"/>
-            <a:ext cx="5887272" cy="3372321"/>
-          </a:xfrm>
-          <a:prstGeom prst="rect">
-            <a:avLst/>
-          </a:prstGeom>
-        </p:spPr>
-      </p:pic>
-    </p:spTree>
-    <p:extLst>
-      <p:ext uri="{BB962C8B-B14F-4D97-AF65-F5344CB8AC3E}">
-        <p14:creationId xmlns:p14="http://schemas.microsoft.com/office/powerpoint/2010/main" val="3351494084"/>
-      </p:ext>
-    </p:extLst>
-  </p:cSld>
-  <p:clrMapOvr>
-    <a:masterClrMapping/>
-  </p:clrMapOvr>
-</p:sld>
-</file>
-
-<file path=ppt/slides/slide3.xml><?xml version="1.0" encoding="utf-8"?>
-<p:sld xmlns:a="http://schemas.openxmlformats.org/drawingml/2006/main" xmlns:r="http://schemas.openxmlformats.org/officeDocument/2006/relationships" xmlns:p="http://schemas.openxmlformats.org/presentationml/2006/main">
-  <p:cSld>
-    <p:spTree>
-      <p:nvGrpSpPr>
-        <p:cNvPr id="1" name=""/>
-        <p:cNvGrpSpPr/>
-        <p:nvPr/>
-      </p:nvGrpSpPr>
-      <p:grpSpPr>
-        <a:xfrm>
-          <a:off x="0" y="0"/>
-          <a:ext cx="0" cy="0"/>
-          <a:chOff x="0" y="0"/>
-          <a:chExt cx="0" cy="0"/>
-        </a:xfrm>
-      </p:grpSpPr>
-      <p:pic>
-        <p:nvPicPr>
-          <p:cNvPr id="4" name="Content Placeholder 3"/>
-          <p:cNvPicPr>
-            <a:picLocks noGrp="1" noChangeAspect="1"/>
-          </p:cNvPicPr>
-          <p:nvPr>
-            <p:ph idx="1"/>
-          </p:nvPr>
-        </p:nvPicPr>
-        <p:blipFill>
-          <a:blip r:embed="rId2">
-            <a:extLst>
-              <a:ext uri="{28A0092B-C50C-407E-A947-70E740481C1C}">
-                <a14:useLocalDpi xmlns:a14="http://schemas.microsoft.com/office/drawing/2010/main" val="0"/>
-              </a:ext>
-            </a:extLst>
-          </a:blip>
-          <a:stretch>
-            <a:fillRect/>
-          </a:stretch>
-        </p:blipFill>
-        <p:spPr>
-          <a:xfrm>
-            <a:off x="0" y="300907"/>
-            <a:ext cx="12332513" cy="5816236"/>
-          </a:xfrm>
-        </p:spPr>
-      </p:pic>
-    </p:spTree>
-    <p:extLst>
-      <p:ext uri="{BB962C8B-B14F-4D97-AF65-F5344CB8AC3E}">
-        <p14:creationId xmlns:p14="http://schemas.microsoft.com/office/powerpoint/2010/main" val="2584541822"/>
-      </p:ext>
-    </p:extLst>
-  </p:cSld>
-  <p:clrMapOvr>
-    <a:masterClrMapping/>
-  </p:clrMapOvr>
-</p:sld>
-</file>
-
-<file path=ppt/slides/slide30.xml><?xml version="1.0" encoding="utf-8"?>
-<p:sld xmlns:a="http://schemas.openxmlformats.org/drawingml/2006/main" xmlns:r="http://schemas.openxmlformats.org/officeDocument/2006/relationships" xmlns:p="http://schemas.openxmlformats.org/presentationml/2006/main">
-  <p:cSld>
-    <p:spTree>
-      <p:nvGrpSpPr>
-        <p:cNvPr id="1" name=""/>
-        <p:cNvGrpSpPr/>
-        <p:nvPr/>
-      </p:nvGrpSpPr>
-      <p:grpSpPr>
-        <a:xfrm>
-          <a:off x="0" y="0"/>
-          <a:ext cx="0" cy="0"/>
-          <a:chOff x="0" y="0"/>
-          <a:chExt cx="0" cy="0"/>
-        </a:xfrm>
-      </p:grpSpPr>
-      <p:sp>
-        <p:nvSpPr>
-          <p:cNvPr id="2" name="Title 1"/>
-          <p:cNvSpPr>
-            <a:spLocks noGrp="1"/>
-          </p:cNvSpPr>
-          <p:nvPr>
-            <p:ph type="title"/>
-          </p:nvPr>
-        </p:nvSpPr>
-        <p:spPr/>
-        <p:txBody>
-          <a:bodyPr/>
-          <a:lstStyle/>
-          <a:p>
-            <a:r>
-              <a:rPr lang="en-US" dirty="0"/>
               <a:t>3-Legged Authentication</a:t>
             </a:r>
           </a:p>
@@ -6571,7 +4119,7 @@
 </p:sld>
 </file>
 
-<file path=ppt/slides/slide31.xml><?xml version="1.0" encoding="utf-8"?>
+<file path=ppt/slides/slide11.xml><?xml version="1.0" encoding="utf-8"?>
 <p:sld xmlns:a="http://schemas.openxmlformats.org/drawingml/2006/main" xmlns:r="http://schemas.openxmlformats.org/officeDocument/2006/relationships" xmlns:p="http://schemas.openxmlformats.org/presentationml/2006/main">
   <p:cSld>
     <p:spTree>
@@ -6663,7 +4211,7 @@
 </p:sld>
 </file>
 
-<file path=ppt/slides/slide32.xml><?xml version="1.0" encoding="utf-8"?>
+<file path=ppt/slides/slide12.xml><?xml version="1.0" encoding="utf-8"?>
 <p:sld xmlns:a="http://schemas.openxmlformats.org/drawingml/2006/main" xmlns:r="http://schemas.openxmlformats.org/officeDocument/2006/relationships" xmlns:p="http://schemas.openxmlformats.org/presentationml/2006/main">
   <p:cSld>
     <p:spTree>
@@ -6788,7 +4336,7 @@
 </p:sld>
 </file>
 
-<file path=ppt/slides/slide33.xml><?xml version="1.0" encoding="utf-8"?>
+<file path=ppt/slides/slide13.xml><?xml version="1.0" encoding="utf-8"?>
 <p:sld xmlns:a="http://schemas.openxmlformats.org/drawingml/2006/main" xmlns:r="http://schemas.openxmlformats.org/officeDocument/2006/relationships" xmlns:p="http://schemas.openxmlformats.org/presentationml/2006/main">
   <p:cSld>
     <p:spTree>
@@ -6859,7 +4407,7 @@
 </p:sld>
 </file>
 
-<file path=ppt/slides/slide34.xml><?xml version="1.0" encoding="utf-8"?>
+<file path=ppt/slides/slide14.xml><?xml version="1.0" encoding="utf-8"?>
 <p:sld xmlns:a="http://schemas.openxmlformats.org/drawingml/2006/main" xmlns:r="http://schemas.openxmlformats.org/officeDocument/2006/relationships" xmlns:p="http://schemas.openxmlformats.org/presentationml/2006/main">
   <p:cSld>
     <p:spTree>
@@ -6942,7 +4490,7 @@
 </p:sld>
 </file>
 
-<file path=ppt/slides/slide35.xml><?xml version="1.0" encoding="utf-8"?>
+<file path=ppt/slides/slide15.xml><?xml version="1.0" encoding="utf-8"?>
 <p:sld xmlns:a="http://schemas.openxmlformats.org/drawingml/2006/main" xmlns:r="http://schemas.openxmlformats.org/officeDocument/2006/relationships" xmlns:p="http://schemas.openxmlformats.org/presentationml/2006/main">
   <p:cSld>
     <p:spTree>
@@ -7054,7 +4602,7 @@
 </p:sld>
 </file>
 
-<file path=ppt/slides/slide36.xml><?xml version="1.0" encoding="utf-8"?>
+<file path=ppt/slides/slide16.xml><?xml version="1.0" encoding="utf-8"?>
 <p:sld xmlns:a="http://schemas.openxmlformats.org/drawingml/2006/main" xmlns:r="http://schemas.openxmlformats.org/officeDocument/2006/relationships" xmlns:p="http://schemas.openxmlformats.org/presentationml/2006/main">
   <p:cSld>
     <p:spTree>
@@ -7140,7 +4688,7 @@
 </p:sld>
 </file>
 
-<file path=ppt/slides/slide37.xml><?xml version="1.0" encoding="utf-8"?>
+<file path=ppt/slides/slide17.xml><?xml version="1.0" encoding="utf-8"?>
 <p:sld xmlns:a="http://schemas.openxmlformats.org/drawingml/2006/main" xmlns:r="http://schemas.openxmlformats.org/officeDocument/2006/relationships" xmlns:p="http://schemas.openxmlformats.org/presentationml/2006/main">
   <p:cSld>
     <p:spTree>
@@ -7241,7 +4789,7 @@
 </p:sld>
 </file>
 
-<file path=ppt/slides/slide38.xml><?xml version="1.0" encoding="utf-8"?>
+<file path=ppt/slides/slide18.xml><?xml version="1.0" encoding="utf-8"?>
 <p:sld xmlns:a="http://schemas.openxmlformats.org/drawingml/2006/main" xmlns:r="http://schemas.openxmlformats.org/officeDocument/2006/relationships" xmlns:p="http://schemas.openxmlformats.org/presentationml/2006/main">
   <p:cSld>
     <p:spTree>
@@ -7327,7 +4875,7 @@
 </p:sld>
 </file>
 
-<file path=ppt/slides/slide39.xml><?xml version="1.0" encoding="utf-8"?>
+<file path=ppt/slides/slide19.xml><?xml version="1.0" encoding="utf-8"?>
 <p:sld xmlns:a="http://schemas.openxmlformats.org/drawingml/2006/main" xmlns:r="http://schemas.openxmlformats.org/officeDocument/2006/relationships" xmlns:p="http://schemas.openxmlformats.org/presentationml/2006/main">
   <p:cSld>
     <p:spTree>
@@ -7407,7 +4955,7 @@
 </p:sld>
 </file>
 
-<file path=ppt/slides/slide4.xml><?xml version="1.0" encoding="utf-8"?>
+<file path=ppt/slides/slide2.xml><?xml version="1.0" encoding="utf-8"?>
 <p:sld xmlns:a="http://schemas.openxmlformats.org/drawingml/2006/main" xmlns:r="http://schemas.openxmlformats.org/officeDocument/2006/relationships" xmlns:p="http://schemas.openxmlformats.org/presentationml/2006/main">
   <p:cSld>
     <p:spTree>
@@ -7441,7 +4989,7 @@
           <a:p>
             <a:r>
               <a:rPr lang="en-US" dirty="0"/>
-              <a:t>Overview</a:t>
+              <a:t>Main Purpose</a:t>
             </a:r>
           </a:p>
         </p:txBody>
@@ -7463,31 +5011,37 @@
           <a:p>
             <a:r>
               <a:rPr lang="en-US" dirty="0"/>
-              <a:t>Requirements</a:t>
-            </a:r>
-          </a:p>
-          <a:p>
-            <a:r>
-              <a:rPr lang="en-US" dirty="0"/>
-              <a:t>Design</a:t>
-            </a:r>
-          </a:p>
-          <a:p>
-            <a:r>
-              <a:rPr lang="en-US" dirty="0"/>
-              <a:t>Week by week break down</a:t>
-            </a:r>
-          </a:p>
-          <a:p>
-            <a:r>
-              <a:rPr lang="en-US" dirty="0"/>
-              <a:t>Problems &amp; Solutions</a:t>
-            </a:r>
-          </a:p>
-          <a:p>
-            <a:r>
-              <a:rPr lang="en-US" dirty="0"/>
-              <a:t>What’s next?</a:t>
+              <a:t>Use Vrok.it and Forge API</a:t>
+            </a:r>
+          </a:p>
+          <a:p>
+            <a:r>
+              <a:rPr lang="en-US" dirty="0"/>
+              <a:t>Increase usability and add slightly more functionality</a:t>
+            </a:r>
+          </a:p>
+          <a:p>
+            <a:r>
+              <a:rPr lang="en-US" dirty="0"/>
+              <a:t>Upload CAD files</a:t>
+            </a:r>
+          </a:p>
+          <a:p>
+            <a:r>
+              <a:rPr lang="en-US" dirty="0"/>
+              <a:t>File conversion</a:t>
+            </a:r>
+          </a:p>
+          <a:p>
+            <a:r>
+              <a:rPr lang="en-US" dirty="0"/>
+              <a:t>Model viewing</a:t>
+            </a:r>
+          </a:p>
+          <a:p>
+            <a:r>
+              <a:rPr lang="en-US" dirty="0"/>
+              <a:t>VR with Google Cardboard</a:t>
             </a:r>
           </a:p>
         </p:txBody>
@@ -7495,7 +5049,7 @@
     </p:spTree>
     <p:extLst>
       <p:ext uri="{BB962C8B-B14F-4D97-AF65-F5344CB8AC3E}">
-        <p14:creationId xmlns:p14="http://schemas.microsoft.com/office/powerpoint/2010/main" val="2310746045"/>
+        <p14:creationId xmlns:p14="http://schemas.microsoft.com/office/powerpoint/2010/main" val="1265223157"/>
       </p:ext>
     </p:extLst>
   </p:cSld>
@@ -7505,7 +5059,7 @@
 </p:sld>
 </file>
 
-<file path=ppt/slides/slide40.xml><?xml version="1.0" encoding="utf-8"?>
+<file path=ppt/slides/slide20.xml><?xml version="1.0" encoding="utf-8"?>
 <p:sld xmlns:a="http://schemas.openxmlformats.org/drawingml/2006/main" xmlns:r="http://schemas.openxmlformats.org/officeDocument/2006/relationships" xmlns:p="http://schemas.openxmlformats.org/presentationml/2006/main">
   <p:cSld>
     <p:spTree>
@@ -7948,7 +5502,7 @@
 </p:sld>
 </file>
 
-<file path=ppt/slides/slide41.xml><?xml version="1.0" encoding="utf-8"?>
+<file path=ppt/slides/slide21.xml><?xml version="1.0" encoding="utf-8"?>
 <p:sld xmlns:a="http://schemas.openxmlformats.org/drawingml/2006/main" xmlns:r="http://schemas.openxmlformats.org/officeDocument/2006/relationships" xmlns:p="http://schemas.openxmlformats.org/presentationml/2006/main">
   <p:cSld>
     <p:spTree>
@@ -8038,7 +5592,7 @@
 </p:sld>
 </file>
 
-<file path=ppt/slides/slide42.xml><?xml version="1.0" encoding="utf-8"?>
+<file path=ppt/slides/slide22.xml><?xml version="1.0" encoding="utf-8"?>
 <p:sld xmlns:a="http://schemas.openxmlformats.org/drawingml/2006/main" xmlns:r="http://schemas.openxmlformats.org/officeDocument/2006/relationships" xmlns:p="http://schemas.openxmlformats.org/presentationml/2006/main">
   <p:cSld>
     <p:spTree>
@@ -8124,6 +5678,167 @@
     <p:extLst>
       <p:ext uri="{BB962C8B-B14F-4D97-AF65-F5344CB8AC3E}">
         <p14:creationId xmlns:p14="http://schemas.microsoft.com/office/powerpoint/2010/main" val="1099164323"/>
+      </p:ext>
+    </p:extLst>
+  </p:cSld>
+  <p:clrMapOvr>
+    <a:masterClrMapping/>
+  </p:clrMapOvr>
+</p:sld>
+</file>
+
+<file path=ppt/slides/slide3.xml><?xml version="1.0" encoding="utf-8"?>
+<p:sld xmlns:a="http://schemas.openxmlformats.org/drawingml/2006/main" xmlns:r="http://schemas.openxmlformats.org/officeDocument/2006/relationships" xmlns:p="http://schemas.openxmlformats.org/presentationml/2006/main">
+  <p:cSld>
+    <p:spTree>
+      <p:nvGrpSpPr>
+        <p:cNvPr id="1" name=""/>
+        <p:cNvGrpSpPr/>
+        <p:nvPr/>
+      </p:nvGrpSpPr>
+      <p:grpSpPr>
+        <a:xfrm>
+          <a:off x="0" y="0"/>
+          <a:ext cx="0" cy="0"/>
+          <a:chOff x="0" y="0"/>
+          <a:chExt cx="0" cy="0"/>
+        </a:xfrm>
+      </p:grpSpPr>
+      <p:pic>
+        <p:nvPicPr>
+          <p:cNvPr id="4" name="Content Placeholder 3"/>
+          <p:cNvPicPr>
+            <a:picLocks noGrp="1" noChangeAspect="1"/>
+          </p:cNvPicPr>
+          <p:nvPr>
+            <p:ph idx="1"/>
+          </p:nvPr>
+        </p:nvPicPr>
+        <p:blipFill>
+          <a:blip r:embed="rId2">
+            <a:extLst>
+              <a:ext uri="{28A0092B-C50C-407E-A947-70E740481C1C}">
+                <a14:useLocalDpi xmlns:a14="http://schemas.microsoft.com/office/drawing/2010/main" val="0"/>
+              </a:ext>
+            </a:extLst>
+          </a:blip>
+          <a:stretch>
+            <a:fillRect/>
+          </a:stretch>
+        </p:blipFill>
+        <p:spPr>
+          <a:xfrm>
+            <a:off x="0" y="300907"/>
+            <a:ext cx="12332513" cy="5816236"/>
+          </a:xfrm>
+        </p:spPr>
+      </p:pic>
+    </p:spTree>
+    <p:extLst>
+      <p:ext uri="{BB962C8B-B14F-4D97-AF65-F5344CB8AC3E}">
+        <p14:creationId xmlns:p14="http://schemas.microsoft.com/office/powerpoint/2010/main" val="2584541822"/>
+      </p:ext>
+    </p:extLst>
+  </p:cSld>
+  <p:clrMapOvr>
+    <a:masterClrMapping/>
+  </p:clrMapOvr>
+</p:sld>
+</file>
+
+<file path=ppt/slides/slide4.xml><?xml version="1.0" encoding="utf-8"?>
+<p:sld xmlns:a="http://schemas.openxmlformats.org/drawingml/2006/main" xmlns:r="http://schemas.openxmlformats.org/officeDocument/2006/relationships" xmlns:p="http://schemas.openxmlformats.org/presentationml/2006/main">
+  <p:cSld>
+    <p:spTree>
+      <p:nvGrpSpPr>
+        <p:cNvPr id="1" name=""/>
+        <p:cNvGrpSpPr/>
+        <p:nvPr/>
+      </p:nvGrpSpPr>
+      <p:grpSpPr>
+        <a:xfrm>
+          <a:off x="0" y="0"/>
+          <a:ext cx="0" cy="0"/>
+          <a:chOff x="0" y="0"/>
+          <a:chExt cx="0" cy="0"/>
+        </a:xfrm>
+      </p:grpSpPr>
+      <p:sp>
+        <p:nvSpPr>
+          <p:cNvPr id="2" name="Title 1"/>
+          <p:cNvSpPr>
+            <a:spLocks noGrp="1"/>
+          </p:cNvSpPr>
+          <p:nvPr>
+            <p:ph type="title"/>
+          </p:nvPr>
+        </p:nvSpPr>
+        <p:spPr/>
+        <p:txBody>
+          <a:bodyPr/>
+          <a:lstStyle/>
+          <a:p>
+            <a:r>
+              <a:rPr lang="en-US" dirty="0"/>
+              <a:t>Heroku</a:t>
+            </a:r>
+          </a:p>
+        </p:txBody>
+      </p:sp>
+      <p:sp>
+        <p:nvSpPr>
+          <p:cNvPr id="3" name="Content Placeholder 2"/>
+          <p:cNvSpPr>
+            <a:spLocks noGrp="1"/>
+          </p:cNvSpPr>
+          <p:nvPr>
+            <p:ph idx="1"/>
+          </p:nvPr>
+        </p:nvSpPr>
+        <p:spPr/>
+        <p:txBody>
+          <a:bodyPr/>
+          <a:lstStyle/>
+          <a:p>
+            <a:r>
+              <a:rPr lang="en-US" dirty="0"/>
+              <a:t>Moved project to Heroku</a:t>
+            </a:r>
+          </a:p>
+          <a:p>
+            <a:pPr lvl="1"/>
+            <a:r>
+              <a:rPr lang="en-US" dirty="0"/>
+              <a:t>Takes care of the most back end things</a:t>
+            </a:r>
+          </a:p>
+          <a:p>
+            <a:pPr lvl="1"/>
+            <a:r>
+              <a:rPr lang="en-US" dirty="0"/>
+              <a:t>Easy to setup</a:t>
+            </a:r>
+          </a:p>
+          <a:p>
+            <a:pPr lvl="1"/>
+            <a:r>
+              <a:rPr lang="en-US" dirty="0"/>
+              <a:t>Vrok.it also utilized</a:t>
+            </a:r>
+          </a:p>
+          <a:p>
+            <a:pPr lvl="1"/>
+            <a:r>
+              <a:rPr lang="en-US" dirty="0"/>
+              <a:t>Free!</a:t>
+            </a:r>
+          </a:p>
+        </p:txBody>
+      </p:sp>
+    </p:spTree>
+    <p:extLst>
+      <p:ext uri="{BB962C8B-B14F-4D97-AF65-F5344CB8AC3E}">
+        <p14:creationId xmlns:p14="http://schemas.microsoft.com/office/powerpoint/2010/main" val="3373248086"/>
       </p:ext>
     </p:extLst>
   </p:cSld>
@@ -8167,7 +5882,7 @@
           <a:p>
             <a:r>
               <a:rPr lang="en-US" dirty="0"/>
-              <a:t>Requirements</a:t>
+              <a:t>Getting The Website Set Up</a:t>
             </a:r>
           </a:p>
         </p:txBody>
@@ -8179,98 +5894,62 @@
             <a:spLocks noGrp="1"/>
           </p:cNvSpPr>
           <p:nvPr>
-            <p:ph sz="half" idx="1"/>
-          </p:nvPr>
-        </p:nvSpPr>
-        <p:spPr/>
-        <p:txBody>
-          <a:bodyPr/>
-          <a:lstStyle/>
-          <a:p>
-            <a:pPr marL="0" indent="0">
-              <a:buNone/>
-            </a:pPr>
-            <a:r>
-              <a:rPr lang="en-US" u="sng" dirty="0"/>
-              <a:t>Forge API Related</a:t>
-            </a:r>
-          </a:p>
-          <a:p>
-            <a:r>
-              <a:rPr lang="en-US" dirty="0"/>
-              <a:t>Model Viewing – Forge Viewer</a:t>
-            </a:r>
-          </a:p>
-          <a:p>
-            <a:r>
-              <a:rPr lang="en-US" dirty="0"/>
-              <a:t>Authentication</a:t>
-            </a:r>
-          </a:p>
-          <a:p>
-            <a:r>
-              <a:rPr lang="en-US" dirty="0"/>
-              <a:t>Data Management</a:t>
-            </a:r>
-          </a:p>
-          <a:p>
-            <a:r>
-              <a:rPr lang="en-US" dirty="0"/>
-              <a:t>Model Derivative</a:t>
+            <p:ph idx="1"/>
+          </p:nvPr>
+        </p:nvSpPr>
+        <p:spPr/>
+        <p:txBody>
+          <a:bodyPr/>
+          <a:lstStyle/>
+          <a:p>
+            <a:r>
+              <a:rPr lang="en-US" dirty="0"/>
+              <a:t>Installed </a:t>
+            </a:r>
+            <a:r>
+              <a:rPr lang="en-US" dirty="0" err="1"/>
+              <a:t>heroku</a:t>
+            </a:r>
+            <a:r>
+              <a:rPr lang="en-US" dirty="0"/>
+              <a:t> and node.js</a:t>
+            </a:r>
+          </a:p>
+          <a:p>
+            <a:r>
+              <a:rPr lang="en-US" dirty="0"/>
+              <a:t>Edited the credentials in the </a:t>
+            </a:r>
+            <a:r>
+              <a:rPr lang="en-US" dirty="0" err="1"/>
+              <a:t>js</a:t>
+            </a:r>
+            <a:r>
+              <a:rPr lang="en-US" dirty="0"/>
+              <a:t> files</a:t>
+            </a:r>
+          </a:p>
+          <a:p>
+            <a:r>
+              <a:rPr lang="en-US" dirty="0"/>
+              <a:t>Created a bucket for files</a:t>
+            </a:r>
+          </a:p>
+          <a:p>
+            <a:r>
+              <a:rPr lang="en-US" dirty="0"/>
+              <a:t>Filled bucket with some Test files</a:t>
             </a:r>
           </a:p>
           <a:p>
             <a:endParaRPr lang="en-US" dirty="0"/>
-          </a:p>
-        </p:txBody>
-      </p:sp>
-      <p:sp>
-        <p:nvSpPr>
-          <p:cNvPr id="4" name="Content Placeholder 3"/>
-          <p:cNvSpPr>
-            <a:spLocks noGrp="1"/>
-          </p:cNvSpPr>
-          <p:nvPr>
-            <p:ph sz="half" idx="2"/>
-          </p:nvPr>
-        </p:nvSpPr>
-        <p:spPr/>
-        <p:txBody>
-          <a:bodyPr/>
-          <a:lstStyle/>
-          <a:p>
-            <a:pPr marL="0" indent="0">
-              <a:buNone/>
-            </a:pPr>
-            <a:r>
-              <a:rPr lang="en-US" u="sng" dirty="0"/>
-              <a:t>Non-related</a:t>
-            </a:r>
-          </a:p>
-          <a:p>
-            <a:r>
-              <a:rPr lang="en-US" dirty="0"/>
-              <a:t>File upload</a:t>
-            </a:r>
-          </a:p>
-          <a:p>
-            <a:r>
-              <a:rPr lang="en-US" dirty="0"/>
-              <a:t>Smartphone Connection</a:t>
-            </a:r>
-          </a:p>
-          <a:p>
-            <a:r>
-              <a:rPr lang="en-US" dirty="0"/>
-              <a:t>VR Device Support</a:t>
-            </a:r>
           </a:p>
         </p:txBody>
       </p:sp>
     </p:spTree>
     <p:extLst>
       <p:ext uri="{BB962C8B-B14F-4D97-AF65-F5344CB8AC3E}">
-        <p14:creationId xmlns:p14="http://schemas.microsoft.com/office/powerpoint/2010/main" val="1579341955"/>
+        <p14:creationId xmlns:p14="http://schemas.microsoft.com/office/powerpoint/2010/main" val="2629681458"/>
       </p:ext>
     </p:extLst>
   </p:cSld>
@@ -8314,7 +5993,7 @@
           <a:p>
             <a:r>
               <a:rPr lang="en-US" dirty="0"/>
-              <a:t>Forge VR Explorer Functionality</a:t>
+              <a:t>Local File Upload</a:t>
             </a:r>
           </a:p>
         </p:txBody>
@@ -8336,39 +6015,72 @@
           <a:p>
             <a:r>
               <a:rPr lang="en-US" dirty="0"/>
-              <a:t>User can choose a CAD model locally or through Data Management</a:t>
-            </a:r>
-          </a:p>
-          <a:p>
-            <a:r>
-              <a:rPr lang="en-US" dirty="0"/>
-              <a:t>3D model is shown through Forge Viewer</a:t>
-            </a:r>
-          </a:p>
-          <a:p>
-            <a:r>
-              <a:rPr lang="en-US" dirty="0"/>
-              <a:t>Connect to website with smartphone (via QR scanner)</a:t>
-            </a:r>
-          </a:p>
-          <a:p>
-            <a:r>
-              <a:rPr lang="en-US" dirty="0"/>
-              <a:t>Model can be viewed through Google Cardboard</a:t>
-            </a:r>
-          </a:p>
-          <a:p>
-            <a:r>
-              <a:rPr lang="en-US" dirty="0"/>
-              <a:t>Viewable model has interactivity</a:t>
-            </a:r>
-          </a:p>
-        </p:txBody>
-      </p:sp>
+              <a:t>Model derivative accepts roughly 60 different types of files.</a:t>
+            </a:r>
+          </a:p>
+          <a:p>
+            <a:r>
+              <a:rPr lang="en-US" dirty="0"/>
+              <a:t>Files Uploaded will be placed in the list of viewable models.</a:t>
+            </a:r>
+          </a:p>
+          <a:p>
+            <a:r>
+              <a:rPr lang="en-US" dirty="0"/>
+              <a:t>Once successfully uploaded the files will be loaded into the viewer.</a:t>
+            </a:r>
+          </a:p>
+          <a:p>
+            <a:pPr marL="0" indent="0">
+              <a:buNone/>
+            </a:pPr>
+            <a:r>
+              <a:rPr lang="en-US" dirty="0"/>
+              <a:t> Files uploaded will be placed in the </a:t>
+            </a:r>
+          </a:p>
+          <a:p>
+            <a:r>
+              <a:rPr lang="en-US" dirty="0"/>
+              <a:t>bucket temporally.</a:t>
+            </a:r>
+          </a:p>
+        </p:txBody>
+      </p:sp>
+      <p:pic>
+        <p:nvPicPr>
+          <p:cNvPr id="4" name="Picture 3"/>
+          <p:cNvPicPr>
+            <a:picLocks noChangeAspect="1"/>
+          </p:cNvPicPr>
+          <p:nvPr/>
+        </p:nvPicPr>
+        <p:blipFill>
+          <a:blip r:embed="rId2">
+            <a:extLst>
+              <a:ext uri="{28A0092B-C50C-407E-A947-70E740481C1C}">
+                <a14:useLocalDpi xmlns:a14="http://schemas.microsoft.com/office/drawing/2010/main" val="0"/>
+              </a:ext>
+            </a:extLst>
+          </a:blip>
+          <a:stretch>
+            <a:fillRect/>
+          </a:stretch>
+        </p:blipFill>
+        <p:spPr>
+          <a:xfrm>
+            <a:off x="5557777" y="3245962"/>
+            <a:ext cx="6634223" cy="2855791"/>
+          </a:xfrm>
+          <a:prstGeom prst="rect">
+            <a:avLst/>
+          </a:prstGeom>
+        </p:spPr>
+      </p:pic>
     </p:spTree>
     <p:extLst>
       <p:ext uri="{BB962C8B-B14F-4D97-AF65-F5344CB8AC3E}">
-        <p14:creationId xmlns:p14="http://schemas.microsoft.com/office/powerpoint/2010/main" val="716035048"/>
+        <p14:creationId xmlns:p14="http://schemas.microsoft.com/office/powerpoint/2010/main" val="940399772"/>
       </p:ext>
     </p:extLst>
   </p:cSld>
@@ -8412,7 +6124,7 @@
           <a:p>
             <a:r>
               <a:rPr lang="en-US" dirty="0"/>
-              <a:t>Authentication Requirements</a:t>
+              <a:t>Local File Restriction</a:t>
             </a:r>
           </a:p>
         </p:txBody>
@@ -8434,21 +6146,51 @@
           <a:p>
             <a:r>
               <a:rPr lang="en-US" dirty="0"/>
-              <a:t>Security for users</a:t>
-            </a:r>
-          </a:p>
-          <a:p>
-            <a:r>
-              <a:rPr lang="en-US" dirty="0"/>
-              <a:t>Token created for users</a:t>
-            </a:r>
-          </a:p>
-        </p:txBody>
-      </p:sp>
+              <a:t>Used the html accept attribute to restrict the file types</a:t>
+            </a:r>
+          </a:p>
+          <a:p>
+            <a:r>
+              <a:rPr lang="en-US" dirty="0"/>
+              <a:t>Only files of the types listed will show up in the file explorer </a:t>
+            </a:r>
+          </a:p>
+        </p:txBody>
+      </p:sp>
+      <p:pic>
+        <p:nvPicPr>
+          <p:cNvPr id="5" name="Picture 4"/>
+          <p:cNvPicPr>
+            <a:picLocks noChangeAspect="1"/>
+          </p:cNvPicPr>
+          <p:nvPr/>
+        </p:nvPicPr>
+        <p:blipFill>
+          <a:blip r:embed="rId2">
+            <a:extLst>
+              <a:ext uri="{28A0092B-C50C-407E-A947-70E740481C1C}">
+                <a14:useLocalDpi xmlns:a14="http://schemas.microsoft.com/office/drawing/2010/main" val="0"/>
+              </a:ext>
+            </a:extLst>
+          </a:blip>
+          <a:stretch>
+            <a:fillRect/>
+          </a:stretch>
+        </p:blipFill>
+        <p:spPr>
+          <a:xfrm>
+            <a:off x="1097280" y="3130517"/>
+            <a:ext cx="8327641" cy="3195198"/>
+          </a:xfrm>
+          <a:prstGeom prst="rect">
+            <a:avLst/>
+          </a:prstGeom>
+        </p:spPr>
+      </p:pic>
     </p:spTree>
     <p:extLst>
       <p:ext uri="{BB962C8B-B14F-4D97-AF65-F5344CB8AC3E}">
-        <p14:creationId xmlns:p14="http://schemas.microsoft.com/office/powerpoint/2010/main" val="922885700"/>
+        <p14:creationId xmlns:p14="http://schemas.microsoft.com/office/powerpoint/2010/main" val="465952325"/>
       </p:ext>
     </p:extLst>
   </p:cSld>
@@ -8492,7 +6234,7 @@
           <a:p>
             <a:r>
               <a:rPr lang="en-US" dirty="0"/>
-              <a:t>Viewing VR Requirements</a:t>
+              <a:t>Node.js</a:t>
             </a:r>
           </a:p>
         </p:txBody>
@@ -8514,19 +6256,19 @@
           <a:p>
             <a:r>
               <a:rPr lang="en-US" dirty="0"/>
-              <a:t>Model is viewable in VR headset (Google Cardboard)</a:t>
-            </a:r>
-          </a:p>
-          <a:p>
-            <a:r>
-              <a:rPr lang="en-US" dirty="0"/>
-              <a:t>High quality/size models will be hard to view</a:t>
-            </a:r>
-          </a:p>
-          <a:p>
-            <a:r>
-              <a:rPr lang="en-US" dirty="0"/>
-              <a:t>Models need some interactivity while user uses VR</a:t>
+              <a:t>Asynchronous</a:t>
+            </a:r>
+          </a:p>
+          <a:p>
+            <a:r>
+              <a:rPr lang="en-US" dirty="0"/>
+              <a:t>Server side</a:t>
+            </a:r>
+          </a:p>
+          <a:p>
+            <a:r>
+              <a:rPr lang="en-US" dirty="0"/>
+              <a:t>Used by vrok.it and API</a:t>
             </a:r>
           </a:p>
         </p:txBody>
@@ -8534,7 +6276,7 @@
     </p:spTree>
     <p:extLst>
       <p:ext uri="{BB962C8B-B14F-4D97-AF65-F5344CB8AC3E}">
-        <p14:creationId xmlns:p14="http://schemas.microsoft.com/office/powerpoint/2010/main" val="618129479"/>
+        <p14:creationId xmlns:p14="http://schemas.microsoft.com/office/powerpoint/2010/main" val="898502521"/>
       </p:ext>
     </p:extLst>
   </p:cSld>
@@ -8578,7 +6320,7 @@
           <a:p>
             <a:r>
               <a:rPr lang="en-US" dirty="0"/>
-              <a:t>File Upload Requirements</a:t>
+              <a:t>Express.js	</a:t>
             </a:r>
           </a:p>
         </p:txBody>
@@ -8600,55 +6342,60 @@
           <a:p>
             <a:r>
               <a:rPr lang="en-US" dirty="0"/>
-              <a:t>User can upload files</a:t>
-            </a:r>
-          </a:p>
-          <a:p>
-            <a:pPr lvl="1"/>
-            <a:r>
-              <a:rPr lang="en-US" dirty="0"/>
-              <a:t>Through local machine</a:t>
-            </a:r>
-          </a:p>
-          <a:p>
-            <a:pPr lvl="1"/>
-            <a:r>
-              <a:rPr lang="en-US" dirty="0"/>
-              <a:t>Or A360 (Data Management API)</a:t>
-            </a:r>
-          </a:p>
-          <a:p>
-            <a:r>
-              <a:rPr lang="en-US" dirty="0"/>
-              <a:t>Failures will be reported</a:t>
-            </a:r>
-          </a:p>
-          <a:p>
-            <a:pPr lvl="1"/>
-            <a:r>
-              <a:rPr lang="en-US" dirty="0"/>
-              <a:t>Unsuccessful upload</a:t>
-            </a:r>
-          </a:p>
-          <a:p>
-            <a:pPr lvl="1"/>
-            <a:r>
-              <a:rPr lang="en-US" dirty="0"/>
-              <a:t>Too large</a:t>
-            </a:r>
-          </a:p>
-          <a:p>
-            <a:r>
-              <a:rPr lang="en-US" dirty="0"/>
-              <a:t>File will be displayed on list of usable models</a:t>
-            </a:r>
-          </a:p>
-        </p:txBody>
-      </p:sp>
+              <a:t>Utilized by Vrok.it and API already</a:t>
+            </a:r>
+          </a:p>
+          <a:p>
+            <a:r>
+              <a:rPr lang="en-US" dirty="0"/>
+              <a:t>Node.js web app framework</a:t>
+            </a:r>
+          </a:p>
+          <a:p>
+            <a:r>
+              <a:rPr lang="en-US" dirty="0"/>
+              <a:t>Matches on request sent to server</a:t>
+            </a:r>
+          </a:p>
+          <a:p>
+            <a:endParaRPr lang="en-US" dirty="0"/>
+          </a:p>
+        </p:txBody>
+      </p:sp>
+      <p:pic>
+        <p:nvPicPr>
+          <p:cNvPr id="4" name="Picture 3"/>
+          <p:cNvPicPr>
+            <a:picLocks noChangeAspect="1"/>
+          </p:cNvPicPr>
+          <p:nvPr/>
+        </p:nvPicPr>
+        <p:blipFill>
+          <a:blip r:embed="rId2">
+            <a:extLst>
+              <a:ext uri="{28A0092B-C50C-407E-A947-70E740481C1C}">
+                <a14:useLocalDpi xmlns:a14="http://schemas.microsoft.com/office/drawing/2010/main" val="0"/>
+              </a:ext>
+            </a:extLst>
+          </a:blip>
+          <a:stretch>
+            <a:fillRect/>
+          </a:stretch>
+        </p:blipFill>
+        <p:spPr>
+          <a:xfrm>
+            <a:off x="5268408" y="2496773"/>
+            <a:ext cx="5887272" cy="3372321"/>
+          </a:xfrm>
+          <a:prstGeom prst="rect">
+            <a:avLst/>
+          </a:prstGeom>
+        </p:spPr>
+      </p:pic>
     </p:spTree>
     <p:extLst>
       <p:ext uri="{BB962C8B-B14F-4D97-AF65-F5344CB8AC3E}">
-        <p14:creationId xmlns:p14="http://schemas.microsoft.com/office/powerpoint/2010/main" val="4186160874"/>
+        <p14:creationId xmlns:p14="http://schemas.microsoft.com/office/powerpoint/2010/main" val="3351494084"/>
       </p:ext>
     </p:extLst>
   </p:cSld>

--- a/Project Documents/Progress Report 2/Progress report.pptx
+++ b/Project Documents/Progress Report 2/Progress report.pptx
@@ -17,16 +17,18 @@
     <p:sldId id="302" r:id="rId11"/>
     <p:sldId id="306" r:id="rId12"/>
     <p:sldId id="307" r:id="rId13"/>
-    <p:sldId id="297" r:id="rId14"/>
-    <p:sldId id="277" r:id="rId15"/>
-    <p:sldId id="278" r:id="rId16"/>
-    <p:sldId id="279" r:id="rId17"/>
-    <p:sldId id="280" r:id="rId18"/>
-    <p:sldId id="281" r:id="rId19"/>
-    <p:sldId id="282" r:id="rId20"/>
-    <p:sldId id="293" r:id="rId21"/>
-    <p:sldId id="276" r:id="rId22"/>
-    <p:sldId id="295" r:id="rId23"/>
+    <p:sldId id="308" r:id="rId14"/>
+    <p:sldId id="297" r:id="rId15"/>
+    <p:sldId id="277" r:id="rId16"/>
+    <p:sldId id="278" r:id="rId17"/>
+    <p:sldId id="279" r:id="rId18"/>
+    <p:sldId id="280" r:id="rId19"/>
+    <p:sldId id="281" r:id="rId20"/>
+    <p:sldId id="282" r:id="rId21"/>
+    <p:sldId id="309" r:id="rId22"/>
+    <p:sldId id="293" r:id="rId23"/>
+    <p:sldId id="276" r:id="rId24"/>
+    <p:sldId id="295" r:id="rId25"/>
   </p:sldIdLst>
   <p:sldSz cx="12192000" cy="6858000"/>
   <p:notesSz cx="6858000" cy="9144000"/>
@@ -4370,7 +4372,7 @@
           <a:p>
             <a:r>
               <a:rPr lang="en-US" dirty="0"/>
-              <a:t>Week by week summary</a:t>
+              <a:t>Remaining Tasks</a:t>
             </a:r>
           </a:p>
         </p:txBody>
@@ -4390,14 +4392,68 @@
           <a:bodyPr/>
           <a:lstStyle/>
           <a:p>
-            <a:endParaRPr lang="en-US"/>
+            <a:pPr marL="201168" lvl="1" indent="0">
+              <a:buNone/>
+            </a:pPr>
+            <a:endParaRPr lang="en-US" dirty="0"/>
+          </a:p>
+          <a:p>
+            <a:pPr marL="201168" lvl="1" indent="0">
+              <a:buNone/>
+            </a:pPr>
+            <a:r>
+              <a:rPr lang="en-US" dirty="0"/>
+              <a:t>CURRENT - Authentication</a:t>
+            </a:r>
+          </a:p>
+          <a:p>
+            <a:pPr marL="201168" lvl="1" indent="0">
+              <a:buNone/>
+            </a:pPr>
+            <a:r>
+              <a:rPr lang="en-US" dirty="0"/>
+              <a:t>Data Management functional</a:t>
+            </a:r>
+          </a:p>
+          <a:p>
+            <a:pPr marL="201168" lvl="1" indent="0">
+              <a:buNone/>
+            </a:pPr>
+            <a:r>
+              <a:rPr lang="en-US" dirty="0"/>
+              <a:t>Updated UI</a:t>
+            </a:r>
+          </a:p>
+          <a:p>
+            <a:pPr marL="201168" lvl="1" indent="0">
+              <a:buNone/>
+            </a:pPr>
+            <a:r>
+              <a:rPr lang="en-US" dirty="0"/>
+              <a:t>Updated Viewer</a:t>
+            </a:r>
+          </a:p>
+          <a:p>
+            <a:pPr marL="201168" lvl="1" indent="0">
+              <a:buNone/>
+            </a:pPr>
+            <a:r>
+              <a:rPr lang="en-US" dirty="0"/>
+              <a:t>Google Cardboard </a:t>
+            </a:r>
+          </a:p>
+          <a:p>
+            <a:pPr marL="201168" lvl="1" indent="0">
+              <a:buNone/>
+            </a:pPr>
+            <a:endParaRPr lang="en-US" dirty="0"/>
           </a:p>
         </p:txBody>
       </p:sp>
     </p:spTree>
     <p:extLst>
       <p:ext uri="{BB962C8B-B14F-4D97-AF65-F5344CB8AC3E}">
-        <p14:creationId xmlns:p14="http://schemas.microsoft.com/office/powerpoint/2010/main" val="4114061100"/>
+        <p14:creationId xmlns:p14="http://schemas.microsoft.com/office/powerpoint/2010/main" val="800209894"/>
       </p:ext>
     </p:extLst>
   </p:cSld>
@@ -4441,7 +4497,7 @@
           <a:p>
             <a:r>
               <a:rPr lang="en-US" dirty="0"/>
-              <a:t>Winter Week 1</a:t>
+              <a:t>Week by week summary</a:t>
             </a:r>
           </a:p>
         </p:txBody>
@@ -4461,26 +4517,14 @@
           <a:bodyPr/>
           <a:lstStyle/>
           <a:p>
-            <a:r>
-              <a:rPr lang="en-US" dirty="0"/>
-              <a:t>Began to get the website set up</a:t>
-            </a:r>
-          </a:p>
-          <a:p>
-            <a:r>
-              <a:rPr lang="en-US" dirty="0"/>
-              <a:t>Planned on using github.io</a:t>
-            </a:r>
-          </a:p>
-          <a:p>
-            <a:endParaRPr lang="en-US" dirty="0"/>
+            <a:endParaRPr lang="en-US"/>
           </a:p>
         </p:txBody>
       </p:sp>
     </p:spTree>
     <p:extLst>
       <p:ext uri="{BB962C8B-B14F-4D97-AF65-F5344CB8AC3E}">
-        <p14:creationId xmlns:p14="http://schemas.microsoft.com/office/powerpoint/2010/main" val="3357475344"/>
+        <p14:creationId xmlns:p14="http://schemas.microsoft.com/office/powerpoint/2010/main" val="4114061100"/>
       </p:ext>
     </p:extLst>
   </p:cSld>
@@ -4524,7 +4568,7 @@
           <a:p>
             <a:r>
               <a:rPr lang="en-US" dirty="0"/>
-              <a:t>Winter Week 2</a:t>
+              <a:t>Winter Week 1</a:t>
             </a:r>
           </a:p>
         </p:txBody>
@@ -4544,55 +4588,26 @@
           <a:bodyPr/>
           <a:lstStyle/>
           <a:p>
-            <a:pPr marL="457200" lvl="1" indent="0">
-              <a:buNone/>
-            </a:pPr>
-            <a:r>
-              <a:rPr lang="en-US" dirty="0"/>
-              <a:t>Website was more difficult to get setup than we initially thought</a:t>
-            </a:r>
-          </a:p>
-          <a:p>
-            <a:pPr marL="457200" lvl="1" indent="0">
-              <a:buNone/>
-            </a:pPr>
-            <a:r>
-              <a:rPr lang="en-US" dirty="0"/>
-              <a:t>switched from using github.io to </a:t>
-            </a:r>
-            <a:r>
-              <a:rPr lang="en-US" dirty="0" err="1"/>
-              <a:t>heroku</a:t>
-            </a:r>
-            <a:r>
-              <a:rPr lang="en-US" dirty="0"/>
-              <a:t> for server needs</a:t>
-            </a:r>
-          </a:p>
-          <a:p>
-            <a:pPr marL="457200" lvl="1" indent="0">
-              <a:buNone/>
-            </a:pPr>
-            <a:r>
-              <a:rPr lang="en-US" dirty="0"/>
-              <a:t>Had to swap out credentials to get site to work properly</a:t>
-            </a:r>
-          </a:p>
-          <a:p>
-            <a:pPr marL="457200" lvl="1" indent="0">
-              <a:buNone/>
-            </a:pPr>
-            <a:r>
-              <a:rPr lang="en-US" dirty="0"/>
-              <a:t>Site up and running</a:t>
-            </a:r>
+            <a:r>
+              <a:rPr lang="en-US" dirty="0"/>
+              <a:t>Began to get the website set up</a:t>
+            </a:r>
+          </a:p>
+          <a:p>
+            <a:r>
+              <a:rPr lang="en-US" dirty="0"/>
+              <a:t>Planned on using github.io</a:t>
+            </a:r>
+          </a:p>
+          <a:p>
+            <a:endParaRPr lang="en-US" dirty="0"/>
           </a:p>
         </p:txBody>
       </p:sp>
     </p:spTree>
     <p:extLst>
       <p:ext uri="{BB962C8B-B14F-4D97-AF65-F5344CB8AC3E}">
-        <p14:creationId xmlns:p14="http://schemas.microsoft.com/office/powerpoint/2010/main" val="3816315661"/>
+        <p14:creationId xmlns:p14="http://schemas.microsoft.com/office/powerpoint/2010/main" val="3357475344"/>
       </p:ext>
     </p:extLst>
   </p:cSld>
@@ -4636,7 +4651,7 @@
           <a:p>
             <a:r>
               <a:rPr lang="en-US" dirty="0"/>
-              <a:t>Winter Week 3</a:t>
+              <a:t>Winter Week 2</a:t>
             </a:r>
           </a:p>
         </p:txBody>
@@ -4656,21 +4671,47 @@
           <a:bodyPr/>
           <a:lstStyle/>
           <a:p>
-            <a:r>
-              <a:rPr lang="en-US" dirty="0"/>
-              <a:t>Troubles setting up file bucket (never used curl before)</a:t>
-            </a:r>
-          </a:p>
-          <a:p>
-            <a:r>
-              <a:rPr lang="en-US" dirty="0"/>
-              <a:t>Got the bucket setup that will hold the files</a:t>
-            </a:r>
-          </a:p>
-          <a:p>
-            <a:r>
-              <a:rPr lang="en-US" dirty="0"/>
-              <a:t>Met with Kean and Patti</a:t>
+            <a:pPr marL="457200" lvl="1" indent="0">
+              <a:buNone/>
+            </a:pPr>
+            <a:r>
+              <a:rPr lang="en-US" dirty="0"/>
+              <a:t>Website was more difficult to get setup than we initially thought</a:t>
+            </a:r>
+          </a:p>
+          <a:p>
+            <a:pPr marL="457200" lvl="1" indent="0">
+              <a:buNone/>
+            </a:pPr>
+            <a:r>
+              <a:rPr lang="en-US" dirty="0"/>
+              <a:t>switched from using github.io to </a:t>
+            </a:r>
+            <a:r>
+              <a:rPr lang="en-US" dirty="0" err="1"/>
+              <a:t>heroku</a:t>
+            </a:r>
+            <a:r>
+              <a:rPr lang="en-US" dirty="0"/>
+              <a:t> for server needs</a:t>
+            </a:r>
+          </a:p>
+          <a:p>
+            <a:pPr marL="457200" lvl="1" indent="0">
+              <a:buNone/>
+            </a:pPr>
+            <a:r>
+              <a:rPr lang="en-US" dirty="0"/>
+              <a:t>Had to swap out credentials to get site to work properly</a:t>
+            </a:r>
+          </a:p>
+          <a:p>
+            <a:pPr marL="457200" lvl="1" indent="0">
+              <a:buNone/>
+            </a:pPr>
+            <a:r>
+              <a:rPr lang="en-US" dirty="0"/>
+              <a:t>Site up and running</a:t>
             </a:r>
           </a:p>
         </p:txBody>
@@ -4678,7 +4719,7 @@
     </p:spTree>
     <p:extLst>
       <p:ext uri="{BB962C8B-B14F-4D97-AF65-F5344CB8AC3E}">
-        <p14:creationId xmlns:p14="http://schemas.microsoft.com/office/powerpoint/2010/main" val="1610455051"/>
+        <p14:creationId xmlns:p14="http://schemas.microsoft.com/office/powerpoint/2010/main" val="3816315661"/>
       </p:ext>
     </p:extLst>
   </p:cSld>
@@ -4722,7 +4763,7 @@
           <a:p>
             <a:r>
               <a:rPr lang="en-US" dirty="0"/>
-              <a:t>Winter Week 4</a:t>
+              <a:t>Winter Week 3</a:t>
             </a:r>
           </a:p>
         </p:txBody>
@@ -4744,42 +4785,27 @@
           <a:p>
             <a:r>
               <a:rPr lang="en-US" dirty="0"/>
-              <a:t>Local file restriction complete</a:t>
-            </a:r>
-          </a:p>
-          <a:p>
-            <a:r>
-              <a:rPr lang="en-US" dirty="0"/>
-              <a:t>Began working on 3-legged Authentication</a:t>
-            </a:r>
-          </a:p>
-          <a:p>
-            <a:r>
-              <a:rPr lang="en-US" dirty="0"/>
-              <a:t>Found this would be very hard to do from scratch</a:t>
-            </a:r>
-          </a:p>
-          <a:p>
-            <a:r>
-              <a:rPr lang="en-US" dirty="0"/>
-              <a:t>Found an API that did exactly what we want</a:t>
-            </a:r>
-          </a:p>
-          <a:p>
-            <a:r>
-              <a:rPr lang="en-US" dirty="0"/>
-              <a:t>Spoke with Kean about the API we found and decided it would be best to integrate that</a:t>
-            </a:r>
-          </a:p>
-          <a:p>
-            <a:endParaRPr lang="en-US" dirty="0"/>
+              <a:t>Troubles setting up file bucket (never used curl before)</a:t>
+            </a:r>
+          </a:p>
+          <a:p>
+            <a:r>
+              <a:rPr lang="en-US" dirty="0"/>
+              <a:t>Got the bucket setup that will hold the files</a:t>
+            </a:r>
+          </a:p>
+          <a:p>
+            <a:r>
+              <a:rPr lang="en-US" dirty="0"/>
+              <a:t>Met with Kean and Patti</a:t>
+            </a:r>
           </a:p>
         </p:txBody>
       </p:sp>
     </p:spTree>
     <p:extLst>
       <p:ext uri="{BB962C8B-B14F-4D97-AF65-F5344CB8AC3E}">
-        <p14:creationId xmlns:p14="http://schemas.microsoft.com/office/powerpoint/2010/main" val="270471938"/>
+        <p14:creationId xmlns:p14="http://schemas.microsoft.com/office/powerpoint/2010/main" val="1610455051"/>
       </p:ext>
     </p:extLst>
   </p:cSld>
@@ -4823,7 +4849,7 @@
           <a:p>
             <a:r>
               <a:rPr lang="en-US" dirty="0"/>
-              <a:t>Winter Week 5</a:t>
+              <a:t>Winter Week 4</a:t>
             </a:r>
           </a:p>
         </p:txBody>
@@ -4845,27 +4871,42 @@
           <a:p>
             <a:r>
               <a:rPr lang="en-US" dirty="0"/>
-              <a:t>Began Integration of API</a:t>
-            </a:r>
-          </a:p>
-          <a:p>
-            <a:r>
-              <a:rPr lang="en-US" dirty="0"/>
-              <a:t>Ran into many problems with the integration</a:t>
-            </a:r>
-          </a:p>
-          <a:p>
-            <a:r>
-              <a:rPr lang="en-US" dirty="0"/>
-              <a:t>Kean suggested that he could bring in the person that created the API to help</a:t>
-            </a:r>
+              <a:t>Local file restriction complete</a:t>
+            </a:r>
+          </a:p>
+          <a:p>
+            <a:r>
+              <a:rPr lang="en-US" dirty="0"/>
+              <a:t>Began working on 3-legged Authentication</a:t>
+            </a:r>
+          </a:p>
+          <a:p>
+            <a:r>
+              <a:rPr lang="en-US" dirty="0"/>
+              <a:t>Found this would be very hard to do from scratch</a:t>
+            </a:r>
+          </a:p>
+          <a:p>
+            <a:r>
+              <a:rPr lang="en-US" dirty="0"/>
+              <a:t>Found an API that did exactly what we want</a:t>
+            </a:r>
+          </a:p>
+          <a:p>
+            <a:r>
+              <a:rPr lang="en-US" dirty="0"/>
+              <a:t>Spoke with Kean about the API we found and decided it would be best to integrate that</a:t>
+            </a:r>
+          </a:p>
+          <a:p>
+            <a:endParaRPr lang="en-US" dirty="0"/>
           </a:p>
         </p:txBody>
       </p:sp>
     </p:spTree>
     <p:extLst>
       <p:ext uri="{BB962C8B-B14F-4D97-AF65-F5344CB8AC3E}">
-        <p14:creationId xmlns:p14="http://schemas.microsoft.com/office/powerpoint/2010/main" val="4206706309"/>
+        <p14:creationId xmlns:p14="http://schemas.microsoft.com/office/powerpoint/2010/main" val="270471938"/>
       </p:ext>
     </p:extLst>
   </p:cSld>
@@ -4909,7 +4950,7 @@
           <a:p>
             <a:r>
               <a:rPr lang="en-US" dirty="0"/>
-              <a:t>Winter Week 6</a:t>
+              <a:t>Winter Week 5</a:t>
             </a:r>
           </a:p>
         </p:txBody>
@@ -4931,13 +4972,19 @@
           <a:p>
             <a:r>
               <a:rPr lang="en-US" dirty="0"/>
-              <a:t>Continued to work on integration</a:t>
-            </a:r>
-          </a:p>
-          <a:p>
-            <a:r>
-              <a:rPr lang="en-US" dirty="0"/>
-              <a:t>Worked on revision for documents to reflect where the project is currently</a:t>
+              <a:t>Began Integration of API</a:t>
+            </a:r>
+          </a:p>
+          <a:p>
+            <a:r>
+              <a:rPr lang="en-US" dirty="0"/>
+              <a:t>Ran into many problems with the integration</a:t>
+            </a:r>
+          </a:p>
+          <a:p>
+            <a:r>
+              <a:rPr lang="en-US" dirty="0"/>
+              <a:t>Kean suggested that he could bring in the person that created the API to help</a:t>
             </a:r>
           </a:p>
         </p:txBody>
@@ -4945,7 +4992,7 @@
     </p:spTree>
     <p:extLst>
       <p:ext uri="{BB962C8B-B14F-4D97-AF65-F5344CB8AC3E}">
-        <p14:creationId xmlns:p14="http://schemas.microsoft.com/office/powerpoint/2010/main" val="2635992290"/>
+        <p14:creationId xmlns:p14="http://schemas.microsoft.com/office/powerpoint/2010/main" val="4206706309"/>
       </p:ext>
     </p:extLst>
   </p:cSld>
@@ -5060,6 +5107,183 @@
 </file>
 
 <file path=ppt/slides/slide20.xml><?xml version="1.0" encoding="utf-8"?>
+<p:sld xmlns:a="http://schemas.openxmlformats.org/drawingml/2006/main" xmlns:r="http://schemas.openxmlformats.org/officeDocument/2006/relationships" xmlns:p="http://schemas.openxmlformats.org/presentationml/2006/main">
+  <p:cSld>
+    <p:spTree>
+      <p:nvGrpSpPr>
+        <p:cNvPr id="1" name=""/>
+        <p:cNvGrpSpPr/>
+        <p:nvPr/>
+      </p:nvGrpSpPr>
+      <p:grpSpPr>
+        <a:xfrm>
+          <a:off x="0" y="0"/>
+          <a:ext cx="0" cy="0"/>
+          <a:chOff x="0" y="0"/>
+          <a:chExt cx="0" cy="0"/>
+        </a:xfrm>
+      </p:grpSpPr>
+      <p:sp>
+        <p:nvSpPr>
+          <p:cNvPr id="2" name="Title 1"/>
+          <p:cNvSpPr>
+            <a:spLocks noGrp="1"/>
+          </p:cNvSpPr>
+          <p:nvPr>
+            <p:ph type="title"/>
+          </p:nvPr>
+        </p:nvSpPr>
+        <p:spPr/>
+        <p:txBody>
+          <a:bodyPr/>
+          <a:lstStyle/>
+          <a:p>
+            <a:r>
+              <a:rPr lang="en-US" dirty="0"/>
+              <a:t>Winter Week 6</a:t>
+            </a:r>
+          </a:p>
+        </p:txBody>
+      </p:sp>
+      <p:sp>
+        <p:nvSpPr>
+          <p:cNvPr id="3" name="Content Placeholder 2"/>
+          <p:cNvSpPr>
+            <a:spLocks noGrp="1"/>
+          </p:cNvSpPr>
+          <p:nvPr>
+            <p:ph idx="1"/>
+          </p:nvPr>
+        </p:nvSpPr>
+        <p:spPr/>
+        <p:txBody>
+          <a:bodyPr/>
+          <a:lstStyle/>
+          <a:p>
+            <a:r>
+              <a:rPr lang="en-US" dirty="0"/>
+              <a:t>Continued to work on integration</a:t>
+            </a:r>
+          </a:p>
+          <a:p>
+            <a:r>
+              <a:rPr lang="en-US" dirty="0"/>
+              <a:t>Worked on revision for documents to reflect where the project is currently</a:t>
+            </a:r>
+          </a:p>
+        </p:txBody>
+      </p:sp>
+    </p:spTree>
+    <p:extLst>
+      <p:ext uri="{BB962C8B-B14F-4D97-AF65-F5344CB8AC3E}">
+        <p14:creationId xmlns:p14="http://schemas.microsoft.com/office/powerpoint/2010/main" val="2635992290"/>
+      </p:ext>
+    </p:extLst>
+  </p:cSld>
+  <p:clrMapOvr>
+    <a:masterClrMapping/>
+  </p:clrMapOvr>
+</p:sld>
+</file>
+
+<file path=ppt/slides/slide21.xml><?xml version="1.0" encoding="utf-8"?>
+<p:sld xmlns:a="http://schemas.openxmlformats.org/drawingml/2006/main" xmlns:r="http://schemas.openxmlformats.org/officeDocument/2006/relationships" xmlns:p="http://schemas.openxmlformats.org/presentationml/2006/main">
+  <p:cSld>
+    <p:spTree>
+      <p:nvGrpSpPr>
+        <p:cNvPr id="1" name=""/>
+        <p:cNvGrpSpPr/>
+        <p:nvPr/>
+      </p:nvGrpSpPr>
+      <p:grpSpPr>
+        <a:xfrm>
+          <a:off x="0" y="0"/>
+          <a:ext cx="0" cy="0"/>
+          <a:chOff x="0" y="0"/>
+          <a:chExt cx="0" cy="0"/>
+        </a:xfrm>
+      </p:grpSpPr>
+      <p:sp>
+        <p:nvSpPr>
+          <p:cNvPr id="2" name="Title 1"/>
+          <p:cNvSpPr>
+            <a:spLocks noGrp="1"/>
+          </p:cNvSpPr>
+          <p:nvPr>
+            <p:ph type="title"/>
+          </p:nvPr>
+        </p:nvSpPr>
+        <p:spPr/>
+        <p:txBody>
+          <a:bodyPr/>
+          <a:lstStyle/>
+          <a:p>
+            <a:r>
+              <a:rPr lang="en-US" dirty="0"/>
+              <a:t>Problem &amp; Solution - Authentication</a:t>
+            </a:r>
+          </a:p>
+        </p:txBody>
+      </p:sp>
+      <p:sp>
+        <p:nvSpPr>
+          <p:cNvPr id="3" name="Content Placeholder 2"/>
+          <p:cNvSpPr>
+            <a:spLocks noGrp="1"/>
+          </p:cNvSpPr>
+          <p:nvPr>
+            <p:ph idx="1"/>
+          </p:nvPr>
+        </p:nvSpPr>
+        <p:spPr/>
+        <p:txBody>
+          <a:bodyPr/>
+          <a:lstStyle/>
+          <a:p>
+            <a:r>
+              <a:rPr lang="en-US" dirty="0"/>
+              <a:t>One of the biggest problems</a:t>
+            </a:r>
+          </a:p>
+          <a:p>
+            <a:r>
+              <a:rPr lang="en-US" dirty="0"/>
+              <a:t>Scratch code -&gt; adapting existing code</a:t>
+            </a:r>
+          </a:p>
+          <a:p>
+            <a:r>
+              <a:rPr lang="en-US" dirty="0"/>
+              <a:t>Not understanding code</a:t>
+            </a:r>
+          </a:p>
+          <a:p>
+            <a:r>
+              <a:rPr lang="en-US" dirty="0"/>
+              <a:t>Contact with </a:t>
+            </a:r>
+            <a:r>
+              <a:rPr lang="en-US"/>
+              <a:t>code creator</a:t>
+            </a:r>
+            <a:endParaRPr lang="en-US" dirty="0"/>
+          </a:p>
+        </p:txBody>
+      </p:sp>
+    </p:spTree>
+    <p:extLst>
+      <p:ext uri="{BB962C8B-B14F-4D97-AF65-F5344CB8AC3E}">
+        <p14:creationId xmlns:p14="http://schemas.microsoft.com/office/powerpoint/2010/main" val="341279170"/>
+      </p:ext>
+    </p:extLst>
+  </p:cSld>
+  <p:clrMapOvr>
+    <a:masterClrMapping/>
+  </p:clrMapOvr>
+</p:sld>
+</file>
+
+<file path=ppt/slides/slide22.xml><?xml version="1.0" encoding="utf-8"?>
 <p:sld xmlns:a="http://schemas.openxmlformats.org/drawingml/2006/main" xmlns:r="http://schemas.openxmlformats.org/officeDocument/2006/relationships" xmlns:p="http://schemas.openxmlformats.org/presentationml/2006/main">
   <p:cSld>
     <p:spTree>
@@ -5502,7 +5726,7 @@
 </p:sld>
 </file>
 
-<file path=ppt/slides/slide21.xml><?xml version="1.0" encoding="utf-8"?>
+<file path=ppt/slides/slide23.xml><?xml version="1.0" encoding="utf-8"?>
 <p:sld xmlns:a="http://schemas.openxmlformats.org/drawingml/2006/main" xmlns:r="http://schemas.openxmlformats.org/officeDocument/2006/relationships" xmlns:p="http://schemas.openxmlformats.org/presentationml/2006/main">
   <p:cSld>
     <p:spTree>
@@ -5592,7 +5816,7 @@
 </p:sld>
 </file>
 
-<file path=ppt/slides/slide22.xml><?xml version="1.0" encoding="utf-8"?>
+<file path=ppt/slides/slide24.xml><?xml version="1.0" encoding="utf-8"?>
 <p:sld xmlns:a="http://schemas.openxmlformats.org/drawingml/2006/main" xmlns:r="http://schemas.openxmlformats.org/officeDocument/2006/relationships" xmlns:p="http://schemas.openxmlformats.org/presentationml/2006/main">
   <p:cSld>
     <p:spTree>

--- a/Project Documents/Progress Report 2/Progress report.pptx
+++ b/Project Documents/Progress Report 2/Progress report.pptx
@@ -8,27 +8,31 @@
     <p:sldId id="256" r:id="rId2"/>
     <p:sldId id="257" r:id="rId3"/>
     <p:sldId id="292" r:id="rId4"/>
-    <p:sldId id="299" r:id="rId5"/>
-    <p:sldId id="305" r:id="rId6"/>
-    <p:sldId id="304" r:id="rId7"/>
-    <p:sldId id="303" r:id="rId8"/>
-    <p:sldId id="300" r:id="rId9"/>
-    <p:sldId id="301" r:id="rId10"/>
-    <p:sldId id="302" r:id="rId11"/>
-    <p:sldId id="306" r:id="rId12"/>
-    <p:sldId id="307" r:id="rId13"/>
-    <p:sldId id="308" r:id="rId14"/>
-    <p:sldId id="297" r:id="rId15"/>
-    <p:sldId id="277" r:id="rId16"/>
-    <p:sldId id="278" r:id="rId17"/>
-    <p:sldId id="279" r:id="rId18"/>
-    <p:sldId id="280" r:id="rId19"/>
-    <p:sldId id="281" r:id="rId20"/>
-    <p:sldId id="282" r:id="rId21"/>
-    <p:sldId id="309" r:id="rId22"/>
-    <p:sldId id="293" r:id="rId23"/>
-    <p:sldId id="276" r:id="rId24"/>
-    <p:sldId id="295" r:id="rId25"/>
+    <p:sldId id="310" r:id="rId5"/>
+    <p:sldId id="299" r:id="rId6"/>
+    <p:sldId id="305" r:id="rId7"/>
+    <p:sldId id="304" r:id="rId8"/>
+    <p:sldId id="303" r:id="rId9"/>
+    <p:sldId id="300" r:id="rId10"/>
+    <p:sldId id="301" r:id="rId11"/>
+    <p:sldId id="302" r:id="rId12"/>
+    <p:sldId id="306" r:id="rId13"/>
+    <p:sldId id="307" r:id="rId14"/>
+    <p:sldId id="311" r:id="rId15"/>
+    <p:sldId id="312" r:id="rId16"/>
+    <p:sldId id="308" r:id="rId17"/>
+    <p:sldId id="297" r:id="rId18"/>
+    <p:sldId id="277" r:id="rId19"/>
+    <p:sldId id="278" r:id="rId20"/>
+    <p:sldId id="279" r:id="rId21"/>
+    <p:sldId id="280" r:id="rId22"/>
+    <p:sldId id="281" r:id="rId23"/>
+    <p:sldId id="282" r:id="rId24"/>
+    <p:sldId id="309" r:id="rId25"/>
+    <p:sldId id="313" r:id="rId26"/>
+    <p:sldId id="293" r:id="rId27"/>
+    <p:sldId id="276" r:id="rId28"/>
+    <p:sldId id="295" r:id="rId29"/>
   </p:sldIdLst>
   <p:sldSz cx="12192000" cy="6858000"/>
   <p:notesSz cx="6858000" cy="9144000"/>
@@ -3947,6 +3951,125 @@
           <a:p>
             <a:r>
               <a:rPr lang="en-US" dirty="0"/>
+              <a:t>Express.js	</a:t>
+            </a:r>
+          </a:p>
+        </p:txBody>
+      </p:sp>
+      <p:sp>
+        <p:nvSpPr>
+          <p:cNvPr id="3" name="Content Placeholder 2"/>
+          <p:cNvSpPr>
+            <a:spLocks noGrp="1"/>
+          </p:cNvSpPr>
+          <p:nvPr>
+            <p:ph idx="1"/>
+          </p:nvPr>
+        </p:nvSpPr>
+        <p:spPr/>
+        <p:txBody>
+          <a:bodyPr/>
+          <a:lstStyle/>
+          <a:p>
+            <a:r>
+              <a:rPr lang="en-US" dirty="0"/>
+              <a:t>Utilized by Vrok.it and API already</a:t>
+            </a:r>
+          </a:p>
+          <a:p>
+            <a:r>
+              <a:rPr lang="en-US" dirty="0"/>
+              <a:t>Node.js web app framework</a:t>
+            </a:r>
+          </a:p>
+          <a:p>
+            <a:r>
+              <a:rPr lang="en-US" dirty="0"/>
+              <a:t>Matches on request sent to server</a:t>
+            </a:r>
+          </a:p>
+          <a:p>
+            <a:endParaRPr lang="en-US" dirty="0"/>
+          </a:p>
+        </p:txBody>
+      </p:sp>
+      <p:pic>
+        <p:nvPicPr>
+          <p:cNvPr id="4" name="Picture 3"/>
+          <p:cNvPicPr>
+            <a:picLocks noChangeAspect="1"/>
+          </p:cNvPicPr>
+          <p:nvPr/>
+        </p:nvPicPr>
+        <p:blipFill>
+          <a:blip r:embed="rId2">
+            <a:extLst>
+              <a:ext uri="{28A0092B-C50C-407E-A947-70E740481C1C}">
+                <a14:useLocalDpi xmlns:a14="http://schemas.microsoft.com/office/drawing/2010/main" val="0"/>
+              </a:ext>
+            </a:extLst>
+          </a:blip>
+          <a:stretch>
+            <a:fillRect/>
+          </a:stretch>
+        </p:blipFill>
+        <p:spPr>
+          <a:xfrm>
+            <a:off x="5268408" y="2496773"/>
+            <a:ext cx="5887272" cy="3372321"/>
+          </a:xfrm>
+          <a:prstGeom prst="rect">
+            <a:avLst/>
+          </a:prstGeom>
+        </p:spPr>
+      </p:pic>
+    </p:spTree>
+    <p:extLst>
+      <p:ext uri="{BB962C8B-B14F-4D97-AF65-F5344CB8AC3E}">
+        <p14:creationId xmlns:p14="http://schemas.microsoft.com/office/powerpoint/2010/main" val="3351494084"/>
+      </p:ext>
+    </p:extLst>
+  </p:cSld>
+  <p:clrMapOvr>
+    <a:masterClrMapping/>
+  </p:clrMapOvr>
+</p:sld>
+</file>
+
+<file path=ppt/slides/slide11.xml><?xml version="1.0" encoding="utf-8"?>
+<p:sld xmlns:a="http://schemas.openxmlformats.org/drawingml/2006/main" xmlns:r="http://schemas.openxmlformats.org/officeDocument/2006/relationships" xmlns:p="http://schemas.openxmlformats.org/presentationml/2006/main">
+  <p:cSld>
+    <p:spTree>
+      <p:nvGrpSpPr>
+        <p:cNvPr id="1" name=""/>
+        <p:cNvGrpSpPr/>
+        <p:nvPr/>
+      </p:nvGrpSpPr>
+      <p:grpSpPr>
+        <a:xfrm>
+          <a:off x="0" y="0"/>
+          <a:ext cx="0" cy="0"/>
+          <a:chOff x="0" y="0"/>
+          <a:chExt cx="0" cy="0"/>
+        </a:xfrm>
+      </p:grpSpPr>
+      <p:sp>
+        <p:nvSpPr>
+          <p:cNvPr id="2" name="Title 1"/>
+          <p:cNvSpPr>
+            <a:spLocks noGrp="1"/>
+          </p:cNvSpPr>
+          <p:nvPr>
+            <p:ph type="title"/>
+          </p:nvPr>
+        </p:nvSpPr>
+        <p:spPr/>
+        <p:txBody>
+          <a:bodyPr/>
+          <a:lstStyle/>
+          <a:p>
+            <a:r>
+              <a:rPr lang="en-US" dirty="0"/>
               <a:t>3-Legged Authentication</a:t>
             </a:r>
           </a:p>
@@ -4121,7 +4244,7 @@
 </p:sld>
 </file>
 
-<file path=ppt/slides/slide11.xml><?xml version="1.0" encoding="utf-8"?>
+<file path=ppt/slides/slide12.xml><?xml version="1.0" encoding="utf-8"?>
 <p:sld xmlns:a="http://schemas.openxmlformats.org/drawingml/2006/main" xmlns:r="http://schemas.openxmlformats.org/officeDocument/2006/relationships" xmlns:p="http://schemas.openxmlformats.org/presentationml/2006/main">
   <p:cSld>
     <p:spTree>
@@ -4213,7 +4336,7 @@
 </p:sld>
 </file>
 
-<file path=ppt/slides/slide12.xml><?xml version="1.0" encoding="utf-8"?>
+<file path=ppt/slides/slide13.xml><?xml version="1.0" encoding="utf-8"?>
 <p:sld xmlns:a="http://schemas.openxmlformats.org/drawingml/2006/main" xmlns:r="http://schemas.openxmlformats.org/officeDocument/2006/relationships" xmlns:p="http://schemas.openxmlformats.org/presentationml/2006/main">
   <p:cSld>
     <p:spTree>
@@ -4338,131 +4461,6 @@
 </p:sld>
 </file>
 
-<file path=ppt/slides/slide13.xml><?xml version="1.0" encoding="utf-8"?>
-<p:sld xmlns:a="http://schemas.openxmlformats.org/drawingml/2006/main" xmlns:r="http://schemas.openxmlformats.org/officeDocument/2006/relationships" xmlns:p="http://schemas.openxmlformats.org/presentationml/2006/main">
-  <p:cSld>
-    <p:spTree>
-      <p:nvGrpSpPr>
-        <p:cNvPr id="1" name=""/>
-        <p:cNvGrpSpPr/>
-        <p:nvPr/>
-      </p:nvGrpSpPr>
-      <p:grpSpPr>
-        <a:xfrm>
-          <a:off x="0" y="0"/>
-          <a:ext cx="0" cy="0"/>
-          <a:chOff x="0" y="0"/>
-          <a:chExt cx="0" cy="0"/>
-        </a:xfrm>
-      </p:grpSpPr>
-      <p:sp>
-        <p:nvSpPr>
-          <p:cNvPr id="2" name="Title 1"/>
-          <p:cNvSpPr>
-            <a:spLocks noGrp="1"/>
-          </p:cNvSpPr>
-          <p:nvPr>
-            <p:ph type="title"/>
-          </p:nvPr>
-        </p:nvSpPr>
-        <p:spPr/>
-        <p:txBody>
-          <a:bodyPr/>
-          <a:lstStyle/>
-          <a:p>
-            <a:r>
-              <a:rPr lang="en-US" dirty="0"/>
-              <a:t>Remaining Tasks</a:t>
-            </a:r>
-          </a:p>
-        </p:txBody>
-      </p:sp>
-      <p:sp>
-        <p:nvSpPr>
-          <p:cNvPr id="3" name="Content Placeholder 2"/>
-          <p:cNvSpPr>
-            <a:spLocks noGrp="1"/>
-          </p:cNvSpPr>
-          <p:nvPr>
-            <p:ph idx="1"/>
-          </p:nvPr>
-        </p:nvSpPr>
-        <p:spPr/>
-        <p:txBody>
-          <a:bodyPr/>
-          <a:lstStyle/>
-          <a:p>
-            <a:pPr marL="201168" lvl="1" indent="0">
-              <a:buNone/>
-            </a:pPr>
-            <a:endParaRPr lang="en-US" dirty="0"/>
-          </a:p>
-          <a:p>
-            <a:pPr marL="201168" lvl="1" indent="0">
-              <a:buNone/>
-            </a:pPr>
-            <a:r>
-              <a:rPr lang="en-US" dirty="0"/>
-              <a:t>CURRENT - Authentication</a:t>
-            </a:r>
-          </a:p>
-          <a:p>
-            <a:pPr marL="201168" lvl="1" indent="0">
-              <a:buNone/>
-            </a:pPr>
-            <a:r>
-              <a:rPr lang="en-US" dirty="0"/>
-              <a:t>Data Management functional</a:t>
-            </a:r>
-          </a:p>
-          <a:p>
-            <a:pPr marL="201168" lvl="1" indent="0">
-              <a:buNone/>
-            </a:pPr>
-            <a:r>
-              <a:rPr lang="en-US" dirty="0"/>
-              <a:t>Updated UI</a:t>
-            </a:r>
-          </a:p>
-          <a:p>
-            <a:pPr marL="201168" lvl="1" indent="0">
-              <a:buNone/>
-            </a:pPr>
-            <a:r>
-              <a:rPr lang="en-US" dirty="0"/>
-              <a:t>Updated Viewer</a:t>
-            </a:r>
-          </a:p>
-          <a:p>
-            <a:pPr marL="201168" lvl="1" indent="0">
-              <a:buNone/>
-            </a:pPr>
-            <a:r>
-              <a:rPr lang="en-US" dirty="0"/>
-              <a:t>Google Cardboard </a:t>
-            </a:r>
-          </a:p>
-          <a:p>
-            <a:pPr marL="201168" lvl="1" indent="0">
-              <a:buNone/>
-            </a:pPr>
-            <a:endParaRPr lang="en-US" dirty="0"/>
-          </a:p>
-        </p:txBody>
-      </p:sp>
-    </p:spTree>
-    <p:extLst>
-      <p:ext uri="{BB962C8B-B14F-4D97-AF65-F5344CB8AC3E}">
-        <p14:creationId xmlns:p14="http://schemas.microsoft.com/office/powerpoint/2010/main" val="800209894"/>
-      </p:ext>
-    </p:extLst>
-  </p:cSld>
-  <p:clrMapOvr>
-    <a:masterClrMapping/>
-  </p:clrMapOvr>
-</p:sld>
-</file>
-
 <file path=ppt/slides/slide14.xml><?xml version="1.0" encoding="utf-8"?>
 <p:sld xmlns:a="http://schemas.openxmlformats.org/drawingml/2006/main" xmlns:r="http://schemas.openxmlformats.org/officeDocument/2006/relationships" xmlns:p="http://schemas.openxmlformats.org/presentationml/2006/main">
   <p:cSld>
@@ -4497,7 +4495,7 @@
           <a:p>
             <a:r>
               <a:rPr lang="en-US" dirty="0"/>
-              <a:t>Week by week summary</a:t>
+              <a:t>Forge Explorer</a:t>
             </a:r>
           </a:p>
         </p:txBody>
@@ -4517,14 +4515,43 @@
           <a:bodyPr/>
           <a:lstStyle/>
           <a:p>
-            <a:endParaRPr lang="en-US"/>
+            <a:r>
+              <a:rPr lang="en-US" dirty="0"/>
+              <a:t>Adjustable set of controls within </a:t>
+            </a:r>
+            <a:r>
+              <a:rPr lang="en-US" dirty="0" err="1"/>
+              <a:t>javascript</a:t>
+            </a:r>
+            <a:r>
+              <a:rPr lang="en-US" dirty="0"/>
+              <a:t> extension through the API</a:t>
+            </a:r>
+          </a:p>
+          <a:p>
+            <a:r>
+              <a:rPr lang="en-US" dirty="0"/>
+              <a:t>Plan to enable keyboard controls soon now that models are loading</a:t>
+            </a:r>
+          </a:p>
+          <a:p>
+            <a:r>
+              <a:rPr lang="en-US" dirty="0"/>
+              <a:t>Stereoscopic views soon to be improved</a:t>
+            </a:r>
+          </a:p>
+          <a:p>
+            <a:r>
+              <a:rPr lang="en-US" dirty="0"/>
+              <a:t>Updates to viewer</a:t>
+            </a:r>
           </a:p>
         </p:txBody>
       </p:sp>
     </p:spTree>
     <p:extLst>
       <p:ext uri="{BB962C8B-B14F-4D97-AF65-F5344CB8AC3E}">
-        <p14:creationId xmlns:p14="http://schemas.microsoft.com/office/powerpoint/2010/main" val="4114061100"/>
+        <p14:creationId xmlns:p14="http://schemas.microsoft.com/office/powerpoint/2010/main" val="2430561917"/>
       </p:ext>
     </p:extLst>
   </p:cSld>
@@ -4568,7 +4595,7 @@
           <a:p>
             <a:r>
               <a:rPr lang="en-US" dirty="0"/>
-              <a:t>Winter Week 1</a:t>
+              <a:t>Data Management</a:t>
             </a:r>
           </a:p>
         </p:txBody>
@@ -4590,13 +4617,19 @@
           <a:p>
             <a:r>
               <a:rPr lang="en-US" dirty="0"/>
-              <a:t>Began to get the website set up</a:t>
-            </a:r>
-          </a:p>
-          <a:p>
-            <a:r>
-              <a:rPr lang="en-US" dirty="0"/>
-              <a:t>Planned on using github.io</a:t>
+              <a:t>Locked behind authentication</a:t>
+            </a:r>
+          </a:p>
+          <a:p>
+            <a:r>
+              <a:rPr lang="en-US" dirty="0"/>
+              <a:t>Uses API token stored in session</a:t>
+            </a:r>
+          </a:p>
+          <a:p>
+            <a:r>
+              <a:rPr lang="en-US" dirty="0"/>
+              <a:t>Loads models from project buckets</a:t>
             </a:r>
           </a:p>
           <a:p>
@@ -4607,7 +4640,7 @@
     </p:spTree>
     <p:extLst>
       <p:ext uri="{BB962C8B-B14F-4D97-AF65-F5344CB8AC3E}">
-        <p14:creationId xmlns:p14="http://schemas.microsoft.com/office/powerpoint/2010/main" val="3357475344"/>
+        <p14:creationId xmlns:p14="http://schemas.microsoft.com/office/powerpoint/2010/main" val="3045403286"/>
       </p:ext>
     </p:extLst>
   </p:cSld>
@@ -4651,7 +4684,7 @@
           <a:p>
             <a:r>
               <a:rPr lang="en-US" dirty="0"/>
-              <a:t>Winter Week 2</a:t>
+              <a:t>Remaining Tasks</a:t>
             </a:r>
           </a:p>
         </p:txBody>
@@ -4671,55 +4704,77 @@
           <a:bodyPr/>
           <a:lstStyle/>
           <a:p>
-            <a:pPr marL="457200" lvl="1" indent="0">
+            <a:pPr marL="201168" lvl="1" indent="0">
               <a:buNone/>
             </a:pPr>
-            <a:r>
-              <a:rPr lang="en-US" dirty="0"/>
-              <a:t>Website was more difficult to get setup than we initially thought</a:t>
-            </a:r>
-          </a:p>
-          <a:p>
-            <a:pPr marL="457200" lvl="1" indent="0">
+            <a:endParaRPr lang="en-US" dirty="0"/>
+          </a:p>
+          <a:p>
+            <a:pPr marL="201168" lvl="1" indent="0">
               <a:buNone/>
             </a:pPr>
             <a:r>
               <a:rPr lang="en-US" dirty="0"/>
-              <a:t>switched from using github.io to </a:t>
-            </a:r>
-            <a:r>
-              <a:rPr lang="en-US" dirty="0" err="1"/>
-              <a:t>heroku</a:t>
-            </a:r>
-            <a:r>
-              <a:rPr lang="en-US" dirty="0"/>
-              <a:t> for server needs</a:t>
-            </a:r>
-          </a:p>
-          <a:p>
-            <a:pPr marL="457200" lvl="1" indent="0">
+              <a:t>CURRENT - Authentication</a:t>
+            </a:r>
+          </a:p>
+          <a:p>
+            <a:pPr marL="201168" lvl="1" indent="0">
               <a:buNone/>
             </a:pPr>
             <a:r>
               <a:rPr lang="en-US" dirty="0"/>
-              <a:t>Had to swap out credentials to get site to work properly</a:t>
-            </a:r>
-          </a:p>
-          <a:p>
-            <a:pPr marL="457200" lvl="1" indent="0">
+              <a:t>Data Management functionality</a:t>
+            </a:r>
+          </a:p>
+          <a:p>
+            <a:pPr marL="201168" lvl="1" indent="0">
               <a:buNone/>
             </a:pPr>
             <a:r>
               <a:rPr lang="en-US" dirty="0"/>
-              <a:t>Site up and running</a:t>
-            </a:r>
+              <a:t>Site Usability</a:t>
+            </a:r>
+          </a:p>
+          <a:p>
+            <a:pPr marL="201168" lvl="1" indent="0">
+              <a:buNone/>
+            </a:pPr>
+            <a:r>
+              <a:rPr lang="en-US" dirty="0"/>
+              <a:t>Updated UI</a:t>
+            </a:r>
+          </a:p>
+          <a:p>
+            <a:pPr marL="201168" lvl="1" indent="0">
+              <a:buNone/>
+            </a:pPr>
+            <a:r>
+              <a:rPr lang="en-US" dirty="0"/>
+              <a:t>Updated Viewer</a:t>
+            </a:r>
+          </a:p>
+          <a:p>
+            <a:pPr marL="201168" lvl="1" indent="0">
+              <a:buNone/>
+            </a:pPr>
+            <a:r>
+              <a:rPr lang="en-US" dirty="0"/>
+              <a:t>Google Cardboard </a:t>
+            </a:r>
+          </a:p>
+          <a:p>
+            <a:pPr marL="201168" lvl="1" indent="0">
+              <a:buNone/>
+            </a:pPr>
+            <a:endParaRPr lang="en-US" dirty="0"/>
           </a:p>
         </p:txBody>
       </p:sp>
     </p:spTree>
     <p:extLst>
       <p:ext uri="{BB962C8B-B14F-4D97-AF65-F5344CB8AC3E}">
-        <p14:creationId xmlns:p14="http://schemas.microsoft.com/office/powerpoint/2010/main" val="3816315661"/>
+        <p14:creationId xmlns:p14="http://schemas.microsoft.com/office/powerpoint/2010/main" val="800209894"/>
       </p:ext>
     </p:extLst>
   </p:cSld>
@@ -4763,7 +4818,7 @@
           <a:p>
             <a:r>
               <a:rPr lang="en-US" dirty="0"/>
-              <a:t>Winter Week 3</a:t>
+              <a:t>Week by week summary</a:t>
             </a:r>
           </a:p>
         </p:txBody>
@@ -4783,29 +4838,14 @@
           <a:bodyPr/>
           <a:lstStyle/>
           <a:p>
-            <a:r>
-              <a:rPr lang="en-US" dirty="0"/>
-              <a:t>Troubles setting up file bucket (never used curl before)</a:t>
-            </a:r>
-          </a:p>
-          <a:p>
-            <a:r>
-              <a:rPr lang="en-US" dirty="0"/>
-              <a:t>Got the bucket setup that will hold the files</a:t>
-            </a:r>
-          </a:p>
-          <a:p>
-            <a:r>
-              <a:rPr lang="en-US" dirty="0"/>
-              <a:t>Met with Kean and Patti</a:t>
-            </a:r>
+            <a:endParaRPr lang="en-US"/>
           </a:p>
         </p:txBody>
       </p:sp>
     </p:spTree>
     <p:extLst>
       <p:ext uri="{BB962C8B-B14F-4D97-AF65-F5344CB8AC3E}">
-        <p14:creationId xmlns:p14="http://schemas.microsoft.com/office/powerpoint/2010/main" val="1610455051"/>
+        <p14:creationId xmlns:p14="http://schemas.microsoft.com/office/powerpoint/2010/main" val="4114061100"/>
       </p:ext>
     </p:extLst>
   </p:cSld>
@@ -4849,7 +4889,7 @@
           <a:p>
             <a:r>
               <a:rPr lang="en-US" dirty="0"/>
-              <a:t>Winter Week 4</a:t>
+              <a:t>Winter Week 1</a:t>
             </a:r>
           </a:p>
         </p:txBody>
@@ -4871,32 +4911,23 @@
           <a:p>
             <a:r>
               <a:rPr lang="en-US" dirty="0"/>
-              <a:t>Local file restriction complete</a:t>
-            </a:r>
-          </a:p>
-          <a:p>
-            <a:r>
-              <a:rPr lang="en-US" dirty="0"/>
-              <a:t>Began working on 3-legged Authentication</a:t>
-            </a:r>
-          </a:p>
-          <a:p>
-            <a:r>
-              <a:rPr lang="en-US" dirty="0"/>
-              <a:t>Found this would be very hard to do from scratch</a:t>
-            </a:r>
-          </a:p>
-          <a:p>
-            <a:r>
-              <a:rPr lang="en-US" dirty="0"/>
-              <a:t>Found an API that did exactly what we want</a:t>
-            </a:r>
-          </a:p>
-          <a:p>
-            <a:r>
-              <a:rPr lang="en-US" dirty="0"/>
-              <a:t>Spoke with Kean about the API we found and decided it would be best to integrate that</a:t>
-            </a:r>
+              <a:t>Began to get the website set up</a:t>
+            </a:r>
+          </a:p>
+          <a:p>
+            <a:r>
+              <a:rPr lang="en-US" dirty="0"/>
+              <a:t>Planned on using github.io</a:t>
+            </a:r>
+          </a:p>
+          <a:p>
+            <a:r>
+              <a:rPr lang="en-US" dirty="0"/>
+              <a:t>Layout changes, moving index files</a:t>
+            </a:r>
+          </a:p>
+          <a:p>
+            <a:endParaRPr lang="en-US" dirty="0"/>
           </a:p>
           <a:p>
             <a:endParaRPr lang="en-US" dirty="0"/>
@@ -4906,7 +4937,7 @@
     </p:spTree>
     <p:extLst>
       <p:ext uri="{BB962C8B-B14F-4D97-AF65-F5344CB8AC3E}">
-        <p14:creationId xmlns:p14="http://schemas.microsoft.com/office/powerpoint/2010/main" val="270471938"/>
+        <p14:creationId xmlns:p14="http://schemas.microsoft.com/office/powerpoint/2010/main" val="3357475344"/>
       </p:ext>
     </p:extLst>
   </p:cSld>
@@ -4950,7 +4981,7 @@
           <a:p>
             <a:r>
               <a:rPr lang="en-US" dirty="0"/>
-              <a:t>Winter Week 5</a:t>
+              <a:t>Winter Week 2</a:t>
             </a:r>
           </a:p>
         </p:txBody>
@@ -4970,21 +5001,47 @@
           <a:bodyPr/>
           <a:lstStyle/>
           <a:p>
-            <a:r>
-              <a:rPr lang="en-US" dirty="0"/>
-              <a:t>Began Integration of API</a:t>
-            </a:r>
-          </a:p>
-          <a:p>
-            <a:r>
-              <a:rPr lang="en-US" dirty="0"/>
-              <a:t>Ran into many problems with the integration</a:t>
-            </a:r>
-          </a:p>
-          <a:p>
-            <a:r>
-              <a:rPr lang="en-US" dirty="0"/>
-              <a:t>Kean suggested that he could bring in the person that created the API to help</a:t>
+            <a:pPr marL="457200" lvl="1" indent="0">
+              <a:buNone/>
+            </a:pPr>
+            <a:r>
+              <a:rPr lang="en-US" dirty="0"/>
+              <a:t>Website was more difficult to get setup than we initially thought</a:t>
+            </a:r>
+          </a:p>
+          <a:p>
+            <a:pPr marL="457200" lvl="1" indent="0">
+              <a:buNone/>
+            </a:pPr>
+            <a:r>
+              <a:rPr lang="en-US" dirty="0"/>
+              <a:t>switched from using github.io to </a:t>
+            </a:r>
+            <a:r>
+              <a:rPr lang="en-US" dirty="0" err="1"/>
+              <a:t>heroku</a:t>
+            </a:r>
+            <a:r>
+              <a:rPr lang="en-US" dirty="0"/>
+              <a:t> for server needs</a:t>
+            </a:r>
+          </a:p>
+          <a:p>
+            <a:pPr marL="457200" lvl="1" indent="0">
+              <a:buNone/>
+            </a:pPr>
+            <a:r>
+              <a:rPr lang="en-US" dirty="0"/>
+              <a:t>Had to swap out credentials to get site to work properly</a:t>
+            </a:r>
+          </a:p>
+          <a:p>
+            <a:pPr marL="457200" lvl="1" indent="0">
+              <a:buNone/>
+            </a:pPr>
+            <a:r>
+              <a:rPr lang="en-US" dirty="0"/>
+              <a:t>Site up and running</a:t>
             </a:r>
           </a:p>
         </p:txBody>
@@ -4992,7 +5049,7 @@
     </p:spTree>
     <p:extLst>
       <p:ext uri="{BB962C8B-B14F-4D97-AF65-F5344CB8AC3E}">
-        <p14:creationId xmlns:p14="http://schemas.microsoft.com/office/powerpoint/2010/main" val="4206706309"/>
+        <p14:creationId xmlns:p14="http://schemas.microsoft.com/office/powerpoint/2010/main" val="3816315661"/>
       </p:ext>
     </p:extLst>
   </p:cSld>
@@ -5140,7 +5197,7 @@
           <a:p>
             <a:r>
               <a:rPr lang="en-US" dirty="0"/>
-              <a:t>Winter Week 6</a:t>
+              <a:t>Winter Week 3</a:t>
             </a:r>
           </a:p>
         </p:txBody>
@@ -5162,21 +5219,30 @@
           <a:p>
             <a:r>
               <a:rPr lang="en-US" dirty="0"/>
-              <a:t>Continued to work on integration</a:t>
-            </a:r>
-          </a:p>
-          <a:p>
-            <a:r>
-              <a:rPr lang="en-US" dirty="0"/>
-              <a:t>Worked on revision for documents to reflect where the project is currently</a:t>
-            </a:r>
+              <a:t>Troubles setting up file bucket (never used curl before)</a:t>
+            </a:r>
+          </a:p>
+          <a:p>
+            <a:r>
+              <a:rPr lang="en-US" dirty="0"/>
+              <a:t>Got the bucket setup that will hold the files</a:t>
+            </a:r>
+          </a:p>
+          <a:p>
+            <a:r>
+              <a:rPr lang="en-US" dirty="0"/>
+              <a:t>Met with Kean and Patti</a:t>
+            </a:r>
+          </a:p>
+          <a:p>
+            <a:endParaRPr lang="en-US" dirty="0"/>
           </a:p>
         </p:txBody>
       </p:sp>
     </p:spTree>
     <p:extLst>
       <p:ext uri="{BB962C8B-B14F-4D97-AF65-F5344CB8AC3E}">
-        <p14:creationId xmlns:p14="http://schemas.microsoft.com/office/powerpoint/2010/main" val="2635992290"/>
+        <p14:creationId xmlns:p14="http://schemas.microsoft.com/office/powerpoint/2010/main" val="1610455051"/>
       </p:ext>
     </p:extLst>
   </p:cSld>
@@ -5220,7 +5286,7 @@
           <a:p>
             <a:r>
               <a:rPr lang="en-US" dirty="0"/>
-              <a:t>Problem &amp; Solution - Authentication</a:t>
+              <a:t>Winter Week 4</a:t>
             </a:r>
           </a:p>
         </p:txBody>
@@ -5242,30 +5308,34 @@
           <a:p>
             <a:r>
               <a:rPr lang="en-US" dirty="0"/>
-              <a:t>One of the biggest problems</a:t>
-            </a:r>
-          </a:p>
-          <a:p>
-            <a:r>
-              <a:rPr lang="en-US" dirty="0"/>
-              <a:t>Scratch code -&gt; adapting existing code</a:t>
-            </a:r>
-          </a:p>
-          <a:p>
-            <a:r>
-              <a:rPr lang="en-US" dirty="0"/>
-              <a:t>Not understanding code</a:t>
-            </a:r>
-          </a:p>
-          <a:p>
-            <a:r>
-              <a:rPr lang="en-US" dirty="0"/>
-              <a:t>Contact with </a:t>
-            </a:r>
-            <a:r>
-              <a:rPr lang="en-US"/>
-              <a:t>code creator</a:t>
-            </a:r>
+              <a:t>Local file restriction complete</a:t>
+            </a:r>
+          </a:p>
+          <a:p>
+            <a:r>
+              <a:rPr lang="en-US" dirty="0"/>
+              <a:t>Began working on 3-legged Authentication</a:t>
+            </a:r>
+          </a:p>
+          <a:p>
+            <a:r>
+              <a:rPr lang="en-US" dirty="0"/>
+              <a:t>Found this would be very hard to do from scratch</a:t>
+            </a:r>
+          </a:p>
+          <a:p>
+            <a:r>
+              <a:rPr lang="en-US" dirty="0"/>
+              <a:t>Found an API that did exactly what we want</a:t>
+            </a:r>
+          </a:p>
+          <a:p>
+            <a:r>
+              <a:rPr lang="en-US" dirty="0"/>
+              <a:t>Spoke with Kean about the API we found and decided it would be best to integrate that</a:t>
+            </a:r>
+          </a:p>
+          <a:p>
             <a:endParaRPr lang="en-US" dirty="0"/>
           </a:p>
         </p:txBody>
@@ -5273,7 +5343,7 @@
     </p:spTree>
     <p:extLst>
       <p:ext uri="{BB962C8B-B14F-4D97-AF65-F5344CB8AC3E}">
-        <p14:creationId xmlns:p14="http://schemas.microsoft.com/office/powerpoint/2010/main" val="341279170"/>
+        <p14:creationId xmlns:p14="http://schemas.microsoft.com/office/powerpoint/2010/main" val="270471938"/>
       </p:ext>
     </p:extLst>
   </p:cSld>
@@ -5317,6 +5387,388 @@
           <a:p>
             <a:r>
               <a:rPr lang="en-US" dirty="0"/>
+              <a:t>Winter Week 5</a:t>
+            </a:r>
+          </a:p>
+        </p:txBody>
+      </p:sp>
+      <p:sp>
+        <p:nvSpPr>
+          <p:cNvPr id="3" name="Content Placeholder 2"/>
+          <p:cNvSpPr>
+            <a:spLocks noGrp="1"/>
+          </p:cNvSpPr>
+          <p:nvPr>
+            <p:ph idx="1"/>
+          </p:nvPr>
+        </p:nvSpPr>
+        <p:spPr/>
+        <p:txBody>
+          <a:bodyPr/>
+          <a:lstStyle/>
+          <a:p>
+            <a:r>
+              <a:rPr lang="en-US" dirty="0"/>
+              <a:t>Began Integration of API</a:t>
+            </a:r>
+          </a:p>
+          <a:p>
+            <a:r>
+              <a:rPr lang="en-US" dirty="0"/>
+              <a:t>Ran into many problems with the integration</a:t>
+            </a:r>
+          </a:p>
+          <a:p>
+            <a:r>
+              <a:rPr lang="en-US" dirty="0"/>
+              <a:t>Kean suggested that he could bring in the person that created the API to help</a:t>
+            </a:r>
+          </a:p>
+        </p:txBody>
+      </p:sp>
+    </p:spTree>
+    <p:extLst>
+      <p:ext uri="{BB962C8B-B14F-4D97-AF65-F5344CB8AC3E}">
+        <p14:creationId xmlns:p14="http://schemas.microsoft.com/office/powerpoint/2010/main" val="4206706309"/>
+      </p:ext>
+    </p:extLst>
+  </p:cSld>
+  <p:clrMapOvr>
+    <a:masterClrMapping/>
+  </p:clrMapOvr>
+</p:sld>
+</file>
+
+<file path=ppt/slides/slide23.xml><?xml version="1.0" encoding="utf-8"?>
+<p:sld xmlns:a="http://schemas.openxmlformats.org/drawingml/2006/main" xmlns:r="http://schemas.openxmlformats.org/officeDocument/2006/relationships" xmlns:p="http://schemas.openxmlformats.org/presentationml/2006/main">
+  <p:cSld>
+    <p:spTree>
+      <p:nvGrpSpPr>
+        <p:cNvPr id="1" name=""/>
+        <p:cNvGrpSpPr/>
+        <p:nvPr/>
+      </p:nvGrpSpPr>
+      <p:grpSpPr>
+        <a:xfrm>
+          <a:off x="0" y="0"/>
+          <a:ext cx="0" cy="0"/>
+          <a:chOff x="0" y="0"/>
+          <a:chExt cx="0" cy="0"/>
+        </a:xfrm>
+      </p:grpSpPr>
+      <p:sp>
+        <p:nvSpPr>
+          <p:cNvPr id="2" name="Title 1"/>
+          <p:cNvSpPr>
+            <a:spLocks noGrp="1"/>
+          </p:cNvSpPr>
+          <p:nvPr>
+            <p:ph type="title"/>
+          </p:nvPr>
+        </p:nvSpPr>
+        <p:spPr/>
+        <p:txBody>
+          <a:bodyPr/>
+          <a:lstStyle/>
+          <a:p>
+            <a:r>
+              <a:rPr lang="en-US" dirty="0"/>
+              <a:t>Winter Week 6</a:t>
+            </a:r>
+          </a:p>
+        </p:txBody>
+      </p:sp>
+      <p:sp>
+        <p:nvSpPr>
+          <p:cNvPr id="3" name="Content Placeholder 2"/>
+          <p:cNvSpPr>
+            <a:spLocks noGrp="1"/>
+          </p:cNvSpPr>
+          <p:nvPr>
+            <p:ph idx="1"/>
+          </p:nvPr>
+        </p:nvSpPr>
+        <p:spPr/>
+        <p:txBody>
+          <a:bodyPr/>
+          <a:lstStyle/>
+          <a:p>
+            <a:r>
+              <a:rPr lang="en-US" dirty="0"/>
+              <a:t>Continued to work on integration</a:t>
+            </a:r>
+          </a:p>
+          <a:p>
+            <a:r>
+              <a:rPr lang="en-US" dirty="0"/>
+              <a:t>Worked on revision for documents to reflect where the project is currently</a:t>
+            </a:r>
+          </a:p>
+        </p:txBody>
+      </p:sp>
+    </p:spTree>
+    <p:extLst>
+      <p:ext uri="{BB962C8B-B14F-4D97-AF65-F5344CB8AC3E}">
+        <p14:creationId xmlns:p14="http://schemas.microsoft.com/office/powerpoint/2010/main" val="2635992290"/>
+      </p:ext>
+    </p:extLst>
+  </p:cSld>
+  <p:clrMapOvr>
+    <a:masterClrMapping/>
+  </p:clrMapOvr>
+</p:sld>
+</file>
+
+<file path=ppt/slides/slide24.xml><?xml version="1.0" encoding="utf-8"?>
+<p:sld xmlns:a="http://schemas.openxmlformats.org/drawingml/2006/main" xmlns:r="http://schemas.openxmlformats.org/officeDocument/2006/relationships" xmlns:p="http://schemas.openxmlformats.org/presentationml/2006/main">
+  <p:cSld>
+    <p:spTree>
+      <p:nvGrpSpPr>
+        <p:cNvPr id="1" name=""/>
+        <p:cNvGrpSpPr/>
+        <p:nvPr/>
+      </p:nvGrpSpPr>
+      <p:grpSpPr>
+        <a:xfrm>
+          <a:off x="0" y="0"/>
+          <a:ext cx="0" cy="0"/>
+          <a:chOff x="0" y="0"/>
+          <a:chExt cx="0" cy="0"/>
+        </a:xfrm>
+      </p:grpSpPr>
+      <p:sp>
+        <p:nvSpPr>
+          <p:cNvPr id="2" name="Title 1"/>
+          <p:cNvSpPr>
+            <a:spLocks noGrp="1"/>
+          </p:cNvSpPr>
+          <p:nvPr>
+            <p:ph type="title"/>
+          </p:nvPr>
+        </p:nvSpPr>
+        <p:spPr/>
+        <p:txBody>
+          <a:bodyPr/>
+          <a:lstStyle/>
+          <a:p>
+            <a:r>
+              <a:rPr lang="en-US" dirty="0"/>
+              <a:t>Problem &amp; Solution - Authentication</a:t>
+            </a:r>
+          </a:p>
+        </p:txBody>
+      </p:sp>
+      <p:sp>
+        <p:nvSpPr>
+          <p:cNvPr id="3" name="Content Placeholder 2"/>
+          <p:cNvSpPr>
+            <a:spLocks noGrp="1"/>
+          </p:cNvSpPr>
+          <p:nvPr>
+            <p:ph idx="1"/>
+          </p:nvPr>
+        </p:nvSpPr>
+        <p:spPr/>
+        <p:txBody>
+          <a:bodyPr/>
+          <a:lstStyle/>
+          <a:p>
+            <a:r>
+              <a:rPr lang="en-US" dirty="0"/>
+              <a:t>One of the biggest problems</a:t>
+            </a:r>
+          </a:p>
+          <a:p>
+            <a:r>
+              <a:rPr lang="en-US" dirty="0"/>
+              <a:t>Scratch code -&gt; adapting existing code</a:t>
+            </a:r>
+          </a:p>
+          <a:p>
+            <a:r>
+              <a:rPr lang="en-US" dirty="0"/>
+              <a:t>Not understanding code</a:t>
+            </a:r>
+          </a:p>
+          <a:p>
+            <a:r>
+              <a:rPr lang="en-US" dirty="0"/>
+              <a:t>Contact with </a:t>
+            </a:r>
+            <a:r>
+              <a:rPr lang="en-US"/>
+              <a:t>code creator</a:t>
+            </a:r>
+            <a:endParaRPr lang="en-US" dirty="0"/>
+          </a:p>
+        </p:txBody>
+      </p:sp>
+    </p:spTree>
+    <p:extLst>
+      <p:ext uri="{BB962C8B-B14F-4D97-AF65-F5344CB8AC3E}">
+        <p14:creationId xmlns:p14="http://schemas.microsoft.com/office/powerpoint/2010/main" val="341279170"/>
+      </p:ext>
+    </p:extLst>
+  </p:cSld>
+  <p:clrMapOvr>
+    <a:masterClrMapping/>
+  </p:clrMapOvr>
+</p:sld>
+</file>
+
+<file path=ppt/slides/slide25.xml><?xml version="1.0" encoding="utf-8"?>
+<p:sld xmlns:a="http://schemas.openxmlformats.org/drawingml/2006/main" xmlns:r="http://schemas.openxmlformats.org/officeDocument/2006/relationships" xmlns:p="http://schemas.openxmlformats.org/presentationml/2006/main">
+  <p:cSld>
+    <p:spTree>
+      <p:nvGrpSpPr>
+        <p:cNvPr id="1" name=""/>
+        <p:cNvGrpSpPr/>
+        <p:nvPr/>
+      </p:nvGrpSpPr>
+      <p:grpSpPr>
+        <a:xfrm>
+          <a:off x="0" y="0"/>
+          <a:ext cx="0" cy="0"/>
+          <a:chOff x="0" y="0"/>
+          <a:chExt cx="0" cy="0"/>
+        </a:xfrm>
+      </p:grpSpPr>
+      <p:sp>
+        <p:nvSpPr>
+          <p:cNvPr id="2" name="Title 1"/>
+          <p:cNvSpPr>
+            <a:spLocks noGrp="1"/>
+          </p:cNvSpPr>
+          <p:nvPr>
+            <p:ph type="title"/>
+          </p:nvPr>
+        </p:nvSpPr>
+        <p:spPr/>
+        <p:txBody>
+          <a:bodyPr/>
+          <a:lstStyle/>
+          <a:p>
+            <a:r>
+              <a:rPr lang="en-US" dirty="0"/>
+              <a:t>Problems &amp; Solutions - Website</a:t>
+            </a:r>
+          </a:p>
+        </p:txBody>
+      </p:sp>
+      <p:sp>
+        <p:nvSpPr>
+          <p:cNvPr id="3" name="Content Placeholder 2"/>
+          <p:cNvSpPr>
+            <a:spLocks noGrp="1"/>
+          </p:cNvSpPr>
+          <p:nvPr>
+            <p:ph idx="1"/>
+          </p:nvPr>
+        </p:nvSpPr>
+        <p:spPr/>
+        <p:txBody>
+          <a:bodyPr/>
+          <a:lstStyle/>
+          <a:p>
+            <a:r>
+              <a:rPr lang="en-US" dirty="0"/>
+              <a:t>Number of problems adjusting site layout</a:t>
+            </a:r>
+          </a:p>
+          <a:p>
+            <a:r>
+              <a:rPr lang="en-US" dirty="0"/>
+              <a:t>Mysterious code</a:t>
+            </a:r>
+          </a:p>
+          <a:p>
+            <a:r>
+              <a:rPr lang="en-US" dirty="0"/>
+              <a:t>Hard to adjust</a:t>
+            </a:r>
+          </a:p>
+          <a:p>
+            <a:r>
+              <a:rPr lang="en-US" dirty="0"/>
+              <a:t>Communication </a:t>
+            </a:r>
+          </a:p>
+          <a:p>
+            <a:r>
+              <a:rPr lang="en-US" dirty="0"/>
+              <a:t>Conflicting stylesheets and index files</a:t>
+            </a:r>
+          </a:p>
+          <a:p>
+            <a:r>
+              <a:rPr lang="en-US" dirty="0"/>
+              <a:t>Hard to debug</a:t>
+            </a:r>
+          </a:p>
+          <a:p>
+            <a:r>
+              <a:rPr lang="en-US" dirty="0"/>
+              <a:t>Website understood better</a:t>
+            </a:r>
+          </a:p>
+          <a:p>
+            <a:r>
+              <a:rPr lang="en-US" dirty="0"/>
+              <a:t>More communication with project team</a:t>
+            </a:r>
+          </a:p>
+          <a:p>
+            <a:endParaRPr lang="en-US" dirty="0"/>
+          </a:p>
+        </p:txBody>
+      </p:sp>
+    </p:spTree>
+    <p:extLst>
+      <p:ext uri="{BB962C8B-B14F-4D97-AF65-F5344CB8AC3E}">
+        <p14:creationId xmlns:p14="http://schemas.microsoft.com/office/powerpoint/2010/main" val="3674816251"/>
+      </p:ext>
+    </p:extLst>
+  </p:cSld>
+  <p:clrMapOvr>
+    <a:masterClrMapping/>
+  </p:clrMapOvr>
+</p:sld>
+</file>
+
+<file path=ppt/slides/slide26.xml><?xml version="1.0" encoding="utf-8"?>
+<p:sld xmlns:a="http://schemas.openxmlformats.org/drawingml/2006/main" xmlns:r="http://schemas.openxmlformats.org/officeDocument/2006/relationships" xmlns:p="http://schemas.openxmlformats.org/presentationml/2006/main">
+  <p:cSld>
+    <p:spTree>
+      <p:nvGrpSpPr>
+        <p:cNvPr id="1" name=""/>
+        <p:cNvGrpSpPr/>
+        <p:nvPr/>
+      </p:nvGrpSpPr>
+      <p:grpSpPr>
+        <a:xfrm>
+          <a:off x="0" y="0"/>
+          <a:ext cx="0" cy="0"/>
+          <a:chOff x="0" y="0"/>
+          <a:chExt cx="0" cy="0"/>
+        </a:xfrm>
+      </p:grpSpPr>
+      <p:sp>
+        <p:nvSpPr>
+          <p:cNvPr id="2" name="Title 1"/>
+          <p:cNvSpPr>
+            <a:spLocks noGrp="1"/>
+          </p:cNvSpPr>
+          <p:nvPr>
+            <p:ph type="title"/>
+          </p:nvPr>
+        </p:nvSpPr>
+        <p:spPr/>
+        <p:txBody>
+          <a:bodyPr/>
+          <a:lstStyle/>
+          <a:p>
+            <a:r>
+              <a:rPr lang="en-US" dirty="0"/>
               <a:t>Problems			Solutions</a:t>
             </a:r>
           </a:p>
@@ -5387,6 +5839,12 @@
               <a:rPr lang="en-US" dirty="0"/>
               <a:t>Faster help seeking</a:t>
             </a:r>
+          </a:p>
+          <a:p>
+            <a:pPr marL="201168" lvl="1" indent="0">
+              <a:buNone/>
+            </a:pPr>
+            <a:endParaRPr lang="en-US" dirty="0"/>
           </a:p>
         </p:txBody>
       </p:sp>
@@ -5726,7 +6184,7 @@
 </p:sld>
 </file>
 
-<file path=ppt/slides/slide23.xml><?xml version="1.0" encoding="utf-8"?>
+<file path=ppt/slides/slide27.xml><?xml version="1.0" encoding="utf-8"?>
 <p:sld xmlns:a="http://schemas.openxmlformats.org/drawingml/2006/main" xmlns:r="http://schemas.openxmlformats.org/officeDocument/2006/relationships" xmlns:p="http://schemas.openxmlformats.org/presentationml/2006/main">
   <p:cSld>
     <p:spTree>
@@ -5794,7 +6252,13 @@
           <a:p>
             <a:r>
               <a:rPr lang="en-US" dirty="0"/>
-              <a:t>Testing?</a:t>
+              <a:t>Addition of movement to the Forge Viewer</a:t>
+            </a:r>
+          </a:p>
+          <a:p>
+            <a:r>
+              <a:rPr lang="en-US" dirty="0"/>
+              <a:t>Testing different models</a:t>
             </a:r>
           </a:p>
           <a:p>
@@ -5816,7 +6280,7 @@
 </p:sld>
 </file>
 
-<file path=ppt/slides/slide24.xml><?xml version="1.0" encoding="utf-8"?>
+<file path=ppt/slides/slide28.xml><?xml version="1.0" encoding="utf-8"?>
 <p:sld xmlns:a="http://schemas.openxmlformats.org/drawingml/2006/main" xmlns:r="http://schemas.openxmlformats.org/officeDocument/2006/relationships" xmlns:p="http://schemas.openxmlformats.org/presentationml/2006/main">
   <p:cSld>
     <p:spTree>
@@ -6004,7 +6468,7 @@
           <a:p>
             <a:r>
               <a:rPr lang="en-US" dirty="0"/>
-              <a:t>Heroku</a:t>
+              <a:t>GitHub Pages</a:t>
             </a:r>
           </a:p>
         </p:txBody>
@@ -6026,35 +6490,37 @@
           <a:p>
             <a:r>
               <a:rPr lang="en-US" dirty="0"/>
-              <a:t>Moved project to Heroku</a:t>
-            </a:r>
-          </a:p>
-          <a:p>
-            <a:pPr lvl="1"/>
-            <a:r>
-              <a:rPr lang="en-US" dirty="0"/>
-              <a:t>Takes care of the most back end things</a:t>
-            </a:r>
-          </a:p>
-          <a:p>
-            <a:pPr lvl="1"/>
-            <a:r>
-              <a:rPr lang="en-US" dirty="0"/>
-              <a:t>Easy to setup</a:t>
-            </a:r>
-          </a:p>
-          <a:p>
-            <a:pPr lvl="1"/>
-            <a:r>
-              <a:rPr lang="en-US" dirty="0"/>
-              <a:t>Vrok.it also utilized</a:t>
-            </a:r>
-          </a:p>
-          <a:p>
-            <a:pPr lvl="1"/>
-            <a:r>
-              <a:rPr lang="en-US" dirty="0"/>
-              <a:t>Free!</a:t>
+              <a:t>Planned for project hosting</a:t>
+            </a:r>
+          </a:p>
+          <a:p>
+            <a:r>
+              <a:rPr lang="en-US" dirty="0"/>
+              <a:t>Simple adjustment in theory</a:t>
+            </a:r>
+          </a:p>
+          <a:p>
+            <a:r>
+              <a:rPr lang="en-US" dirty="0"/>
+              <a:t>Pages loaded static, only partial functionality</a:t>
+            </a:r>
+          </a:p>
+          <a:p>
+            <a:r>
+              <a:rPr lang="en-US" dirty="0"/>
+              <a:t>Lacks server support</a:t>
+            </a:r>
+          </a:p>
+          <a:p>
+            <a:r>
+              <a:rPr lang="en-US" dirty="0"/>
+              <a:t>No node.js support</a:t>
+            </a:r>
+          </a:p>
+          <a:p>
+            <a:r>
+              <a:rPr lang="en-US" dirty="0"/>
+              <a:t>Had to move to an alternative</a:t>
             </a:r>
           </a:p>
         </p:txBody>
@@ -6062,7 +6528,7 @@
     </p:spTree>
     <p:extLst>
       <p:ext uri="{BB962C8B-B14F-4D97-AF65-F5344CB8AC3E}">
-        <p14:creationId xmlns:p14="http://schemas.microsoft.com/office/powerpoint/2010/main" val="3373248086"/>
+        <p14:creationId xmlns:p14="http://schemas.microsoft.com/office/powerpoint/2010/main" val="2387219817"/>
       </p:ext>
     </p:extLst>
   </p:cSld>
@@ -6106,6 +6572,108 @@
           <a:p>
             <a:r>
               <a:rPr lang="en-US" dirty="0"/>
+              <a:t>Heroku</a:t>
+            </a:r>
+          </a:p>
+        </p:txBody>
+      </p:sp>
+      <p:sp>
+        <p:nvSpPr>
+          <p:cNvPr id="3" name="Content Placeholder 2"/>
+          <p:cNvSpPr>
+            <a:spLocks noGrp="1"/>
+          </p:cNvSpPr>
+          <p:nvPr>
+            <p:ph idx="1"/>
+          </p:nvPr>
+        </p:nvSpPr>
+        <p:spPr/>
+        <p:txBody>
+          <a:bodyPr/>
+          <a:lstStyle/>
+          <a:p>
+            <a:r>
+              <a:rPr lang="en-US" dirty="0"/>
+              <a:t>Moved project to Heroku</a:t>
+            </a:r>
+          </a:p>
+          <a:p>
+            <a:pPr lvl="1"/>
+            <a:r>
+              <a:rPr lang="en-US" dirty="0"/>
+              <a:t>Takes care of the most back end things</a:t>
+            </a:r>
+          </a:p>
+          <a:p>
+            <a:pPr lvl="1"/>
+            <a:r>
+              <a:rPr lang="en-US" dirty="0"/>
+              <a:t>Easy to setup</a:t>
+            </a:r>
+          </a:p>
+          <a:p>
+            <a:pPr lvl="1"/>
+            <a:r>
+              <a:rPr lang="en-US" dirty="0"/>
+              <a:t>Vrok.it also utilized</a:t>
+            </a:r>
+          </a:p>
+          <a:p>
+            <a:pPr lvl="1"/>
+            <a:r>
+              <a:rPr lang="en-US" dirty="0"/>
+              <a:t>Free!</a:t>
+            </a:r>
+          </a:p>
+        </p:txBody>
+      </p:sp>
+    </p:spTree>
+    <p:extLst>
+      <p:ext uri="{BB962C8B-B14F-4D97-AF65-F5344CB8AC3E}">
+        <p14:creationId xmlns:p14="http://schemas.microsoft.com/office/powerpoint/2010/main" val="3373248086"/>
+      </p:ext>
+    </p:extLst>
+  </p:cSld>
+  <p:clrMapOvr>
+    <a:masterClrMapping/>
+  </p:clrMapOvr>
+</p:sld>
+</file>
+
+<file path=ppt/slides/slide6.xml><?xml version="1.0" encoding="utf-8"?>
+<p:sld xmlns:a="http://schemas.openxmlformats.org/drawingml/2006/main" xmlns:r="http://schemas.openxmlformats.org/officeDocument/2006/relationships" xmlns:p="http://schemas.openxmlformats.org/presentationml/2006/main">
+  <p:cSld>
+    <p:spTree>
+      <p:nvGrpSpPr>
+        <p:cNvPr id="1" name=""/>
+        <p:cNvGrpSpPr/>
+        <p:nvPr/>
+      </p:nvGrpSpPr>
+      <p:grpSpPr>
+        <a:xfrm>
+          <a:off x="0" y="0"/>
+          <a:ext cx="0" cy="0"/>
+          <a:chOff x="0" y="0"/>
+          <a:chExt cx="0" cy="0"/>
+        </a:xfrm>
+      </p:grpSpPr>
+      <p:sp>
+        <p:nvSpPr>
+          <p:cNvPr id="2" name="Title 1"/>
+          <p:cNvSpPr>
+            <a:spLocks noGrp="1"/>
+          </p:cNvSpPr>
+          <p:nvPr>
+            <p:ph type="title"/>
+          </p:nvPr>
+        </p:nvSpPr>
+        <p:spPr/>
+        <p:txBody>
+          <a:bodyPr/>
+          <a:lstStyle/>
+          <a:p>
+            <a:r>
+              <a:rPr lang="en-US" dirty="0"/>
               <a:t>Getting The Website Set Up</a:t>
             </a:r>
           </a:p>
@@ -6183,7 +6751,7 @@
 </p:sld>
 </file>
 
-<file path=ppt/slides/slide6.xml><?xml version="1.0" encoding="utf-8"?>
+<file path=ppt/slides/slide7.xml><?xml version="1.0" encoding="utf-8"?>
 <p:sld xmlns:a="http://schemas.openxmlformats.org/drawingml/2006/main" xmlns:r="http://schemas.openxmlformats.org/officeDocument/2006/relationships" xmlns:p="http://schemas.openxmlformats.org/presentationml/2006/main">
   <p:cSld>
     <p:spTree>
@@ -6314,7 +6882,7 @@
 </p:sld>
 </file>
 
-<file path=ppt/slides/slide7.xml><?xml version="1.0" encoding="utf-8"?>
+<file path=ppt/slides/slide8.xml><?xml version="1.0" encoding="utf-8"?>
 <p:sld xmlns:a="http://schemas.openxmlformats.org/drawingml/2006/main" xmlns:r="http://schemas.openxmlformats.org/officeDocument/2006/relationships" xmlns:p="http://schemas.openxmlformats.org/presentationml/2006/main">
   <p:cSld>
     <p:spTree>
@@ -6424,92 +6992,6 @@
 </p:sld>
 </file>
 
-<file path=ppt/slides/slide8.xml><?xml version="1.0" encoding="utf-8"?>
-<p:sld xmlns:a="http://schemas.openxmlformats.org/drawingml/2006/main" xmlns:r="http://schemas.openxmlformats.org/officeDocument/2006/relationships" xmlns:p="http://schemas.openxmlformats.org/presentationml/2006/main">
-  <p:cSld>
-    <p:spTree>
-      <p:nvGrpSpPr>
-        <p:cNvPr id="1" name=""/>
-        <p:cNvGrpSpPr/>
-        <p:nvPr/>
-      </p:nvGrpSpPr>
-      <p:grpSpPr>
-        <a:xfrm>
-          <a:off x="0" y="0"/>
-          <a:ext cx="0" cy="0"/>
-          <a:chOff x="0" y="0"/>
-          <a:chExt cx="0" cy="0"/>
-        </a:xfrm>
-      </p:grpSpPr>
-      <p:sp>
-        <p:nvSpPr>
-          <p:cNvPr id="2" name="Title 1"/>
-          <p:cNvSpPr>
-            <a:spLocks noGrp="1"/>
-          </p:cNvSpPr>
-          <p:nvPr>
-            <p:ph type="title"/>
-          </p:nvPr>
-        </p:nvSpPr>
-        <p:spPr/>
-        <p:txBody>
-          <a:bodyPr/>
-          <a:lstStyle/>
-          <a:p>
-            <a:r>
-              <a:rPr lang="en-US" dirty="0"/>
-              <a:t>Node.js</a:t>
-            </a:r>
-          </a:p>
-        </p:txBody>
-      </p:sp>
-      <p:sp>
-        <p:nvSpPr>
-          <p:cNvPr id="3" name="Content Placeholder 2"/>
-          <p:cNvSpPr>
-            <a:spLocks noGrp="1"/>
-          </p:cNvSpPr>
-          <p:nvPr>
-            <p:ph idx="1"/>
-          </p:nvPr>
-        </p:nvSpPr>
-        <p:spPr/>
-        <p:txBody>
-          <a:bodyPr/>
-          <a:lstStyle/>
-          <a:p>
-            <a:r>
-              <a:rPr lang="en-US" dirty="0"/>
-              <a:t>Asynchronous</a:t>
-            </a:r>
-          </a:p>
-          <a:p>
-            <a:r>
-              <a:rPr lang="en-US" dirty="0"/>
-              <a:t>Server side</a:t>
-            </a:r>
-          </a:p>
-          <a:p>
-            <a:r>
-              <a:rPr lang="en-US" dirty="0"/>
-              <a:t>Used by vrok.it and API</a:t>
-            </a:r>
-          </a:p>
-        </p:txBody>
-      </p:sp>
-    </p:spTree>
-    <p:extLst>
-      <p:ext uri="{BB962C8B-B14F-4D97-AF65-F5344CB8AC3E}">
-        <p14:creationId xmlns:p14="http://schemas.microsoft.com/office/powerpoint/2010/main" val="898502521"/>
-      </p:ext>
-    </p:extLst>
-  </p:cSld>
-  <p:clrMapOvr>
-    <a:masterClrMapping/>
-  </p:clrMapOvr>
-</p:sld>
-</file>
-
 <file path=ppt/slides/slide9.xml><?xml version="1.0" encoding="utf-8"?>
 <p:sld xmlns:a="http://schemas.openxmlformats.org/drawingml/2006/main" xmlns:r="http://schemas.openxmlformats.org/officeDocument/2006/relationships" xmlns:p="http://schemas.openxmlformats.org/presentationml/2006/main">
   <p:cSld>
@@ -6544,7 +7026,7 @@
           <a:p>
             <a:r>
               <a:rPr lang="en-US" dirty="0"/>
-              <a:t>Express.js	</a:t>
+              <a:t>Node.js</a:t>
             </a:r>
           </a:p>
         </p:txBody>
@@ -6566,60 +7048,27 @@
           <a:p>
             <a:r>
               <a:rPr lang="en-US" dirty="0"/>
-              <a:t>Utilized by Vrok.it and API already</a:t>
-            </a:r>
-          </a:p>
-          <a:p>
-            <a:r>
-              <a:rPr lang="en-US" dirty="0"/>
-              <a:t>Node.js web app framework</a:t>
-            </a:r>
-          </a:p>
-          <a:p>
-            <a:r>
-              <a:rPr lang="en-US" dirty="0"/>
-              <a:t>Matches on request sent to server</a:t>
-            </a:r>
-          </a:p>
-          <a:p>
-            <a:endParaRPr lang="en-US" dirty="0"/>
-          </a:p>
-        </p:txBody>
-      </p:sp>
-      <p:pic>
-        <p:nvPicPr>
-          <p:cNvPr id="4" name="Picture 3"/>
-          <p:cNvPicPr>
-            <a:picLocks noChangeAspect="1"/>
-          </p:cNvPicPr>
-          <p:nvPr/>
-        </p:nvPicPr>
-        <p:blipFill>
-          <a:blip r:embed="rId2">
-            <a:extLst>
-              <a:ext uri="{28A0092B-C50C-407E-A947-70E740481C1C}">
-                <a14:useLocalDpi xmlns:a14="http://schemas.microsoft.com/office/drawing/2010/main" val="0"/>
-              </a:ext>
-            </a:extLst>
-          </a:blip>
-          <a:stretch>
-            <a:fillRect/>
-          </a:stretch>
-        </p:blipFill>
-        <p:spPr>
-          <a:xfrm>
-            <a:off x="5268408" y="2496773"/>
-            <a:ext cx="5887272" cy="3372321"/>
-          </a:xfrm>
-          <a:prstGeom prst="rect">
-            <a:avLst/>
-          </a:prstGeom>
-        </p:spPr>
-      </p:pic>
+              <a:t>Asynchronous</a:t>
+            </a:r>
+          </a:p>
+          <a:p>
+            <a:r>
+              <a:rPr lang="en-US" dirty="0"/>
+              <a:t>Server side</a:t>
+            </a:r>
+          </a:p>
+          <a:p>
+            <a:r>
+              <a:rPr lang="en-US" dirty="0"/>
+              <a:t>Used by vrok.it and API</a:t>
+            </a:r>
+          </a:p>
+        </p:txBody>
+      </p:sp>
     </p:spTree>
     <p:extLst>
       <p:ext uri="{BB962C8B-B14F-4D97-AF65-F5344CB8AC3E}">
-        <p14:creationId xmlns:p14="http://schemas.microsoft.com/office/powerpoint/2010/main" val="3351494084"/>
+        <p14:creationId xmlns:p14="http://schemas.microsoft.com/office/powerpoint/2010/main" val="898502521"/>
       </p:ext>
     </p:extLst>
   </p:cSld>

--- a/Project Documents/Progress Report 2/Progress report.pptx
+++ b/Project Documents/Progress Report 2/Progress report.pptx
@@ -4414,6 +4414,24 @@
             </a:r>
           </a:p>
           <a:p>
+            <a:r>
+              <a:rPr lang="en-US" dirty="0"/>
+              <a:t>Using bootstrap as well</a:t>
+            </a:r>
+          </a:p>
+          <a:p>
+            <a:r>
+              <a:rPr lang="en-US" dirty="0"/>
+              <a:t>Functioning state</a:t>
+            </a:r>
+          </a:p>
+          <a:p>
+            <a:r>
+              <a:rPr lang="en-US" dirty="0"/>
+              <a:t>Hope to improve</a:t>
+            </a:r>
+          </a:p>
+          <a:p>
             <a:endParaRPr lang="en-US" dirty="0"/>
           </a:p>
         </p:txBody>
@@ -4517,6 +4535,18 @@
           <a:p>
             <a:r>
               <a:rPr lang="en-US" dirty="0"/>
+              <a:t>Loading within the page when model selected</a:t>
+            </a:r>
+          </a:p>
+          <a:p>
+            <a:r>
+              <a:rPr lang="en-US" dirty="0"/>
+              <a:t>Now will open locally uploaded models from bucket</a:t>
+            </a:r>
+          </a:p>
+          <a:p>
+            <a:r>
+              <a:rPr lang="en-US" dirty="0"/>
               <a:t>Adjustable set of controls within </a:t>
             </a:r>
             <a:r>
@@ -4537,7 +4567,7 @@
           <a:p>
             <a:r>
               <a:rPr lang="en-US" dirty="0"/>
-              <a:t>Stereoscopic views soon to be improved</a:t>
+              <a:t>Stereoscopic views soon to be improved for VR</a:t>
             </a:r>
           </a:p>
           <a:p>
@@ -4617,7 +4647,13 @@
           <a:p>
             <a:r>
               <a:rPr lang="en-US" dirty="0"/>
-              <a:t>Locked behind authentication</a:t>
+              <a:t>Created new bucket</a:t>
+            </a:r>
+          </a:p>
+          <a:p>
+            <a:r>
+              <a:rPr lang="en-US" dirty="0"/>
+              <a:t>Locks buckets behind authentication</a:t>
             </a:r>
           </a:p>
           <a:p>
@@ -4629,7 +4665,16 @@
           <a:p>
             <a:r>
               <a:rPr lang="en-US" dirty="0"/>
-              <a:t>Loads models from project buckets</a:t>
+              <a:t>Conflicting files and errors prevented upload to bucket</a:t>
+            </a:r>
+          </a:p>
+          <a:p>
+            <a:pPr marL="0" indent="0">
+              <a:buNone/>
+            </a:pPr>
+            <a:r>
+              <a:rPr lang="en-US" dirty="0"/>
+              <a:t>  Loads models from project buckets</a:t>
             </a:r>
           </a:p>
           <a:p>
@@ -4637,6 +4682,36 @@
           </a:p>
         </p:txBody>
       </p:sp>
+      <p:pic>
+        <p:nvPicPr>
+          <p:cNvPr id="4" name="Picture 3"/>
+          <p:cNvPicPr>
+            <a:picLocks noChangeAspect="1"/>
+          </p:cNvPicPr>
+          <p:nvPr/>
+        </p:nvPicPr>
+        <p:blipFill>
+          <a:blip r:embed="rId2">
+            <a:extLst>
+              <a:ext uri="{28A0092B-C50C-407E-A947-70E740481C1C}">
+                <a14:useLocalDpi xmlns:a14="http://schemas.microsoft.com/office/drawing/2010/main" val="0"/>
+              </a:ext>
+            </a:extLst>
+          </a:blip>
+          <a:stretch>
+            <a:fillRect/>
+          </a:stretch>
+        </p:blipFill>
+        <p:spPr>
+          <a:xfrm>
+            <a:off x="7129641" y="1845734"/>
+            <a:ext cx="3733167" cy="2907506"/>
+          </a:xfrm>
+          <a:prstGeom prst="rect">
+            <a:avLst/>
+          </a:prstGeom>
+        </p:spPr>
+      </p:pic>
     </p:spTree>
     <p:extLst>
       <p:ext uri="{BB962C8B-B14F-4D97-AF65-F5344CB8AC3E}">
@@ -5093,7 +5168,7 @@
           <a:p>
             <a:r>
               <a:rPr lang="en-US" dirty="0"/>
-              <a:t>Main Purpose</a:t>
+              <a:t>Main Purpose &amp; Goals</a:t>
             </a:r>
           </a:p>
         </p:txBody>
@@ -5115,7 +5190,7 @@
           <a:p>
             <a:r>
               <a:rPr lang="en-US" dirty="0"/>
-              <a:t>Use Vrok.it and Forge API</a:t>
+              <a:t>Use Vrok.it and the Forge API collection</a:t>
             </a:r>
           </a:p>
           <a:p>
